--- a/actividad_2_3/reflexiones/ReflexAct2.3-MatiasKochowski.pptx
+++ b/actividad_2_3/reflexiones/ReflexAct2.3-MatiasKochowski.pptx
@@ -8143,60 +8143,6 @@
       </p:grpSpPr>
       <p:sp>
         <p:nvSpPr>
-          <p:cNvPr id="57" name="Rounded Rectangle 56">
-            <a:extLst>
-              <a:ext uri="{FF2B5EF4-FFF2-40B4-BE49-F238E27FC236}">
-                <a16:creationId xmlns:a16="http://schemas.microsoft.com/office/drawing/2014/main" id="{0B5D60DC-2F8B-E34C-BCE2-ADAC643B9FD6}"/>
-              </a:ext>
-            </a:extLst>
-          </p:cNvPr>
-          <p:cNvSpPr/>
-          <p:nvPr/>
-        </p:nvSpPr>
-        <p:spPr>
-          <a:xfrm>
-            <a:off x="6941532" y="4327685"/>
-            <a:ext cx="3599191" cy="1576776"/>
-          </a:xfrm>
-          <a:prstGeom prst="roundRect">
-            <a:avLst>
-              <a:gd name="adj" fmla="val 8523"/>
-            </a:avLst>
-          </a:prstGeom>
-          <a:solidFill>
-            <a:schemeClr val="tx1"/>
-          </a:solidFill>
-          <a:ln w="38100">
-            <a:noFill/>
-          </a:ln>
-        </p:spPr>
-        <p:style>
-          <a:lnRef idx="2">
-            <a:schemeClr val="accent1">
-              <a:shade val="50000"/>
-            </a:schemeClr>
-          </a:lnRef>
-          <a:fillRef idx="1">
-            <a:schemeClr val="accent1"/>
-          </a:fillRef>
-          <a:effectRef idx="0">
-            <a:schemeClr val="accent1"/>
-          </a:effectRef>
-          <a:fontRef idx="minor">
-            <a:schemeClr val="lt1"/>
-          </a:fontRef>
-        </p:style>
-        <p:txBody>
-          <a:bodyPr rtlCol="0" anchor="ctr"/>
-          <a:lstStyle/>
-          <a:p>
-            <a:pPr algn="ctr"/>
-            <a:endParaRPr lang="en-MX"/>
-          </a:p>
-        </p:txBody>
-      </p:sp>
-      <p:sp>
-        <p:nvSpPr>
           <p:cNvPr id="44" name="Rounded Rectangle 43">
             <a:extLst>
               <a:ext uri="{FF2B5EF4-FFF2-40B4-BE49-F238E27FC236}">
@@ -8641,79 +8587,42 @@
           <a:lstStyle/>
           <a:p>
             <a:r>
-              <a:rPr lang="en-MX" sz="1100" dirty="0">
-                <a:latin typeface="Google Sans" panose="020B0503030502040204" pitchFamily="34" charset="0"/>
-              </a:rPr>
-              <a:t>{</a:t>
-            </a:r>
-          </a:p>
-          <a:p>
-            <a:pPr marL="179388"/>
-            <a:r>
-              <a:rPr lang="en-MX" sz="1100" dirty="0">
-                <a:latin typeface="Google Sans" panose="020B0503030502040204" pitchFamily="34" charset="0"/>
-              </a:rPr>
-              <a:t>“</a:t>
-            </a:r>
-            <a:r>
               <a:rPr lang="en-US" sz="1100" dirty="0">
                 <a:latin typeface="Google Sans" panose="020B0503030502040204" pitchFamily="34" charset="0"/>
               </a:rPr>
-              <a:t>10-30T21:39:26,679.57.853.40:5668,Failed password for root</a:t>
-            </a:r>
-            <a:r>
-              <a:rPr lang="en-MX" sz="1100" dirty="0">
-                <a:latin typeface="Google Sans" panose="020B0503030502040204" pitchFamily="34" charset="0"/>
-              </a:rPr>
-              <a:t> ”, </a:t>
-            </a:r>
-          </a:p>
-          <a:p>
-            <a:pPr marL="179388"/>
-            <a:r>
-              <a:rPr lang="en-MX" sz="1100" dirty="0">
-                <a:latin typeface="Google Sans" panose="020B0503030502040204" pitchFamily="34" charset="0"/>
-              </a:rPr>
-              <a:t>“</a:t>
-            </a:r>
+              <a:t>{</a:t>
+            </a:r>
+          </a:p>
+          <a:p>
+            <a:pPr marL="185738"/>
             <a:r>
               <a:rPr lang="en-US" sz="1100" dirty="0">
                 <a:latin typeface="Google Sans" panose="020B0503030502040204" pitchFamily="34" charset="0"/>
               </a:rPr>
-              <a:t>10-30T21:52:57,164.48.60.79:6597,Failed password for illegal user test</a:t>
-            </a:r>
-            <a:r>
-              <a:rPr lang="en-MX" sz="1100" dirty="0">
-                <a:latin typeface="Google Sans" panose="020B0503030502040204" pitchFamily="34" charset="0"/>
-              </a:rPr>
-              <a:t> ”,</a:t>
-            </a:r>
+              <a:t>“679.57.853.40:5668,10-30T21:39:26,Failed password for root ”, </a:t>
+            </a:r>
+          </a:p>
+          <a:p>
+            <a:pPr marL="185738"/>
             <a:r>
               <a:rPr lang="en-US" sz="1100" dirty="0">
                 <a:latin typeface="Google Sans" panose="020B0503030502040204" pitchFamily="34" charset="0"/>
               </a:rPr>
-              <a:t> </a:t>
-            </a:r>
-          </a:p>
-          <a:p>
-            <a:pPr marL="179388"/>
+              <a:t>“164.48.60.79:6597,10-30T21:52:57,Failed password for illegal user test ”, </a:t>
+            </a:r>
+          </a:p>
+          <a:p>
+            <a:pPr marL="185738"/>
             <a:r>
               <a:rPr lang="en-US" sz="1100" dirty="0">
                 <a:latin typeface="Google Sans" panose="020B0503030502040204" pitchFamily="34" charset="0"/>
               </a:rPr>
-              <a:t>“10-30T22:06:30,774.16.162.29:4184,Illegal user </a:t>
-            </a:r>
-            <a:r>
-              <a:rPr lang="en-MX" sz="1100" dirty="0">
-                <a:latin typeface="Google Sans" panose="020B0503030502040204" pitchFamily="34" charset="0"/>
-              </a:rPr>
-              <a:t>”</a:t>
-            </a:r>
-          </a:p>
-          <a:p>
-            <a:pPr marL="11113"/>
-            <a:r>
-              <a:rPr lang="en-MX" sz="1100" dirty="0">
+              <a:t>“774.16.162.29:4184,10-30T22:06:30,Illegal user ”</a:t>
+            </a:r>
+          </a:p>
+          <a:p>
+            <a:r>
+              <a:rPr lang="en-US" sz="1100" dirty="0">
                 <a:latin typeface="Google Sans" panose="020B0503030502040204" pitchFamily="34" charset="0"/>
               </a:rPr>
               <a:t>}</a:t>
@@ -11918,7 +11827,7 @@
           <a:lstStyle/>
           <a:p>
             <a:r>
-              <a:rPr lang="en-MX" sz="1100" dirty="0">
+              <a:rPr lang="es-ES_tradnl" sz="1100" dirty="0">
                 <a:solidFill>
                   <a:schemeClr val="tx1">
                     <a:lumMod val="75000"/>
@@ -11927,11 +11836,11 @@
                 </a:solidFill>
                 <a:latin typeface="Google Sans" panose="020B0503030502040204" pitchFamily="34" charset="0"/>
               </a:rPr>
-              <a:t>Este dato es útil para el cálculo de la complejidad tiempo de los algoritmos (de ordenamiento y búsqueda).</a:t>
-            </a:r>
-          </a:p>
-          <a:p>
-            <a:endParaRPr lang="en-MX" sz="1100" dirty="0">
+              <a:t>Este dato es útil para el cálculo de la complejidad tiempo de los algoritmos (de eficiencia del uso de las listas doblemente ligadas).</a:t>
+            </a:r>
+          </a:p>
+          <a:p>
+            <a:endParaRPr lang="es-ES_tradnl" sz="1100" dirty="0">
               <a:solidFill>
                 <a:schemeClr val="tx1">
                   <a:lumMod val="75000"/>
@@ -11943,7 +11852,7 @@
           </a:p>
           <a:p>
             <a:r>
-              <a:rPr lang="en-MX" sz="1100" dirty="0">
+              <a:rPr lang="es-ES_tradnl" sz="1100" dirty="0">
                 <a:solidFill>
                   <a:schemeClr val="tx1">
                     <a:lumMod val="75000"/>
@@ -11952,746 +11861,28 @@
                 </a:solidFill>
                 <a:latin typeface="Google Sans" panose="020B0503030502040204" pitchFamily="34" charset="0"/>
               </a:rPr>
-              <a:t>Nos permitirá tomar una decisión fundamentada sobre cuales usar y porqué.</a:t>
-            </a:r>
-          </a:p>
-        </p:txBody>
-      </p:sp>
-      <p:sp>
-        <p:nvSpPr>
-          <p:cNvPr id="12" name="Rectangle 11">
-            <a:extLst>
-              <a:ext uri="{FF2B5EF4-FFF2-40B4-BE49-F238E27FC236}">
-                <a16:creationId xmlns:a16="http://schemas.microsoft.com/office/drawing/2014/main" id="{292DB459-B22D-9D4C-A06C-39E0570B9BAA}"/>
-              </a:ext>
-            </a:extLst>
-          </p:cNvPr>
-          <p:cNvSpPr/>
-          <p:nvPr/>
-        </p:nvSpPr>
-        <p:spPr>
-          <a:xfrm>
-            <a:off x="7018633" y="4467675"/>
-            <a:ext cx="3522090" cy="1338828"/>
-          </a:xfrm>
-          <a:prstGeom prst="rect">
-            <a:avLst/>
-          </a:prstGeom>
-        </p:spPr>
-        <p:txBody>
-          <a:bodyPr wrap="square">
-            <a:spAutoFit/>
-          </a:bodyPr>
-          <a:lstStyle/>
-          <a:p>
-            <a:r>
-              <a:rPr lang="en-US" sz="900" b="1" dirty="0">
-                <a:solidFill>
-                  <a:srgbClr val="B5B6E3"/>
-                </a:solidFill>
-                <a:latin typeface="Andale Mono" panose="020B0509000000000004" pitchFamily="49" charset="0"/>
-              </a:rPr>
-              <a:t>std</a:t>
-            </a:r>
-            <a:r>
-              <a:rPr lang="en-US" sz="900" b="1" dirty="0">
-                <a:solidFill>
-                  <a:schemeClr val="bg1"/>
-                </a:solidFill>
-                <a:latin typeface="Andale Mono" panose="020B0509000000000004" pitchFamily="49" charset="0"/>
-              </a:rPr>
-              <a:t>::</a:t>
-            </a:r>
-            <a:r>
-              <a:rPr lang="en-US" sz="900" b="1" dirty="0">
-                <a:solidFill>
-                  <a:srgbClr val="B9BCD1"/>
-                </a:solidFill>
-                <a:latin typeface="Andale Mono" panose="020B0509000000000004" pitchFamily="49" charset="0"/>
-              </a:rPr>
-              <a:t>string </a:t>
-            </a:r>
-            <a:r>
-              <a:rPr lang="en-US" sz="900" b="1" dirty="0" err="1">
-                <a:solidFill>
-                  <a:srgbClr val="FFC66D"/>
-                </a:solidFill>
-                <a:latin typeface="Andale Mono" panose="020B0509000000000004" pitchFamily="49" charset="0"/>
-              </a:rPr>
-              <a:t>mesTextoANro</a:t>
-            </a:r>
-            <a:r>
-              <a:rPr lang="en-US" sz="900" b="1" dirty="0">
-                <a:solidFill>
-                  <a:schemeClr val="bg1"/>
-                </a:solidFill>
-                <a:latin typeface="Andale Mono" panose="020B0509000000000004" pitchFamily="49" charset="0"/>
-              </a:rPr>
-              <a:t>(</a:t>
-            </a:r>
-            <a:r>
-              <a:rPr lang="en-US" sz="900" b="1" dirty="0">
-                <a:solidFill>
-                  <a:srgbClr val="CC7832"/>
-                </a:solidFill>
-                <a:latin typeface="Andale Mono" panose="020B0509000000000004" pitchFamily="49" charset="0"/>
-              </a:rPr>
-              <a:t>const</a:t>
-            </a:r>
-            <a:r>
-              <a:rPr lang="en-US" sz="900" b="1" dirty="0">
-                <a:solidFill>
-                  <a:schemeClr val="bg1"/>
-                </a:solidFill>
-                <a:latin typeface="Andale Mono" panose="020B0509000000000004" pitchFamily="49" charset="0"/>
-              </a:rPr>
-              <a:t> </a:t>
-            </a:r>
-            <a:r>
-              <a:rPr lang="en-US" sz="900" b="1" dirty="0">
-                <a:solidFill>
-                  <a:srgbClr val="B5B6E3"/>
-                </a:solidFill>
-                <a:latin typeface="Andale Mono" panose="020B0509000000000004" pitchFamily="49" charset="0"/>
-              </a:rPr>
-              <a:t>std</a:t>
-            </a:r>
-            <a:r>
-              <a:rPr lang="en-US" sz="900" b="1" dirty="0">
-                <a:solidFill>
-                  <a:schemeClr val="bg1"/>
-                </a:solidFill>
-                <a:latin typeface="Andale Mono" panose="020B0509000000000004" pitchFamily="49" charset="0"/>
-              </a:rPr>
-              <a:t>::</a:t>
-            </a:r>
-            <a:r>
-              <a:rPr lang="en-US" sz="900" b="1" dirty="0">
-                <a:solidFill>
-                  <a:srgbClr val="B9BCD1"/>
-                </a:solidFill>
-                <a:latin typeface="Andale Mono" panose="020B0509000000000004" pitchFamily="49" charset="0"/>
-              </a:rPr>
-              <a:t>string</a:t>
-            </a:r>
-            <a:r>
-              <a:rPr lang="en-US" sz="900" b="1" dirty="0">
-                <a:solidFill>
-                  <a:schemeClr val="bg1"/>
-                </a:solidFill>
-                <a:latin typeface="Andale Mono" panose="020B0509000000000004" pitchFamily="49" charset="0"/>
-              </a:rPr>
-              <a:t>&amp; </a:t>
-            </a:r>
-            <a:r>
-              <a:rPr lang="en-US" sz="900" b="1" dirty="0" err="1">
-                <a:solidFill>
-                  <a:schemeClr val="bg1"/>
-                </a:solidFill>
-                <a:latin typeface="Andale Mono" panose="020B0509000000000004" pitchFamily="49" charset="0"/>
-              </a:rPr>
-              <a:t>mes</a:t>
-            </a:r>
-            <a:r>
-              <a:rPr lang="en-US" sz="900" b="1" dirty="0">
-                <a:solidFill>
-                  <a:schemeClr val="bg1"/>
-                </a:solidFill>
-                <a:latin typeface="Andale Mono" panose="020B0509000000000004" pitchFamily="49" charset="0"/>
-              </a:rPr>
-              <a:t>)</a:t>
-            </a:r>
-            <a:br>
-              <a:rPr lang="en-US" sz="900" b="1" dirty="0">
-                <a:latin typeface="Andale Mono" panose="020B0509000000000004" pitchFamily="49" charset="0"/>
-              </a:rPr>
-            </a:br>
-            <a:r>
-              <a:rPr lang="en-US" sz="900" b="1" dirty="0">
-                <a:solidFill>
-                  <a:schemeClr val="bg1"/>
-                </a:solidFill>
-                <a:latin typeface="Andale Mono" panose="020B0509000000000004" pitchFamily="49" charset="0"/>
-              </a:rPr>
-              <a:t>{</a:t>
-            </a:r>
-            <a:br>
-              <a:rPr lang="en-US" sz="900" b="1" dirty="0">
-                <a:solidFill>
-                  <a:schemeClr val="bg1"/>
-                </a:solidFill>
-                <a:latin typeface="Andale Mono" panose="020B0509000000000004" pitchFamily="49" charset="0"/>
-              </a:rPr>
-            </a:br>
-            <a:r>
-              <a:rPr lang="en-US" sz="900" b="1" dirty="0">
-                <a:latin typeface="Andale Mono" panose="020B0509000000000004" pitchFamily="49" charset="0"/>
-              </a:rPr>
-              <a:t>    </a:t>
-            </a:r>
-            <a:r>
-              <a:rPr lang="en-US" sz="900" b="1" dirty="0">
-                <a:solidFill>
-                  <a:srgbClr val="CC7832"/>
-                </a:solidFill>
-                <a:latin typeface="Andale Mono" panose="020B0509000000000004" pitchFamily="49" charset="0"/>
-              </a:rPr>
-              <a:t>if</a:t>
-            </a:r>
-            <a:r>
-              <a:rPr lang="en-US" sz="900" b="1" dirty="0">
-                <a:solidFill>
-                  <a:schemeClr val="bg1"/>
-                </a:solidFill>
-                <a:latin typeface="Andale Mono" panose="020B0509000000000004" pitchFamily="49" charset="0"/>
-              </a:rPr>
-              <a:t> (</a:t>
-            </a:r>
-            <a:r>
-              <a:rPr lang="en-US" sz="900" b="1" dirty="0" err="1">
-                <a:solidFill>
-                  <a:schemeClr val="bg1"/>
-                </a:solidFill>
-                <a:latin typeface="Andale Mono" panose="020B0509000000000004" pitchFamily="49" charset="0"/>
-              </a:rPr>
-              <a:t>mes</a:t>
-            </a:r>
-            <a:r>
-              <a:rPr lang="en-US" sz="900" b="1" dirty="0">
-                <a:solidFill>
-                  <a:schemeClr val="bg1"/>
-                </a:solidFill>
-                <a:latin typeface="Andale Mono" panose="020B0509000000000004" pitchFamily="49" charset="0"/>
-              </a:rPr>
-              <a:t> </a:t>
-            </a:r>
-            <a:r>
-              <a:rPr lang="en-US" sz="900" b="1" dirty="0">
-                <a:solidFill>
-                  <a:srgbClr val="5F8C8A"/>
-                </a:solidFill>
-                <a:latin typeface="Andale Mono" panose="020B0509000000000004" pitchFamily="49" charset="0"/>
-              </a:rPr>
-              <a:t>== </a:t>
-            </a:r>
-            <a:r>
-              <a:rPr lang="en-US" sz="900" b="1" dirty="0">
-                <a:solidFill>
-                  <a:srgbClr val="6A8759"/>
-                </a:solidFill>
-                <a:latin typeface="Andale Mono" panose="020B0509000000000004" pitchFamily="49" charset="0"/>
-              </a:rPr>
-              <a:t>"Jun "</a:t>
-            </a:r>
-            <a:r>
-              <a:rPr lang="en-US" sz="900" b="1" dirty="0">
-                <a:solidFill>
-                  <a:schemeClr val="bg1"/>
-                </a:solidFill>
-                <a:latin typeface="Andale Mono" panose="020B0509000000000004" pitchFamily="49" charset="0"/>
-              </a:rPr>
-              <a:t>)</a:t>
-            </a:r>
-            <a:r>
-              <a:rPr lang="en-US" sz="900" b="1" dirty="0">
-                <a:latin typeface="Andale Mono" panose="020B0509000000000004" pitchFamily="49" charset="0"/>
-              </a:rPr>
-              <a:t> </a:t>
-            </a:r>
-            <a:r>
-              <a:rPr lang="en-US" sz="900" b="1" dirty="0">
-                <a:solidFill>
-                  <a:srgbClr val="CC7832"/>
-                </a:solidFill>
-                <a:latin typeface="Andale Mono" panose="020B0509000000000004" pitchFamily="49" charset="0"/>
-              </a:rPr>
-              <a:t>return </a:t>
-            </a:r>
-            <a:r>
-              <a:rPr lang="en-US" sz="900" b="1" dirty="0">
-                <a:solidFill>
-                  <a:srgbClr val="6A8759"/>
-                </a:solidFill>
-                <a:latin typeface="Andale Mono" panose="020B0509000000000004" pitchFamily="49" charset="0"/>
-              </a:rPr>
-              <a:t>"06-"</a:t>
-            </a:r>
-            <a:r>
-              <a:rPr lang="en-US" sz="900" b="1" dirty="0">
-                <a:solidFill>
-                  <a:srgbClr val="CC7832"/>
-                </a:solidFill>
-                <a:latin typeface="Andale Mono" panose="020B0509000000000004" pitchFamily="49" charset="0"/>
-              </a:rPr>
-              <a:t>;</a:t>
-            </a:r>
-            <a:br>
-              <a:rPr lang="en-US" sz="900" b="1" dirty="0">
-                <a:solidFill>
-                  <a:srgbClr val="CC7832"/>
-                </a:solidFill>
-                <a:latin typeface="Andale Mono" panose="020B0509000000000004" pitchFamily="49" charset="0"/>
-              </a:rPr>
-            </a:br>
-            <a:r>
-              <a:rPr lang="en-US" sz="900" b="1" dirty="0">
-                <a:solidFill>
-                  <a:srgbClr val="CC7832"/>
-                </a:solidFill>
-                <a:latin typeface="Andale Mono" panose="020B0509000000000004" pitchFamily="49" charset="0"/>
-              </a:rPr>
-              <a:t>    if</a:t>
-            </a:r>
-            <a:r>
-              <a:rPr lang="en-US" sz="900" b="1" dirty="0">
-                <a:solidFill>
-                  <a:schemeClr val="bg1"/>
-                </a:solidFill>
-                <a:latin typeface="Andale Mono" panose="020B0509000000000004" pitchFamily="49" charset="0"/>
-              </a:rPr>
-              <a:t> (</a:t>
-            </a:r>
-            <a:r>
-              <a:rPr lang="en-US" sz="900" b="1" dirty="0" err="1">
-                <a:solidFill>
-                  <a:schemeClr val="bg1"/>
-                </a:solidFill>
-                <a:latin typeface="Andale Mono" panose="020B0509000000000004" pitchFamily="49" charset="0"/>
-              </a:rPr>
-              <a:t>mes</a:t>
-            </a:r>
-            <a:r>
-              <a:rPr lang="en-US" sz="900" b="1" dirty="0">
-                <a:solidFill>
-                  <a:schemeClr val="bg1"/>
-                </a:solidFill>
-                <a:latin typeface="Andale Mono" panose="020B0509000000000004" pitchFamily="49" charset="0"/>
-              </a:rPr>
-              <a:t> </a:t>
-            </a:r>
-            <a:r>
-              <a:rPr lang="en-US" sz="900" b="1" dirty="0">
-                <a:solidFill>
-                  <a:srgbClr val="5F8C8A"/>
-                </a:solidFill>
-                <a:latin typeface="Andale Mono" panose="020B0509000000000004" pitchFamily="49" charset="0"/>
-              </a:rPr>
-              <a:t>== </a:t>
-            </a:r>
-            <a:r>
-              <a:rPr lang="en-US" sz="900" b="1" dirty="0">
-                <a:solidFill>
-                  <a:srgbClr val="6A8759"/>
-                </a:solidFill>
-                <a:latin typeface="Andale Mono" panose="020B0509000000000004" pitchFamily="49" charset="0"/>
-              </a:rPr>
-              <a:t>"Jul "</a:t>
-            </a:r>
-            <a:r>
-              <a:rPr lang="en-US" sz="900" b="1" dirty="0">
-                <a:solidFill>
-                  <a:schemeClr val="bg1"/>
-                </a:solidFill>
-                <a:latin typeface="Andale Mono" panose="020B0509000000000004" pitchFamily="49" charset="0"/>
-              </a:rPr>
-              <a:t>)</a:t>
-            </a:r>
-            <a:r>
-              <a:rPr lang="en-US" sz="900" b="1" dirty="0">
-                <a:latin typeface="Andale Mono" panose="020B0509000000000004" pitchFamily="49" charset="0"/>
-              </a:rPr>
-              <a:t> </a:t>
-            </a:r>
-            <a:r>
-              <a:rPr lang="en-US" sz="900" b="1" dirty="0">
-                <a:solidFill>
-                  <a:srgbClr val="CC7832"/>
-                </a:solidFill>
-                <a:latin typeface="Andale Mono" panose="020B0509000000000004" pitchFamily="49" charset="0"/>
-              </a:rPr>
-              <a:t>return </a:t>
-            </a:r>
-            <a:r>
-              <a:rPr lang="en-US" sz="900" b="1" dirty="0">
-                <a:solidFill>
-                  <a:srgbClr val="6A8759"/>
-                </a:solidFill>
-                <a:latin typeface="Andale Mono" panose="020B0509000000000004" pitchFamily="49" charset="0"/>
-              </a:rPr>
-              <a:t>"07-"</a:t>
-            </a:r>
-            <a:r>
-              <a:rPr lang="en-US" sz="900" b="1" dirty="0">
-                <a:solidFill>
-                  <a:srgbClr val="CC7832"/>
-                </a:solidFill>
-                <a:latin typeface="Andale Mono" panose="020B0509000000000004" pitchFamily="49" charset="0"/>
-              </a:rPr>
-              <a:t>;</a:t>
-            </a:r>
-            <a:br>
-              <a:rPr lang="en-US" sz="900" b="1" dirty="0">
-                <a:solidFill>
-                  <a:srgbClr val="CC7832"/>
-                </a:solidFill>
-                <a:latin typeface="Andale Mono" panose="020B0509000000000004" pitchFamily="49" charset="0"/>
-              </a:rPr>
-            </a:br>
-            <a:r>
-              <a:rPr lang="en-US" sz="900" b="1" dirty="0">
-                <a:solidFill>
-                  <a:srgbClr val="CC7832"/>
-                </a:solidFill>
-                <a:latin typeface="Andale Mono" panose="020B0509000000000004" pitchFamily="49" charset="0"/>
-              </a:rPr>
-              <a:t>    if</a:t>
-            </a:r>
-            <a:r>
-              <a:rPr lang="en-US" sz="900" b="1" dirty="0">
-                <a:solidFill>
-                  <a:schemeClr val="bg1"/>
-                </a:solidFill>
-                <a:latin typeface="Andale Mono" panose="020B0509000000000004" pitchFamily="49" charset="0"/>
-              </a:rPr>
-              <a:t> (</a:t>
-            </a:r>
-            <a:r>
-              <a:rPr lang="en-US" sz="900" b="1" dirty="0" err="1">
-                <a:solidFill>
-                  <a:schemeClr val="bg1"/>
-                </a:solidFill>
-                <a:latin typeface="Andale Mono" panose="020B0509000000000004" pitchFamily="49" charset="0"/>
-              </a:rPr>
-              <a:t>mes</a:t>
-            </a:r>
-            <a:r>
-              <a:rPr lang="en-US" sz="900" b="1" dirty="0">
-                <a:solidFill>
-                  <a:schemeClr val="bg1"/>
-                </a:solidFill>
-                <a:latin typeface="Andale Mono" panose="020B0509000000000004" pitchFamily="49" charset="0"/>
-              </a:rPr>
-              <a:t> </a:t>
-            </a:r>
-            <a:r>
-              <a:rPr lang="en-US" sz="900" b="1" dirty="0">
-                <a:solidFill>
-                  <a:srgbClr val="5F8C8A"/>
-                </a:solidFill>
-                <a:latin typeface="Andale Mono" panose="020B0509000000000004" pitchFamily="49" charset="0"/>
-              </a:rPr>
-              <a:t>== </a:t>
-            </a:r>
-            <a:r>
-              <a:rPr lang="en-US" sz="900" b="1" dirty="0">
-                <a:solidFill>
-                  <a:srgbClr val="6A8759"/>
-                </a:solidFill>
-                <a:latin typeface="Andale Mono" panose="020B0509000000000004" pitchFamily="49" charset="0"/>
-              </a:rPr>
-              <a:t>"Aug "</a:t>
-            </a:r>
-            <a:r>
-              <a:rPr lang="en-US" sz="900" b="1" dirty="0">
-                <a:solidFill>
-                  <a:schemeClr val="bg1"/>
-                </a:solidFill>
-                <a:latin typeface="Andale Mono" panose="020B0509000000000004" pitchFamily="49" charset="0"/>
-              </a:rPr>
-              <a:t>)</a:t>
-            </a:r>
-            <a:r>
-              <a:rPr lang="en-US" sz="900" b="1" dirty="0">
-                <a:latin typeface="Andale Mono" panose="020B0509000000000004" pitchFamily="49" charset="0"/>
-              </a:rPr>
-              <a:t> </a:t>
-            </a:r>
-            <a:r>
-              <a:rPr lang="en-US" sz="900" b="1" dirty="0">
-                <a:solidFill>
-                  <a:srgbClr val="CC7832"/>
-                </a:solidFill>
-                <a:latin typeface="Andale Mono" panose="020B0509000000000004" pitchFamily="49" charset="0"/>
-              </a:rPr>
-              <a:t>return </a:t>
-            </a:r>
-            <a:r>
-              <a:rPr lang="en-US" sz="900" b="1" dirty="0">
-                <a:solidFill>
-                  <a:srgbClr val="6A8759"/>
-                </a:solidFill>
-                <a:latin typeface="Andale Mono" panose="020B0509000000000004" pitchFamily="49" charset="0"/>
-              </a:rPr>
-              <a:t>"08-"</a:t>
-            </a:r>
-            <a:r>
-              <a:rPr lang="en-US" sz="900" b="1" dirty="0">
-                <a:solidFill>
-                  <a:srgbClr val="CC7832"/>
-                </a:solidFill>
-                <a:latin typeface="Andale Mono" panose="020B0509000000000004" pitchFamily="49" charset="0"/>
-              </a:rPr>
-              <a:t>;</a:t>
-            </a:r>
-            <a:br>
-              <a:rPr lang="en-US" sz="900" b="1" dirty="0">
-                <a:solidFill>
-                  <a:srgbClr val="CC7832"/>
-                </a:solidFill>
-                <a:latin typeface="Andale Mono" panose="020B0509000000000004" pitchFamily="49" charset="0"/>
-              </a:rPr>
-            </a:br>
-            <a:r>
-              <a:rPr lang="en-US" sz="900" b="1" dirty="0">
-                <a:solidFill>
-                  <a:srgbClr val="CC7832"/>
-                </a:solidFill>
-                <a:latin typeface="Andale Mono" panose="020B0509000000000004" pitchFamily="49" charset="0"/>
-              </a:rPr>
-              <a:t>    if</a:t>
-            </a:r>
-            <a:r>
-              <a:rPr lang="en-US" sz="900" b="1" dirty="0">
-                <a:solidFill>
-                  <a:schemeClr val="bg1"/>
-                </a:solidFill>
-                <a:latin typeface="Andale Mono" panose="020B0509000000000004" pitchFamily="49" charset="0"/>
-              </a:rPr>
-              <a:t> (</a:t>
-            </a:r>
-            <a:r>
-              <a:rPr lang="en-US" sz="900" b="1" dirty="0" err="1">
-                <a:solidFill>
-                  <a:schemeClr val="bg1"/>
-                </a:solidFill>
-                <a:latin typeface="Andale Mono" panose="020B0509000000000004" pitchFamily="49" charset="0"/>
-              </a:rPr>
-              <a:t>mes</a:t>
-            </a:r>
-            <a:r>
-              <a:rPr lang="en-US" sz="900" b="1" dirty="0">
-                <a:solidFill>
-                  <a:schemeClr val="bg1"/>
-                </a:solidFill>
-                <a:latin typeface="Andale Mono" panose="020B0509000000000004" pitchFamily="49" charset="0"/>
-              </a:rPr>
-              <a:t> </a:t>
-            </a:r>
-            <a:r>
-              <a:rPr lang="en-US" sz="900" b="1" dirty="0">
-                <a:solidFill>
-                  <a:srgbClr val="5F8C8A"/>
-                </a:solidFill>
-                <a:latin typeface="Andale Mono" panose="020B0509000000000004" pitchFamily="49" charset="0"/>
-              </a:rPr>
-              <a:t>== </a:t>
-            </a:r>
-            <a:r>
-              <a:rPr lang="en-US" sz="900" b="1" dirty="0">
-                <a:solidFill>
-                  <a:srgbClr val="6A8759"/>
-                </a:solidFill>
-                <a:latin typeface="Andale Mono" panose="020B0509000000000004" pitchFamily="49" charset="0"/>
-              </a:rPr>
-              <a:t>"Sep "</a:t>
-            </a:r>
-            <a:r>
-              <a:rPr lang="en-US" sz="900" b="1" dirty="0">
-                <a:solidFill>
-                  <a:schemeClr val="bg1"/>
-                </a:solidFill>
-                <a:latin typeface="Andale Mono" panose="020B0509000000000004" pitchFamily="49" charset="0"/>
-              </a:rPr>
-              <a:t>)</a:t>
-            </a:r>
-            <a:r>
-              <a:rPr lang="en-US" sz="900" b="1" dirty="0">
-                <a:latin typeface="Andale Mono" panose="020B0509000000000004" pitchFamily="49" charset="0"/>
-              </a:rPr>
-              <a:t> </a:t>
-            </a:r>
-            <a:r>
-              <a:rPr lang="en-US" sz="900" b="1" dirty="0">
-                <a:solidFill>
-                  <a:srgbClr val="CC7832"/>
-                </a:solidFill>
-                <a:latin typeface="Andale Mono" panose="020B0509000000000004" pitchFamily="49" charset="0"/>
-              </a:rPr>
-              <a:t>return </a:t>
-            </a:r>
-            <a:r>
-              <a:rPr lang="en-US" sz="900" b="1" dirty="0">
-                <a:solidFill>
-                  <a:srgbClr val="6A8759"/>
-                </a:solidFill>
-                <a:latin typeface="Andale Mono" panose="020B0509000000000004" pitchFamily="49" charset="0"/>
-              </a:rPr>
-              <a:t>"09-"</a:t>
-            </a:r>
-            <a:r>
-              <a:rPr lang="en-US" sz="900" b="1" dirty="0">
-                <a:solidFill>
-                  <a:srgbClr val="CC7832"/>
-                </a:solidFill>
-                <a:latin typeface="Andale Mono" panose="020B0509000000000004" pitchFamily="49" charset="0"/>
-              </a:rPr>
-              <a:t>;</a:t>
-            </a:r>
-            <a:br>
-              <a:rPr lang="en-US" sz="900" b="1" dirty="0">
-                <a:solidFill>
-                  <a:srgbClr val="CC7832"/>
-                </a:solidFill>
-                <a:latin typeface="Andale Mono" panose="020B0509000000000004" pitchFamily="49" charset="0"/>
-              </a:rPr>
-            </a:br>
-            <a:r>
-              <a:rPr lang="en-US" sz="900" b="1" dirty="0">
-                <a:solidFill>
-                  <a:srgbClr val="CC7832"/>
-                </a:solidFill>
-                <a:latin typeface="Andale Mono" panose="020B0509000000000004" pitchFamily="49" charset="0"/>
-              </a:rPr>
-              <a:t>    if</a:t>
-            </a:r>
-            <a:r>
-              <a:rPr lang="en-US" sz="900" b="1" dirty="0">
-                <a:solidFill>
-                  <a:schemeClr val="bg1"/>
-                </a:solidFill>
-                <a:latin typeface="Andale Mono" panose="020B0509000000000004" pitchFamily="49" charset="0"/>
-              </a:rPr>
-              <a:t> (</a:t>
-            </a:r>
-            <a:r>
-              <a:rPr lang="en-US" sz="900" b="1" dirty="0" err="1">
-                <a:solidFill>
-                  <a:schemeClr val="bg1"/>
-                </a:solidFill>
-                <a:latin typeface="Andale Mono" panose="020B0509000000000004" pitchFamily="49" charset="0"/>
-              </a:rPr>
-              <a:t>mes</a:t>
-            </a:r>
-            <a:r>
-              <a:rPr lang="en-US" sz="900" b="1" dirty="0">
-                <a:solidFill>
-                  <a:schemeClr val="bg1"/>
-                </a:solidFill>
-                <a:latin typeface="Andale Mono" panose="020B0509000000000004" pitchFamily="49" charset="0"/>
-              </a:rPr>
-              <a:t> </a:t>
-            </a:r>
-            <a:r>
-              <a:rPr lang="en-US" sz="900" b="1" dirty="0">
-                <a:solidFill>
-                  <a:srgbClr val="5F8C8A"/>
-                </a:solidFill>
-                <a:latin typeface="Andale Mono" panose="020B0509000000000004" pitchFamily="49" charset="0"/>
-              </a:rPr>
-              <a:t>== </a:t>
-            </a:r>
-            <a:r>
-              <a:rPr lang="en-US" sz="900" b="1" dirty="0">
-                <a:solidFill>
-                  <a:srgbClr val="6A8759"/>
-                </a:solidFill>
-                <a:latin typeface="Andale Mono" panose="020B0509000000000004" pitchFamily="49" charset="0"/>
-              </a:rPr>
-              <a:t>"Oct "</a:t>
-            </a:r>
-            <a:r>
-              <a:rPr lang="en-US" sz="900" b="1" dirty="0">
-                <a:solidFill>
-                  <a:schemeClr val="bg1"/>
-                </a:solidFill>
-                <a:latin typeface="Andale Mono" panose="020B0509000000000004" pitchFamily="49" charset="0"/>
-              </a:rPr>
-              <a:t>) </a:t>
-            </a:r>
-            <a:r>
-              <a:rPr lang="en-US" sz="900" b="1" dirty="0">
-                <a:solidFill>
-                  <a:srgbClr val="CC7832"/>
-                </a:solidFill>
-                <a:latin typeface="Andale Mono" panose="020B0509000000000004" pitchFamily="49" charset="0"/>
-              </a:rPr>
-              <a:t>return </a:t>
-            </a:r>
-            <a:r>
-              <a:rPr lang="en-US" sz="900" b="1" dirty="0">
-                <a:solidFill>
-                  <a:srgbClr val="6A8759"/>
-                </a:solidFill>
-                <a:latin typeface="Andale Mono" panose="020B0509000000000004" pitchFamily="49" charset="0"/>
-              </a:rPr>
-              <a:t>"10-"</a:t>
-            </a:r>
-            <a:r>
-              <a:rPr lang="en-US" sz="900" b="1" dirty="0">
-                <a:solidFill>
-                  <a:srgbClr val="CC7832"/>
-                </a:solidFill>
-                <a:latin typeface="Andale Mono" panose="020B0509000000000004" pitchFamily="49" charset="0"/>
-              </a:rPr>
-              <a:t>;</a:t>
-            </a:r>
-            <a:br>
-              <a:rPr lang="en-US" sz="900" b="1" dirty="0">
-                <a:solidFill>
-                  <a:srgbClr val="CC7832"/>
-                </a:solidFill>
-                <a:latin typeface="Andale Mono" panose="020B0509000000000004" pitchFamily="49" charset="0"/>
-              </a:rPr>
-            </a:br>
-            <a:r>
-              <a:rPr lang="en-US" sz="900" b="1" dirty="0">
-                <a:solidFill>
-                  <a:srgbClr val="CC7832"/>
-                </a:solidFill>
-                <a:latin typeface="Andale Mono" panose="020B0509000000000004" pitchFamily="49" charset="0"/>
-              </a:rPr>
-              <a:t>    return </a:t>
-            </a:r>
-            <a:r>
-              <a:rPr lang="en-US" sz="900" b="1" dirty="0" err="1">
-                <a:solidFill>
-                  <a:srgbClr val="CC7832"/>
-                </a:solidFill>
-                <a:latin typeface="Andale Mono" panose="020B0509000000000004" pitchFamily="49" charset="0"/>
-              </a:rPr>
-              <a:t>nullptr</a:t>
-            </a:r>
-            <a:r>
-              <a:rPr lang="en-US" sz="900" b="1" dirty="0">
-                <a:solidFill>
-                  <a:srgbClr val="CC7832"/>
-                </a:solidFill>
-                <a:latin typeface="Andale Mono" panose="020B0509000000000004" pitchFamily="49" charset="0"/>
-              </a:rPr>
-              <a:t>;</a:t>
-            </a:r>
-            <a:br>
-              <a:rPr lang="en-US" sz="900" b="1" dirty="0">
-                <a:solidFill>
-                  <a:srgbClr val="CC7832"/>
-                </a:solidFill>
-                <a:latin typeface="Andale Mono" panose="020B0509000000000004" pitchFamily="49" charset="0"/>
-              </a:rPr>
-            </a:br>
-            <a:r>
-              <a:rPr lang="en-US" sz="900" b="1" dirty="0">
-                <a:solidFill>
-                  <a:schemeClr val="bg1"/>
-                </a:solidFill>
-                <a:latin typeface="Andale Mono" panose="020B0509000000000004" pitchFamily="49" charset="0"/>
-              </a:rPr>
-              <a:t>}</a:t>
-            </a:r>
-            <a:endParaRPr lang="en-MX" sz="900" b="1" dirty="0">
+              <a:t>Nos permitirá realizar </a:t>
+            </a:r>
+            <a:r>
+              <a:rPr lang="es-ES_tradnl" sz="1100">
+                <a:solidFill>
+                  <a:schemeClr val="tx1">
+                    <a:lumMod val="75000"/>
+                    <a:lumOff val="25000"/>
+                  </a:schemeClr>
+                </a:solidFill>
+                <a:latin typeface="Google Sans" panose="020B0503030502040204" pitchFamily="34" charset="0"/>
+              </a:rPr>
+              <a:t>un evaluación.</a:t>
+            </a:r>
+            <a:endParaRPr lang="es-ES_tradnl" sz="1100" dirty="0">
               <a:solidFill>
-                <a:schemeClr val="bg1"/>
+                <a:schemeClr val="tx1">
+                  <a:lumMod val="75000"/>
+                  <a:lumOff val="25000"/>
+                </a:schemeClr>
               </a:solidFill>
-              <a:latin typeface="Andale Mono" panose="020B0509000000000004" pitchFamily="49" charset="0"/>
+              <a:latin typeface="Google Sans" panose="020B0503030502040204" pitchFamily="34" charset="0"/>
             </a:endParaRPr>
           </a:p>
         </p:txBody>

--- a/actividad_2_3/reflexiones/ReflexAct2.3-MatiasKochowski.pptx
+++ b/actividad_2_3/reflexiones/ReflexAct2.3-MatiasKochowski.pptx
@@ -3826,7 +3826,7 @@
         <p:spPr>
           <a:xfrm>
             <a:off x="448774" y="5709005"/>
-            <a:ext cx="3122971" cy="646331"/>
+            <a:ext cx="3143809" cy="646331"/>
           </a:xfrm>
           <a:prstGeom prst="rect">
             <a:avLst/>
@@ -3858,7 +3858,7 @@
                 <a:latin typeface="Google Sans" panose="020B0503030502040204" pitchFamily="34" charset="0"/>
                 <a:ea typeface="Roboto" panose="02000000000000000000" pitchFamily="2" charset="0"/>
               </a:rPr>
-              <a:t>Esteban</a:t>
+              <a:t>Esteban Sánchez - a01251440</a:t>
             </a:r>
           </a:p>
           <a:p>
@@ -11861,29 +11861,8 @@
                 </a:solidFill>
                 <a:latin typeface="Google Sans" panose="020B0503030502040204" pitchFamily="34" charset="0"/>
               </a:rPr>
-              <a:t>Nos permitirá realizar </a:t>
-            </a:r>
-            <a:r>
-              <a:rPr lang="es-ES_tradnl" sz="1100">
-                <a:solidFill>
-                  <a:schemeClr val="tx1">
-                    <a:lumMod val="75000"/>
-                    <a:lumOff val="25000"/>
-                  </a:schemeClr>
-                </a:solidFill>
-                <a:latin typeface="Google Sans" panose="020B0503030502040204" pitchFamily="34" charset="0"/>
-              </a:rPr>
-              <a:t>un evaluación.</a:t>
-            </a:r>
-            <a:endParaRPr lang="es-ES_tradnl" sz="1100" dirty="0">
-              <a:solidFill>
-                <a:schemeClr val="tx1">
-                  <a:lumMod val="75000"/>
-                  <a:lumOff val="25000"/>
-                </a:schemeClr>
-              </a:solidFill>
-              <a:latin typeface="Google Sans" panose="020B0503030502040204" pitchFamily="34" charset="0"/>
-            </a:endParaRPr>
+              <a:t>Nos permitirá realizar un evaluación.</a:t>
+            </a:r>
           </a:p>
         </p:txBody>
       </p:sp>
@@ -11919,10 +11898,10 @@
       </p:grpSpPr>
       <p:sp>
         <p:nvSpPr>
-          <p:cNvPr id="15" name="Rounded Rectangle 14">
-            <a:extLst>
-              <a:ext uri="{FF2B5EF4-FFF2-40B4-BE49-F238E27FC236}">
-                <a16:creationId xmlns:a16="http://schemas.microsoft.com/office/drawing/2014/main" id="{845D9E4B-709A-844B-BC7D-F63CED79C510}"/>
+          <p:cNvPr id="12" name="Rounded Rectangle 11">
+            <a:extLst>
+              <a:ext uri="{FF2B5EF4-FFF2-40B4-BE49-F238E27FC236}">
+                <a16:creationId xmlns:a16="http://schemas.microsoft.com/office/drawing/2014/main" id="{06B5C660-477D-EB47-812E-708424A8EF2E}"/>
               </a:ext>
             </a:extLst>
           </p:cNvPr>
@@ -11931,62 +11910,8 @@
         </p:nvSpPr>
         <p:spPr>
           <a:xfrm>
-            <a:off x="6347069" y="1371556"/>
-            <a:ext cx="5509549" cy="3617609"/>
-          </a:xfrm>
-          <a:prstGeom prst="roundRect">
-            <a:avLst>
-              <a:gd name="adj" fmla="val 3415"/>
-            </a:avLst>
-          </a:prstGeom>
-          <a:solidFill>
-            <a:schemeClr val="tx1"/>
-          </a:solidFill>
-          <a:ln w="38100">
-            <a:noFill/>
-          </a:ln>
-        </p:spPr>
-        <p:style>
-          <a:lnRef idx="2">
-            <a:schemeClr val="accent1">
-              <a:shade val="50000"/>
-            </a:schemeClr>
-          </a:lnRef>
-          <a:fillRef idx="1">
-            <a:schemeClr val="accent1"/>
-          </a:fillRef>
-          <a:effectRef idx="0">
-            <a:schemeClr val="accent1"/>
-          </a:effectRef>
-          <a:fontRef idx="minor">
-            <a:schemeClr val="lt1"/>
-          </a:fontRef>
-        </p:style>
-        <p:txBody>
-          <a:bodyPr rtlCol="0" anchor="ctr"/>
-          <a:lstStyle/>
-          <a:p>
-            <a:pPr algn="ctr"/>
-            <a:endParaRPr lang="en-MX"/>
-          </a:p>
-        </p:txBody>
-      </p:sp>
-      <p:sp>
-        <p:nvSpPr>
-          <p:cNvPr id="12" name="Rounded Rectangle 11">
-            <a:extLst>
-              <a:ext uri="{FF2B5EF4-FFF2-40B4-BE49-F238E27FC236}">
-                <a16:creationId xmlns:a16="http://schemas.microsoft.com/office/drawing/2014/main" id="{06B5C660-477D-EB47-812E-708424A8EF2E}"/>
-              </a:ext>
-            </a:extLst>
-          </p:cNvPr>
-          <p:cNvSpPr/>
-          <p:nvPr/>
-        </p:nvSpPr>
-        <p:spPr>
-          <a:xfrm>
-            <a:off x="525005" y="1384710"/>
-            <a:ext cx="5319927" cy="4284569"/>
+            <a:off x="6232802" y="840918"/>
+            <a:ext cx="5319927" cy="5448595"/>
           </a:xfrm>
           <a:prstGeom prst="roundRect">
             <a:avLst>
@@ -12099,7 +12024,7 @@
         <p:spPr>
           <a:xfrm>
             <a:off x="804463" y="895531"/>
-            <a:ext cx="6583441" cy="276999"/>
+            <a:ext cx="5042813" cy="276999"/>
           </a:xfrm>
           <a:prstGeom prst="rect">
             <a:avLst/>
@@ -12260,10 +12185,10 @@
       </p:sp>
       <p:sp>
         <p:nvSpPr>
-          <p:cNvPr id="6" name="Rectangle 5">
-            <a:extLst>
-              <a:ext uri="{FF2B5EF4-FFF2-40B4-BE49-F238E27FC236}">
-                <a16:creationId xmlns:a16="http://schemas.microsoft.com/office/drawing/2014/main" id="{19AE2C24-6EC0-374C-821F-A2DFCD590241}"/>
+          <p:cNvPr id="4" name="Rectangle 3">
+            <a:extLst>
+              <a:ext uri="{FF2B5EF4-FFF2-40B4-BE49-F238E27FC236}">
+                <a16:creationId xmlns:a16="http://schemas.microsoft.com/office/drawing/2014/main" id="{BD0A6942-9A33-634A-8A27-9B1B8F6D21C3}"/>
               </a:ext>
             </a:extLst>
           </p:cNvPr>
@@ -12272,8 +12197,8 @@
         </p:nvSpPr>
         <p:spPr>
           <a:xfrm>
-            <a:off x="6513114" y="1510093"/>
-            <a:ext cx="5177458" cy="3277820"/>
+            <a:off x="6335788" y="984846"/>
+            <a:ext cx="5154500" cy="5216813"/>
           </a:xfrm>
           <a:prstGeom prst="rect">
             <a:avLst/>
@@ -12286,387 +12211,856 @@
           <a:lstStyle/>
           <a:p>
             <a:r>
+              <a:rPr lang="en-US" sz="900" b="1" dirty="0">
+                <a:solidFill>
+                  <a:schemeClr val="accent6"/>
+                </a:solidFill>
+                <a:latin typeface="Andale Mono" panose="020B0509000000000004" pitchFamily="49" charset="0"/>
+              </a:rPr>
+              <a:t>// </a:t>
+            </a:r>
+            <a:r>
               <a:rPr lang="en-US" sz="900" b="1" dirty="0" err="1">
                 <a:solidFill>
-                  <a:srgbClr val="00B0F0"/>
-                </a:solidFill>
-                <a:latin typeface="Andale Mono" panose="020B0509000000000004" pitchFamily="49" charset="0"/>
-              </a:rPr>
-              <a:t>dateTime,ipAddress,errorMessage</a:t>
-            </a:r>
-            <a:br>
-              <a:rPr lang="en-US" sz="900" b="1" dirty="0">
-                <a:solidFill>
-                  <a:schemeClr val="bg1"/>
-                </a:solidFill>
-                <a:latin typeface="Andale Mono" panose="020B0509000000000004" pitchFamily="49" charset="0"/>
-              </a:rPr>
-            </a:br>
-            <a:r>
-              <a:rPr lang="en-US" sz="900" b="1" dirty="0">
-                <a:solidFill>
-                  <a:schemeClr val="bg1"/>
-                </a:solidFill>
-                <a:latin typeface="Andale Mono" panose="020B0509000000000004" pitchFamily="49" charset="0"/>
-              </a:rPr>
-              <a:t>06-01T00:14:39,895.33.752.33:5974,Failed password for illegal user test </a:t>
-            </a:r>
-            <a:br>
-              <a:rPr lang="en-US" sz="900" b="1" dirty="0">
-                <a:solidFill>
-                  <a:schemeClr val="bg1"/>
-                </a:solidFill>
-                <a:latin typeface="Andale Mono" panose="020B0509000000000004" pitchFamily="49" charset="0"/>
-              </a:rPr>
-            </a:br>
-            <a:r>
-              <a:rPr lang="en-US" sz="900" b="1" dirty="0">
-                <a:solidFill>
-                  <a:schemeClr val="bg1"/>
-                </a:solidFill>
-                <a:latin typeface="Andale Mono" panose="020B0509000000000004" pitchFamily="49" charset="0"/>
-              </a:rPr>
-              <a:t>06-01T00:17:32,901.18.919.12:5807,Failed password for illegal user guest </a:t>
-            </a:r>
-            <a:br>
-              <a:rPr lang="en-US" sz="900" b="1" dirty="0">
-                <a:solidFill>
-                  <a:schemeClr val="bg1"/>
-                </a:solidFill>
-                <a:latin typeface="Andale Mono" panose="020B0509000000000004" pitchFamily="49" charset="0"/>
-              </a:rPr>
-            </a:br>
-            <a:r>
-              <a:rPr lang="en-US" sz="900" b="1" dirty="0">
-                <a:solidFill>
-                  <a:schemeClr val="bg1"/>
-                </a:solidFill>
-                <a:latin typeface="Andale Mono" panose="020B0509000000000004" pitchFamily="49" charset="0"/>
-              </a:rPr>
-              <a:t>06-01T00:22:14,268.82.665.50:6202,Failed password for root </a:t>
-            </a:r>
-            <a:br>
-              <a:rPr lang="en-US" sz="900" b="1" dirty="0">
-                <a:solidFill>
-                  <a:schemeClr val="bg1"/>
-                </a:solidFill>
-                <a:latin typeface="Andale Mono" panose="020B0509000000000004" pitchFamily="49" charset="0"/>
-              </a:rPr>
-            </a:br>
-            <a:r>
-              <a:rPr lang="en-US" sz="900" b="1" dirty="0">
-                <a:solidFill>
-                  <a:schemeClr val="bg1"/>
-                </a:solidFill>
-                <a:latin typeface="Andale Mono" panose="020B0509000000000004" pitchFamily="49" charset="0"/>
-              </a:rPr>
-              <a:t>06-01T00:31:39,745.41.553.21:4925,Failed password for admin </a:t>
-            </a:r>
-            <a:br>
-              <a:rPr lang="en-US" sz="900" b="1" dirty="0">
-                <a:solidFill>
-                  <a:schemeClr val="bg1"/>
-                </a:solidFill>
-                <a:latin typeface="Andale Mono" panose="020B0509000000000004" pitchFamily="49" charset="0"/>
-              </a:rPr>
-            </a:br>
-            <a:r>
-              <a:rPr lang="en-US" sz="900" b="1" dirty="0">
-                <a:solidFill>
-                  <a:schemeClr val="bg1"/>
-                </a:solidFill>
-                <a:latin typeface="Andale Mono" panose="020B0509000000000004" pitchFamily="49" charset="0"/>
-              </a:rPr>
-              <a:t>06-01T00:42:50,497.97.988.31:6636,Illegal user </a:t>
-            </a:r>
-            <a:br>
-              <a:rPr lang="en-US" sz="900" b="1" dirty="0">
-                <a:solidFill>
-                  <a:schemeClr val="bg1"/>
-                </a:solidFill>
-                <a:latin typeface="Andale Mono" panose="020B0509000000000004" pitchFamily="49" charset="0"/>
-              </a:rPr>
-            </a:br>
-            <a:r>
-              <a:rPr lang="en-US" sz="900" b="1" dirty="0">
-                <a:solidFill>
-                  <a:schemeClr val="bg1"/>
-                </a:solidFill>
-                <a:latin typeface="Andale Mono" panose="020B0509000000000004" pitchFamily="49" charset="0"/>
-              </a:rPr>
-              <a:t>06-01T00:49:25,608.37.179.94:6715,Failed password for admin </a:t>
-            </a:r>
-            <a:br>
-              <a:rPr lang="en-US" sz="900" b="1" dirty="0">
-                <a:solidFill>
-                  <a:schemeClr val="bg1"/>
-                </a:solidFill>
-                <a:latin typeface="Andale Mono" panose="020B0509000000000004" pitchFamily="49" charset="0"/>
-              </a:rPr>
-            </a:br>
-            <a:r>
-              <a:rPr lang="en-US" sz="900" b="1" dirty="0">
-                <a:solidFill>
-                  <a:schemeClr val="bg1"/>
-                </a:solidFill>
-                <a:latin typeface="Andale Mono" panose="020B0509000000000004" pitchFamily="49" charset="0"/>
-              </a:rPr>
-              <a:t>06-01T00:55:42,335.95.645.32:6284,Illegal user </a:t>
-            </a:r>
-            <a:br>
-              <a:rPr lang="en-US" sz="900" b="1" dirty="0">
-                <a:solidFill>
-                  <a:schemeClr val="bg1"/>
-                </a:solidFill>
-                <a:latin typeface="Andale Mono" panose="020B0509000000000004" pitchFamily="49" charset="0"/>
-              </a:rPr>
-            </a:br>
-            <a:r>
-              <a:rPr lang="en-US" sz="900" b="1" dirty="0">
-                <a:solidFill>
-                  <a:schemeClr val="bg1"/>
-                </a:solidFill>
-                <a:latin typeface="Andale Mono" panose="020B0509000000000004" pitchFamily="49" charset="0"/>
-              </a:rPr>
-              <a:t>06-01T01:18:23,10.43.466.53:6937,Failed password for illegal user test </a:t>
-            </a:r>
-            <a:br>
-              <a:rPr lang="en-US" sz="900" b="1" dirty="0">
-                <a:solidFill>
-                  <a:schemeClr val="bg1"/>
-                </a:solidFill>
-                <a:latin typeface="Andale Mono" panose="020B0509000000000004" pitchFamily="49" charset="0"/>
-              </a:rPr>
-            </a:br>
-            <a:r>
-              <a:rPr lang="en-US" sz="900" b="1" dirty="0">
-                <a:solidFill>
-                  <a:schemeClr val="bg1"/>
-                </a:solidFill>
-                <a:latin typeface="Andale Mono" panose="020B0509000000000004" pitchFamily="49" charset="0"/>
-              </a:rPr>
-              <a:t>06-01T01:30:57,930.68.543.89:5825,Failed password for illegal user test </a:t>
-            </a:r>
-            <a:br>
-              <a:rPr lang="en-US" sz="900" b="1" dirty="0">
-                <a:solidFill>
-                  <a:schemeClr val="bg1"/>
-                </a:solidFill>
-                <a:latin typeface="Andale Mono" panose="020B0509000000000004" pitchFamily="49" charset="0"/>
-              </a:rPr>
-            </a:br>
-            <a:r>
-              <a:rPr lang="en-US" sz="900" b="1" dirty="0">
-                <a:solidFill>
-                  <a:schemeClr val="bg1"/>
-                </a:solidFill>
-                <a:latin typeface="Andale Mono" panose="020B0509000000000004" pitchFamily="49" charset="0"/>
-              </a:rPr>
-              <a:t>06-01T02:06:19,271.58.635.18:5758,Failed password for root </a:t>
-            </a:r>
-            <a:br>
-              <a:rPr lang="en-US" sz="900" b="1" dirty="0">
-                <a:solidFill>
-                  <a:schemeClr val="bg1"/>
-                </a:solidFill>
-                <a:latin typeface="Andale Mono" panose="020B0509000000000004" pitchFamily="49" charset="0"/>
-              </a:rPr>
-            </a:br>
-            <a:r>
-              <a:rPr lang="en-US" sz="900" b="1" dirty="0">
-                <a:solidFill>
-                  <a:schemeClr val="bg1"/>
-                </a:solidFill>
-                <a:latin typeface="Andale Mono" panose="020B0509000000000004" pitchFamily="49" charset="0"/>
-              </a:rPr>
-              <a:t>06-01T02:27:35,847.39.216.22:6665,Failed password for illegal user test </a:t>
-            </a:r>
-            <a:br>
-              <a:rPr lang="en-US" sz="900" b="1" dirty="0">
-                <a:solidFill>
-                  <a:schemeClr val="bg1"/>
-                </a:solidFill>
-                <a:latin typeface="Andale Mono" panose="020B0509000000000004" pitchFamily="49" charset="0"/>
-              </a:rPr>
-            </a:br>
-            <a:r>
-              <a:rPr lang="en-US" sz="900" b="1" dirty="0">
-                <a:solidFill>
-                  <a:schemeClr val="bg1"/>
-                </a:solidFill>
-                <a:latin typeface="Andale Mono" panose="020B0509000000000004" pitchFamily="49" charset="0"/>
-              </a:rPr>
-              <a:t>06-01T02:32:49,698.84.382.6:4362,Failed password for admin </a:t>
-            </a:r>
-            <a:br>
-              <a:rPr lang="en-US" sz="900" b="1" dirty="0">
-                <a:solidFill>
-                  <a:schemeClr val="bg1"/>
-                </a:solidFill>
-                <a:latin typeface="Andale Mono" panose="020B0509000000000004" pitchFamily="49" charset="0"/>
-              </a:rPr>
-            </a:br>
-            <a:r>
-              <a:rPr lang="en-US" sz="900" b="1" dirty="0">
-                <a:solidFill>
-                  <a:schemeClr val="bg1"/>
-                </a:solidFill>
-                <a:latin typeface="Andale Mono" panose="020B0509000000000004" pitchFamily="49" charset="0"/>
-              </a:rPr>
-              <a:t>06-01T02:59:15,828.85.492.15:6281,Illegal user </a:t>
-            </a:r>
-            <a:br>
-              <a:rPr lang="en-US" sz="900" b="1" dirty="0">
-                <a:solidFill>
-                  <a:schemeClr val="bg1"/>
-                </a:solidFill>
-                <a:latin typeface="Andale Mono" panose="020B0509000000000004" pitchFamily="49" charset="0"/>
-              </a:rPr>
-            </a:br>
-            <a:r>
-              <a:rPr lang="en-US" sz="900" b="1" dirty="0">
-                <a:solidFill>
-                  <a:schemeClr val="bg1"/>
-                </a:solidFill>
-                <a:latin typeface="Andale Mono" panose="020B0509000000000004" pitchFamily="49" charset="0"/>
-              </a:rPr>
-              <a:t>06-01T03:08:19,719.96.787.8:4897,Illegal user </a:t>
-            </a:r>
-            <a:br>
-              <a:rPr lang="en-US" sz="900" b="1" dirty="0">
-                <a:solidFill>
-                  <a:schemeClr val="bg1"/>
-                </a:solidFill>
-                <a:latin typeface="Andale Mono" panose="020B0509000000000004" pitchFamily="49" charset="0"/>
-              </a:rPr>
-            </a:br>
-            <a:r>
-              <a:rPr lang="en-US" sz="900" b="1" dirty="0">
-                <a:solidFill>
-                  <a:schemeClr val="bg1"/>
-                </a:solidFill>
-                <a:latin typeface="Andale Mono" panose="020B0509000000000004" pitchFamily="49" charset="0"/>
-              </a:rPr>
-              <a:t>06-01T03:08:35,112.65.132.41:4869,Failed password for admin </a:t>
-            </a:r>
-            <a:br>
-              <a:rPr lang="en-US" sz="900" b="1" dirty="0">
-                <a:solidFill>
-                  <a:schemeClr val="bg1"/>
-                </a:solidFill>
-                <a:latin typeface="Andale Mono" panose="020B0509000000000004" pitchFamily="49" charset="0"/>
-              </a:rPr>
-            </a:br>
-            <a:r>
-              <a:rPr lang="en-US" sz="900" b="1" dirty="0">
-                <a:solidFill>
-                  <a:schemeClr val="bg1"/>
-                </a:solidFill>
-                <a:latin typeface="Andale Mono" panose="020B0509000000000004" pitchFamily="49" charset="0"/>
-              </a:rPr>
-              <a:t>06-01T03:10:03,376.95.120.45:4335,Failed password for root </a:t>
-            </a:r>
-            <a:br>
-              <a:rPr lang="en-US" sz="900" b="1" dirty="0">
-                <a:solidFill>
-                  <a:schemeClr val="bg1"/>
-                </a:solidFill>
-                <a:latin typeface="Andale Mono" panose="020B0509000000000004" pitchFamily="49" charset="0"/>
-              </a:rPr>
-            </a:br>
-            <a:r>
-              <a:rPr lang="en-US" sz="900" b="1" dirty="0">
-                <a:solidFill>
-                  <a:schemeClr val="bg1"/>
-                </a:solidFill>
-                <a:latin typeface="Andale Mono" panose="020B0509000000000004" pitchFamily="49" charset="0"/>
-              </a:rPr>
-              <a:t>06-01T03:22:38,609.89.179.46:4444,Failed password for root </a:t>
-            </a:r>
-            <a:br>
-              <a:rPr lang="en-US" sz="900" b="1" dirty="0">
-                <a:solidFill>
-                  <a:schemeClr val="bg1"/>
-                </a:solidFill>
-                <a:latin typeface="Andale Mono" panose="020B0509000000000004" pitchFamily="49" charset="0"/>
-              </a:rPr>
-            </a:br>
-            <a:r>
-              <a:rPr lang="en-US" sz="900" b="1" dirty="0">
-                <a:solidFill>
-                  <a:schemeClr val="bg1"/>
-                </a:solidFill>
-                <a:latin typeface="Andale Mono" panose="020B0509000000000004" pitchFamily="49" charset="0"/>
-              </a:rPr>
-              <a:t>06-01T03:44:33,257.63.94.92:4928,Failed password for illegal user test </a:t>
-            </a:r>
-            <a:br>
-              <a:rPr lang="en-US" sz="900" b="1" dirty="0">
-                <a:solidFill>
-                  <a:schemeClr val="bg1"/>
-                </a:solidFill>
-                <a:latin typeface="Andale Mono" panose="020B0509000000000004" pitchFamily="49" charset="0"/>
-              </a:rPr>
-            </a:br>
-            <a:r>
-              <a:rPr lang="en-US" sz="900" b="1" dirty="0">
-                <a:solidFill>
-                  <a:schemeClr val="bg1"/>
-                </a:solidFill>
-                <a:latin typeface="Andale Mono" panose="020B0509000000000004" pitchFamily="49" charset="0"/>
-              </a:rPr>
-              <a:t>06-01T04:08:36,783.83.33.92:5184,Failed password for root </a:t>
-            </a:r>
-            <a:br>
-              <a:rPr lang="en-US" sz="900" b="1" dirty="0">
-                <a:solidFill>
-                  <a:schemeClr val="bg1"/>
-                </a:solidFill>
-                <a:latin typeface="Andale Mono" panose="020B0509000000000004" pitchFamily="49" charset="0"/>
-              </a:rPr>
-            </a:br>
-            <a:r>
-              <a:rPr lang="en-US" sz="900" b="1" dirty="0">
-                <a:solidFill>
-                  <a:schemeClr val="bg1"/>
-                </a:solidFill>
-                <a:latin typeface="Andale Mono" panose="020B0509000000000004" pitchFamily="49" charset="0"/>
-              </a:rPr>
-              <a:t>06-01T04:10:09,730.30.210.65:5167,Failed password for admin </a:t>
-            </a:r>
-            <a:br>
-              <a:rPr lang="en-US" sz="900" b="1" dirty="0">
-                <a:solidFill>
-                  <a:schemeClr val="bg1"/>
-                </a:solidFill>
-                <a:latin typeface="Andale Mono" panose="020B0509000000000004" pitchFamily="49" charset="0"/>
-              </a:rPr>
-            </a:br>
-            <a:r>
-              <a:rPr lang="en-US" sz="900" b="1" dirty="0">
-                <a:solidFill>
-                  <a:schemeClr val="bg1"/>
-                </a:solidFill>
-                <a:latin typeface="Andale Mono" panose="020B0509000000000004" pitchFamily="49" charset="0"/>
-              </a:rPr>
-              <a:t>06-01T04:32:33,698.13.580.48:4394,Failed password for admin </a:t>
-            </a:r>
-            <a:br>
-              <a:rPr lang="en-US" sz="900" b="1" dirty="0">
-                <a:solidFill>
-                  <a:schemeClr val="bg1"/>
-                </a:solidFill>
-                <a:latin typeface="Andale Mono" panose="020B0509000000000004" pitchFamily="49" charset="0"/>
-              </a:rPr>
-            </a:br>
-            <a:r>
-              <a:rPr lang="en-US" sz="900" b="1" dirty="0">
-                <a:solidFill>
-                  <a:schemeClr val="bg1"/>
-                </a:solidFill>
-                <a:latin typeface="Andale Mono" panose="020B0509000000000004" pitchFamily="49" charset="0"/>
-              </a:rPr>
-              <a:t>06-01T04:48:20,1.55.405.18:6734,Failed password for illegal user guest </a:t>
+                  <a:schemeClr val="accent6"/>
+                </a:solidFill>
+                <a:latin typeface="Andale Mono" panose="020B0509000000000004" pitchFamily="49" charset="0"/>
+              </a:rPr>
+              <a:t>Función</a:t>
+            </a:r>
+            <a:r>
+              <a:rPr lang="en-US" sz="900" b="1" dirty="0">
+                <a:solidFill>
+                  <a:schemeClr val="accent6"/>
+                </a:solidFill>
+                <a:latin typeface="Andale Mono" panose="020B0509000000000004" pitchFamily="49" charset="0"/>
+              </a:rPr>
+              <a:t> para </a:t>
+            </a:r>
+            <a:r>
+              <a:rPr lang="en-US" sz="900" b="1" dirty="0" err="1">
+                <a:solidFill>
+                  <a:schemeClr val="accent6"/>
+                </a:solidFill>
+                <a:latin typeface="Andale Mono" panose="020B0509000000000004" pitchFamily="49" charset="0"/>
+              </a:rPr>
+              <a:t>insertar</a:t>
+            </a:r>
+            <a:r>
+              <a:rPr lang="en-US" sz="900" b="1" dirty="0">
+                <a:solidFill>
+                  <a:schemeClr val="accent6"/>
+                </a:solidFill>
+                <a:latin typeface="Andale Mono" panose="020B0509000000000004" pitchFamily="49" charset="0"/>
+              </a:rPr>
+              <a:t> posterior</a:t>
+            </a:r>
+          </a:p>
+          <a:p>
+            <a:r>
+              <a:rPr lang="en-US" sz="900" b="1" dirty="0">
+                <a:solidFill>
+                  <a:schemeClr val="accent2"/>
+                </a:solidFill>
+                <a:latin typeface="Andale Mono" panose="020B0509000000000004" pitchFamily="49" charset="0"/>
+              </a:rPr>
+              <a:t>void</a:t>
+            </a:r>
+            <a:r>
+              <a:rPr lang="en-US" sz="900" b="1" dirty="0">
+                <a:solidFill>
+                  <a:srgbClr val="808080"/>
+                </a:solidFill>
+                <a:latin typeface="Andale Mono" panose="020B0509000000000004" pitchFamily="49" charset="0"/>
+              </a:rPr>
+              <a:t> </a:t>
+            </a:r>
+            <a:r>
+              <a:rPr lang="en-US" sz="900" b="1" dirty="0" err="1">
+                <a:solidFill>
+                  <a:schemeClr val="accent4"/>
+                </a:solidFill>
+                <a:latin typeface="Andale Mono" panose="020B0509000000000004" pitchFamily="49" charset="0"/>
+              </a:rPr>
+              <a:t>insercionOrdenada</a:t>
+            </a:r>
+            <a:r>
+              <a:rPr lang="en-US" sz="900" b="1" dirty="0">
+                <a:solidFill>
+                  <a:schemeClr val="bg1"/>
+                </a:solidFill>
+                <a:latin typeface="Andale Mono" panose="020B0509000000000004" pitchFamily="49" charset="0"/>
+              </a:rPr>
+              <a:t>(Node **head, Node **tail, std::string key) {  </a:t>
+            </a:r>
+          </a:p>
+          <a:p>
+            <a:r>
+              <a:rPr lang="en-US" sz="900" b="1" dirty="0">
+                <a:solidFill>
+                  <a:schemeClr val="bg1"/>
+                </a:solidFill>
+                <a:latin typeface="Andale Mono" panose="020B0509000000000004" pitchFamily="49" charset="0"/>
+              </a:rPr>
+              <a:t>    Node *p = new Node();  </a:t>
+            </a:r>
+          </a:p>
+          <a:p>
+            <a:r>
+              <a:rPr lang="en-US" sz="900" b="1" dirty="0">
+                <a:solidFill>
+                  <a:schemeClr val="bg1"/>
+                </a:solidFill>
+                <a:latin typeface="Andale Mono" panose="020B0509000000000004" pitchFamily="49" charset="0"/>
+              </a:rPr>
+              <a:t>    p-&gt;data = key;  </a:t>
+            </a:r>
+          </a:p>
+          <a:p>
+            <a:r>
+              <a:rPr lang="en-US" sz="900" b="1" dirty="0">
+                <a:solidFill>
+                  <a:schemeClr val="bg1"/>
+                </a:solidFill>
+                <a:latin typeface="Andale Mono" panose="020B0509000000000004" pitchFamily="49" charset="0"/>
+              </a:rPr>
+              <a:t>    p-&gt;next = NULL;  </a:t>
+            </a:r>
+          </a:p>
+          <a:p>
+            <a:r>
+              <a:rPr lang="en-US" sz="900" b="1" dirty="0">
+                <a:solidFill>
+                  <a:schemeClr val="accent6"/>
+                </a:solidFill>
+                <a:latin typeface="Andale Mono" panose="020B0509000000000004" pitchFamily="49" charset="0"/>
+              </a:rPr>
+              <a:t>    // 1er </a:t>
+            </a:r>
+            <a:r>
+              <a:rPr lang="en-US" sz="900" b="1" dirty="0" err="1">
+                <a:solidFill>
+                  <a:schemeClr val="accent6"/>
+                </a:solidFill>
+                <a:latin typeface="Andale Mono" panose="020B0509000000000004" pitchFamily="49" charset="0"/>
+              </a:rPr>
+              <a:t>Nodo</a:t>
+            </a:r>
+            <a:r>
+              <a:rPr lang="en-US" sz="900" b="1" dirty="0">
+                <a:solidFill>
+                  <a:schemeClr val="accent6"/>
+                </a:solidFill>
+                <a:latin typeface="Andale Mono" panose="020B0509000000000004" pitchFamily="49" charset="0"/>
+              </a:rPr>
+              <a:t> </a:t>
+            </a:r>
+            <a:r>
+              <a:rPr lang="en-US" sz="900" b="1" dirty="0" err="1">
+                <a:solidFill>
+                  <a:schemeClr val="accent6"/>
+                </a:solidFill>
+                <a:latin typeface="Andale Mono" panose="020B0509000000000004" pitchFamily="49" charset="0"/>
+              </a:rPr>
+              <a:t>insertado</a:t>
+            </a:r>
+            <a:r>
+              <a:rPr lang="en-US" sz="900" b="1" dirty="0">
+                <a:solidFill>
+                  <a:schemeClr val="accent6"/>
+                </a:solidFill>
+                <a:latin typeface="Andale Mono" panose="020B0509000000000004" pitchFamily="49" charset="0"/>
+              </a:rPr>
+              <a:t> </a:t>
+            </a:r>
+            <a:r>
+              <a:rPr lang="en-US" sz="900" b="1" dirty="0" err="1">
+                <a:solidFill>
+                  <a:schemeClr val="accent6"/>
+                </a:solidFill>
+                <a:latin typeface="Andale Mono" panose="020B0509000000000004" pitchFamily="49" charset="0"/>
+              </a:rPr>
+              <a:t>en</a:t>
+            </a:r>
+            <a:r>
+              <a:rPr lang="en-US" sz="900" b="1" dirty="0">
+                <a:solidFill>
+                  <a:schemeClr val="accent6"/>
+                </a:solidFill>
+                <a:latin typeface="Andale Mono" panose="020B0509000000000004" pitchFamily="49" charset="0"/>
+              </a:rPr>
+              <a:t> LDL</a:t>
+            </a:r>
+          </a:p>
+          <a:p>
+            <a:r>
+              <a:rPr lang="en-US" sz="900" b="1" dirty="0">
+                <a:solidFill>
+                  <a:schemeClr val="bg1"/>
+                </a:solidFill>
+                <a:latin typeface="Andale Mono" panose="020B0509000000000004" pitchFamily="49" charset="0"/>
+              </a:rPr>
+              <a:t>    if ((*head) == NULL)  {  </a:t>
+            </a:r>
+          </a:p>
+          <a:p>
+            <a:r>
+              <a:rPr lang="en-US" sz="900" b="1" dirty="0">
+                <a:solidFill>
+                  <a:schemeClr val="bg1"/>
+                </a:solidFill>
+                <a:latin typeface="Andale Mono" panose="020B0509000000000004" pitchFamily="49" charset="0"/>
+              </a:rPr>
+              <a:t>        (*head) = p;  </a:t>
+            </a:r>
+          </a:p>
+          <a:p>
+            <a:r>
+              <a:rPr lang="en-US" sz="900" b="1" dirty="0">
+                <a:solidFill>
+                  <a:schemeClr val="bg1"/>
+                </a:solidFill>
+                <a:latin typeface="Andale Mono" panose="020B0509000000000004" pitchFamily="49" charset="0"/>
+              </a:rPr>
+              <a:t>        (*tail) = p;  </a:t>
+            </a:r>
+          </a:p>
+          <a:p>
+            <a:r>
+              <a:rPr lang="en-US" sz="900" b="1" dirty="0">
+                <a:solidFill>
+                  <a:schemeClr val="bg1"/>
+                </a:solidFill>
+                <a:latin typeface="Andale Mono" panose="020B0509000000000004" pitchFamily="49" charset="0"/>
+              </a:rPr>
+              <a:t>        (*head)-&gt;</a:t>
+            </a:r>
+            <a:r>
+              <a:rPr lang="en-US" sz="900" b="1" dirty="0" err="1">
+                <a:solidFill>
+                  <a:schemeClr val="bg1"/>
+                </a:solidFill>
+                <a:latin typeface="Andale Mono" panose="020B0509000000000004" pitchFamily="49" charset="0"/>
+              </a:rPr>
+              <a:t>prev</a:t>
+            </a:r>
+            <a:r>
+              <a:rPr lang="en-US" sz="900" b="1" dirty="0">
+                <a:solidFill>
+                  <a:schemeClr val="bg1"/>
+                </a:solidFill>
+                <a:latin typeface="Andale Mono" panose="020B0509000000000004" pitchFamily="49" charset="0"/>
+              </a:rPr>
+              <a:t> = NULL;  </a:t>
+            </a:r>
+          </a:p>
+          <a:p>
+            <a:r>
+              <a:rPr lang="en-US" sz="900" b="1" dirty="0">
+                <a:solidFill>
+                  <a:schemeClr val="bg1"/>
+                </a:solidFill>
+                <a:latin typeface="Andale Mono" panose="020B0509000000000004" pitchFamily="49" charset="0"/>
+              </a:rPr>
+              <a:t>        return;  </a:t>
+            </a:r>
+          </a:p>
+          <a:p>
+            <a:r>
+              <a:rPr lang="en-US" sz="900" b="1" dirty="0">
+                <a:solidFill>
+                  <a:schemeClr val="bg1"/>
+                </a:solidFill>
+                <a:latin typeface="Andale Mono" panose="020B0509000000000004" pitchFamily="49" charset="0"/>
+              </a:rPr>
+              <a:t>    }  </a:t>
+            </a:r>
+          </a:p>
+          <a:p>
+            <a:r>
+              <a:rPr lang="en-US" sz="900" b="1" dirty="0">
+                <a:solidFill>
+                  <a:schemeClr val="accent6"/>
+                </a:solidFill>
+                <a:latin typeface="Andale Mono" panose="020B0509000000000004" pitchFamily="49" charset="0"/>
+              </a:rPr>
+              <a:t>    // Si nuevo </a:t>
+            </a:r>
+            <a:r>
+              <a:rPr lang="en-US" sz="900" b="1" dirty="0" err="1">
+                <a:solidFill>
+                  <a:schemeClr val="accent6"/>
+                </a:solidFill>
+                <a:latin typeface="Andale Mono" panose="020B0509000000000004" pitchFamily="49" charset="0"/>
+              </a:rPr>
+              <a:t>nodo</a:t>
+            </a:r>
+            <a:r>
+              <a:rPr lang="en-US" sz="900" b="1" dirty="0">
+                <a:solidFill>
+                  <a:schemeClr val="accent6"/>
+                </a:solidFill>
+                <a:latin typeface="Andale Mono" panose="020B0509000000000004" pitchFamily="49" charset="0"/>
+              </a:rPr>
+              <a:t> </a:t>
+            </a:r>
+            <a:r>
+              <a:rPr lang="en-US" sz="900" b="1" dirty="0" err="1">
+                <a:solidFill>
+                  <a:schemeClr val="accent6"/>
+                </a:solidFill>
+                <a:latin typeface="Andale Mono" panose="020B0509000000000004" pitchFamily="49" charset="0"/>
+              </a:rPr>
+              <a:t>tiene</a:t>
+            </a:r>
+            <a:r>
+              <a:rPr lang="en-US" sz="900" b="1" dirty="0">
+                <a:solidFill>
+                  <a:schemeClr val="accent6"/>
+                </a:solidFill>
+                <a:latin typeface="Andale Mono" panose="020B0509000000000004" pitchFamily="49" charset="0"/>
+              </a:rPr>
+              <a:t> valor </a:t>
+            </a:r>
+            <a:r>
+              <a:rPr lang="en-US" sz="900" b="1" dirty="0" err="1">
+                <a:solidFill>
+                  <a:schemeClr val="accent6"/>
+                </a:solidFill>
+                <a:latin typeface="Andale Mono" panose="020B0509000000000004" pitchFamily="49" charset="0"/>
+              </a:rPr>
+              <a:t>menor</a:t>
+            </a:r>
+            <a:endParaRPr lang="en-US" sz="900" b="1" dirty="0">
+              <a:solidFill>
+                <a:schemeClr val="accent6"/>
+              </a:solidFill>
+              <a:latin typeface="Andale Mono" panose="020B0509000000000004" pitchFamily="49" charset="0"/>
+            </a:endParaRPr>
+          </a:p>
+          <a:p>
+            <a:r>
+              <a:rPr lang="en-US" sz="900" b="1" dirty="0">
+                <a:solidFill>
+                  <a:schemeClr val="bg1"/>
+                </a:solidFill>
+                <a:latin typeface="Andale Mono" panose="020B0509000000000004" pitchFamily="49" charset="0"/>
+              </a:rPr>
+              <a:t>    if ((p-&gt;data) &lt; ((*head)-&gt;data))  {  </a:t>
+            </a:r>
+          </a:p>
+          <a:p>
+            <a:r>
+              <a:rPr lang="en-US" sz="900" b="1" dirty="0">
+                <a:solidFill>
+                  <a:schemeClr val="bg1"/>
+                </a:solidFill>
+                <a:latin typeface="Andale Mono" panose="020B0509000000000004" pitchFamily="49" charset="0"/>
+              </a:rPr>
+              <a:t>        p-&gt;</a:t>
+            </a:r>
+            <a:r>
+              <a:rPr lang="en-US" sz="900" b="1" dirty="0" err="1">
+                <a:solidFill>
+                  <a:schemeClr val="bg1"/>
+                </a:solidFill>
+                <a:latin typeface="Andale Mono" panose="020B0509000000000004" pitchFamily="49" charset="0"/>
+              </a:rPr>
+              <a:t>prev</a:t>
+            </a:r>
+            <a:r>
+              <a:rPr lang="en-US" sz="900" b="1" dirty="0">
+                <a:solidFill>
+                  <a:schemeClr val="bg1"/>
+                </a:solidFill>
+                <a:latin typeface="Andale Mono" panose="020B0509000000000004" pitchFamily="49" charset="0"/>
+              </a:rPr>
+              <a:t> = NULL;  </a:t>
+            </a:r>
+          </a:p>
+          <a:p>
+            <a:r>
+              <a:rPr lang="en-US" sz="900" b="1" dirty="0">
+                <a:solidFill>
+                  <a:schemeClr val="bg1"/>
+                </a:solidFill>
+                <a:latin typeface="Andale Mono" panose="020B0509000000000004" pitchFamily="49" charset="0"/>
+              </a:rPr>
+              <a:t>        (*head)-&gt;</a:t>
+            </a:r>
+            <a:r>
+              <a:rPr lang="en-US" sz="900" b="1" dirty="0" err="1">
+                <a:solidFill>
+                  <a:schemeClr val="bg1"/>
+                </a:solidFill>
+                <a:latin typeface="Andale Mono" panose="020B0509000000000004" pitchFamily="49" charset="0"/>
+              </a:rPr>
+              <a:t>prev</a:t>
+            </a:r>
+            <a:r>
+              <a:rPr lang="en-US" sz="900" b="1" dirty="0">
+                <a:solidFill>
+                  <a:schemeClr val="bg1"/>
+                </a:solidFill>
+                <a:latin typeface="Andale Mono" panose="020B0509000000000004" pitchFamily="49" charset="0"/>
+              </a:rPr>
+              <a:t> = p;  </a:t>
+            </a:r>
+          </a:p>
+          <a:p>
+            <a:r>
+              <a:rPr lang="en-US" sz="900" b="1" dirty="0">
+                <a:solidFill>
+                  <a:schemeClr val="bg1"/>
+                </a:solidFill>
+                <a:latin typeface="Andale Mono" panose="020B0509000000000004" pitchFamily="49" charset="0"/>
+              </a:rPr>
+              <a:t>        p-&gt;next = (*head);  </a:t>
+            </a:r>
+          </a:p>
+          <a:p>
+            <a:r>
+              <a:rPr lang="en-US" sz="900" b="1" dirty="0">
+                <a:solidFill>
+                  <a:schemeClr val="bg1"/>
+                </a:solidFill>
+                <a:latin typeface="Andale Mono" panose="020B0509000000000004" pitchFamily="49" charset="0"/>
+              </a:rPr>
+              <a:t>        (*head) = p;  </a:t>
+            </a:r>
+          </a:p>
+          <a:p>
+            <a:r>
+              <a:rPr lang="en-US" sz="900" b="1" dirty="0">
+                <a:solidFill>
+                  <a:schemeClr val="bg1"/>
+                </a:solidFill>
+                <a:latin typeface="Andale Mono" panose="020B0509000000000004" pitchFamily="49" charset="0"/>
+              </a:rPr>
+              <a:t>        return;  </a:t>
+            </a:r>
+          </a:p>
+          <a:p>
+            <a:r>
+              <a:rPr lang="en-US" sz="900" b="1" dirty="0">
+                <a:solidFill>
+                  <a:schemeClr val="bg1"/>
+                </a:solidFill>
+                <a:latin typeface="Andale Mono" panose="020B0509000000000004" pitchFamily="49" charset="0"/>
+              </a:rPr>
+              <a:t>    }  </a:t>
+            </a:r>
+          </a:p>
+          <a:p>
+            <a:r>
+              <a:rPr lang="en-US" sz="900" b="1" dirty="0">
+                <a:solidFill>
+                  <a:schemeClr val="accent6"/>
+                </a:solidFill>
+                <a:latin typeface="Andale Mono" panose="020B0509000000000004" pitchFamily="49" charset="0"/>
+              </a:rPr>
+              <a:t>    // Si nuevo </a:t>
+            </a:r>
+            <a:r>
+              <a:rPr lang="en-US" sz="900" b="1" dirty="0" err="1">
+                <a:solidFill>
+                  <a:schemeClr val="accent6"/>
+                </a:solidFill>
+                <a:latin typeface="Andale Mono" panose="020B0509000000000004" pitchFamily="49" charset="0"/>
+              </a:rPr>
+              <a:t>noto</a:t>
+            </a:r>
+            <a:r>
+              <a:rPr lang="en-US" sz="900" b="1" dirty="0">
+                <a:solidFill>
+                  <a:schemeClr val="accent6"/>
+                </a:solidFill>
+                <a:latin typeface="Andale Mono" panose="020B0509000000000004" pitchFamily="49" charset="0"/>
+              </a:rPr>
+              <a:t> </a:t>
+            </a:r>
+            <a:r>
+              <a:rPr lang="en-US" sz="900" b="1" dirty="0" err="1">
+                <a:solidFill>
+                  <a:schemeClr val="accent6"/>
+                </a:solidFill>
+                <a:latin typeface="Andale Mono" panose="020B0509000000000004" pitchFamily="49" charset="0"/>
+              </a:rPr>
+              <a:t>tiene</a:t>
+            </a:r>
+            <a:r>
+              <a:rPr lang="en-US" sz="900" b="1" dirty="0">
+                <a:solidFill>
+                  <a:schemeClr val="accent6"/>
+                </a:solidFill>
+                <a:latin typeface="Andale Mono" panose="020B0509000000000004" pitchFamily="49" charset="0"/>
+              </a:rPr>
+              <a:t> valor mayor</a:t>
+            </a:r>
+          </a:p>
+          <a:p>
+            <a:r>
+              <a:rPr lang="en-US" sz="900" b="1" dirty="0">
+                <a:solidFill>
+                  <a:schemeClr val="bg1"/>
+                </a:solidFill>
+                <a:latin typeface="Andale Mono" panose="020B0509000000000004" pitchFamily="49" charset="0"/>
+              </a:rPr>
+              <a:t>    if ((p-&gt;data) &gt; ((*tail)-&gt;data))  {  </a:t>
+            </a:r>
+          </a:p>
+          <a:p>
+            <a:r>
+              <a:rPr lang="en-US" sz="900" b="1" dirty="0">
+                <a:solidFill>
+                  <a:schemeClr val="bg1"/>
+                </a:solidFill>
+                <a:latin typeface="Andale Mono" panose="020B0509000000000004" pitchFamily="49" charset="0"/>
+              </a:rPr>
+              <a:t>        p-&gt;</a:t>
+            </a:r>
+            <a:r>
+              <a:rPr lang="en-US" sz="900" b="1" dirty="0" err="1">
+                <a:solidFill>
+                  <a:schemeClr val="bg1"/>
+                </a:solidFill>
+                <a:latin typeface="Andale Mono" panose="020B0509000000000004" pitchFamily="49" charset="0"/>
+              </a:rPr>
+              <a:t>prev</a:t>
+            </a:r>
+            <a:r>
+              <a:rPr lang="en-US" sz="900" b="1" dirty="0">
+                <a:solidFill>
+                  <a:schemeClr val="bg1"/>
+                </a:solidFill>
+                <a:latin typeface="Andale Mono" panose="020B0509000000000004" pitchFamily="49" charset="0"/>
+              </a:rPr>
+              <a:t> = (*tail);  </a:t>
+            </a:r>
+          </a:p>
+          <a:p>
+            <a:r>
+              <a:rPr lang="en-US" sz="900" b="1" dirty="0">
+                <a:solidFill>
+                  <a:schemeClr val="bg1"/>
+                </a:solidFill>
+                <a:latin typeface="Andale Mono" panose="020B0509000000000004" pitchFamily="49" charset="0"/>
+              </a:rPr>
+              <a:t>        (*tail)-&gt;next = p;  </a:t>
+            </a:r>
+          </a:p>
+          <a:p>
+            <a:r>
+              <a:rPr lang="en-US" sz="900" b="1" dirty="0">
+                <a:solidFill>
+                  <a:schemeClr val="bg1"/>
+                </a:solidFill>
+                <a:latin typeface="Andale Mono" panose="020B0509000000000004" pitchFamily="49" charset="0"/>
+              </a:rPr>
+              <a:t>        (*tail) = p;  </a:t>
+            </a:r>
+          </a:p>
+          <a:p>
+            <a:r>
+              <a:rPr lang="en-US" sz="900" b="1" dirty="0">
+                <a:solidFill>
+                  <a:schemeClr val="bg1"/>
+                </a:solidFill>
+                <a:latin typeface="Andale Mono" panose="020B0509000000000004" pitchFamily="49" charset="0"/>
+              </a:rPr>
+              <a:t>        return;  </a:t>
+            </a:r>
+          </a:p>
+          <a:p>
+            <a:r>
+              <a:rPr lang="en-US" sz="900" b="1" dirty="0">
+                <a:solidFill>
+                  <a:schemeClr val="bg1"/>
+                </a:solidFill>
+                <a:latin typeface="Andale Mono" panose="020B0509000000000004" pitchFamily="49" charset="0"/>
+              </a:rPr>
+              <a:t>    }  </a:t>
+            </a:r>
+          </a:p>
+          <a:p>
+            <a:r>
+              <a:rPr lang="en-US" sz="900" b="1" dirty="0">
+                <a:solidFill>
+                  <a:schemeClr val="accent6"/>
+                </a:solidFill>
+                <a:latin typeface="Andale Mono" panose="020B0509000000000004" pitchFamily="49" charset="0"/>
+              </a:rPr>
+              <a:t>    // </a:t>
+            </a:r>
+            <a:r>
+              <a:rPr lang="en-US" sz="900" b="1" dirty="0" err="1">
+                <a:solidFill>
+                  <a:schemeClr val="accent6"/>
+                </a:solidFill>
+                <a:latin typeface="Andale Mono" panose="020B0509000000000004" pitchFamily="49" charset="0"/>
+              </a:rPr>
+              <a:t>Encontrar</a:t>
+            </a:r>
+            <a:r>
+              <a:rPr lang="en-US" sz="900" b="1" dirty="0">
+                <a:solidFill>
+                  <a:schemeClr val="accent6"/>
+                </a:solidFill>
+                <a:latin typeface="Andale Mono" panose="020B0509000000000004" pitchFamily="49" charset="0"/>
+              </a:rPr>
+              <a:t> </a:t>
+            </a:r>
+            <a:r>
+              <a:rPr lang="en-US" sz="900" b="1" dirty="0" err="1">
+                <a:solidFill>
+                  <a:schemeClr val="accent6"/>
+                </a:solidFill>
+                <a:latin typeface="Andale Mono" panose="020B0509000000000004" pitchFamily="49" charset="0"/>
+              </a:rPr>
+              <a:t>nodo</a:t>
+            </a:r>
+            <a:r>
+              <a:rPr lang="en-US" sz="900" b="1" dirty="0">
+                <a:solidFill>
+                  <a:schemeClr val="accent6"/>
+                </a:solidFill>
+                <a:latin typeface="Andale Mono" panose="020B0509000000000004" pitchFamily="49" charset="0"/>
+              </a:rPr>
+              <a:t> </a:t>
+            </a:r>
+            <a:r>
+              <a:rPr lang="en-US" sz="900" b="1" dirty="0" err="1">
+                <a:solidFill>
+                  <a:schemeClr val="accent6"/>
+                </a:solidFill>
+                <a:latin typeface="Andale Mono" panose="020B0509000000000004" pitchFamily="49" charset="0"/>
+              </a:rPr>
+              <a:t>previo</a:t>
+            </a:r>
+            <a:r>
+              <a:rPr lang="en-US" sz="900" b="1" dirty="0">
+                <a:solidFill>
+                  <a:schemeClr val="accent6"/>
+                </a:solidFill>
+                <a:latin typeface="Andale Mono" panose="020B0509000000000004" pitchFamily="49" charset="0"/>
+              </a:rPr>
+              <a:t> a p</a:t>
+            </a:r>
+          </a:p>
+          <a:p>
+            <a:r>
+              <a:rPr lang="en-US" sz="900" b="1" dirty="0">
+                <a:solidFill>
+                  <a:schemeClr val="bg1"/>
+                </a:solidFill>
+                <a:latin typeface="Andale Mono" panose="020B0509000000000004" pitchFamily="49" charset="0"/>
+              </a:rPr>
+              <a:t>    Node *temp = (*head)-&gt;next;  </a:t>
+            </a:r>
+          </a:p>
+          <a:p>
+            <a:r>
+              <a:rPr lang="en-US" sz="900" b="1" dirty="0">
+                <a:solidFill>
+                  <a:schemeClr val="bg1"/>
+                </a:solidFill>
+                <a:latin typeface="Andale Mono" panose="020B0509000000000004" pitchFamily="49" charset="0"/>
+              </a:rPr>
+              <a:t>    while ((temp-&gt;data) &lt; (p-&gt;data))  </a:t>
+            </a:r>
+          </a:p>
+          <a:p>
+            <a:r>
+              <a:rPr lang="en-US" sz="900" b="1" dirty="0">
+                <a:solidFill>
+                  <a:schemeClr val="bg1"/>
+                </a:solidFill>
+                <a:latin typeface="Andale Mono" panose="020B0509000000000004" pitchFamily="49" charset="0"/>
+              </a:rPr>
+              <a:t>        temp = temp-&gt;next;  </a:t>
+            </a:r>
+          </a:p>
+          <a:p>
+            <a:r>
+              <a:rPr lang="en-US" sz="900" b="1" dirty="0">
+                <a:solidFill>
+                  <a:schemeClr val="accent6"/>
+                </a:solidFill>
+                <a:latin typeface="Andale Mono" panose="020B0509000000000004" pitchFamily="49" charset="0"/>
+              </a:rPr>
+              <a:t>    // </a:t>
+            </a:r>
+            <a:r>
+              <a:rPr lang="en-US" sz="900" b="1" dirty="0" err="1">
+                <a:solidFill>
+                  <a:schemeClr val="accent6"/>
+                </a:solidFill>
+                <a:latin typeface="Andale Mono" panose="020B0509000000000004" pitchFamily="49" charset="0"/>
+              </a:rPr>
+              <a:t>Insertar</a:t>
+            </a:r>
+            <a:r>
+              <a:rPr lang="en-US" sz="900" b="1" dirty="0">
+                <a:solidFill>
+                  <a:schemeClr val="accent6"/>
+                </a:solidFill>
+                <a:latin typeface="Andale Mono" panose="020B0509000000000004" pitchFamily="49" charset="0"/>
+              </a:rPr>
+              <a:t> nuevo </a:t>
+            </a:r>
+            <a:r>
+              <a:rPr lang="en-US" sz="900" b="1" dirty="0" err="1">
+                <a:solidFill>
+                  <a:schemeClr val="accent6"/>
+                </a:solidFill>
+                <a:latin typeface="Andale Mono" panose="020B0509000000000004" pitchFamily="49" charset="0"/>
+              </a:rPr>
+              <a:t>nodo</a:t>
+            </a:r>
+            <a:r>
+              <a:rPr lang="en-US" sz="900" b="1" dirty="0">
+                <a:solidFill>
+                  <a:schemeClr val="accent6"/>
+                </a:solidFill>
+                <a:latin typeface="Andale Mono" panose="020B0509000000000004" pitchFamily="49" charset="0"/>
+              </a:rPr>
+              <a:t> antes de p</a:t>
+            </a:r>
+          </a:p>
+          <a:p>
+            <a:r>
+              <a:rPr lang="en-US" sz="900" b="1" dirty="0">
+                <a:solidFill>
+                  <a:srgbClr val="808080"/>
+                </a:solidFill>
+                <a:latin typeface="Andale Mono" panose="020B0509000000000004" pitchFamily="49" charset="0"/>
+              </a:rPr>
+              <a:t>    </a:t>
+            </a:r>
+            <a:r>
+              <a:rPr lang="en-US" sz="900" b="1" dirty="0">
+                <a:solidFill>
+                  <a:schemeClr val="bg1"/>
+                </a:solidFill>
+                <a:latin typeface="Andale Mono" panose="020B0509000000000004" pitchFamily="49" charset="0"/>
+              </a:rPr>
+              <a:t>(temp-&gt;</a:t>
+            </a:r>
+            <a:r>
+              <a:rPr lang="en-US" sz="900" b="1" dirty="0" err="1">
+                <a:solidFill>
+                  <a:schemeClr val="bg1"/>
+                </a:solidFill>
+                <a:latin typeface="Andale Mono" panose="020B0509000000000004" pitchFamily="49" charset="0"/>
+              </a:rPr>
+              <a:t>prev</a:t>
+            </a:r>
+            <a:r>
+              <a:rPr lang="en-US" sz="900" b="1" dirty="0">
+                <a:solidFill>
+                  <a:schemeClr val="bg1"/>
+                </a:solidFill>
+                <a:latin typeface="Andale Mono" panose="020B0509000000000004" pitchFamily="49" charset="0"/>
+              </a:rPr>
+              <a:t>)-&gt;next = p;  </a:t>
+            </a:r>
+          </a:p>
+          <a:p>
+            <a:r>
+              <a:rPr lang="en-US" sz="900" b="1" dirty="0">
+                <a:solidFill>
+                  <a:schemeClr val="bg1"/>
+                </a:solidFill>
+                <a:latin typeface="Andale Mono" panose="020B0509000000000004" pitchFamily="49" charset="0"/>
+              </a:rPr>
+              <a:t>    p-&gt;</a:t>
+            </a:r>
+            <a:r>
+              <a:rPr lang="en-US" sz="900" b="1" dirty="0" err="1">
+                <a:solidFill>
+                  <a:schemeClr val="bg1"/>
+                </a:solidFill>
+                <a:latin typeface="Andale Mono" panose="020B0509000000000004" pitchFamily="49" charset="0"/>
+              </a:rPr>
+              <a:t>prev</a:t>
+            </a:r>
+            <a:r>
+              <a:rPr lang="en-US" sz="900" b="1" dirty="0">
+                <a:solidFill>
+                  <a:schemeClr val="bg1"/>
+                </a:solidFill>
+                <a:latin typeface="Andale Mono" panose="020B0509000000000004" pitchFamily="49" charset="0"/>
+              </a:rPr>
+              <a:t> = temp-&gt;</a:t>
+            </a:r>
+            <a:r>
+              <a:rPr lang="en-US" sz="900" b="1" dirty="0" err="1">
+                <a:solidFill>
+                  <a:schemeClr val="bg1"/>
+                </a:solidFill>
+                <a:latin typeface="Andale Mono" panose="020B0509000000000004" pitchFamily="49" charset="0"/>
+              </a:rPr>
+              <a:t>prev</a:t>
+            </a:r>
+            <a:r>
+              <a:rPr lang="en-US" sz="900" b="1" dirty="0">
+                <a:solidFill>
+                  <a:schemeClr val="bg1"/>
+                </a:solidFill>
+                <a:latin typeface="Andale Mono" panose="020B0509000000000004" pitchFamily="49" charset="0"/>
+              </a:rPr>
+              <a:t>;  </a:t>
+            </a:r>
+          </a:p>
+          <a:p>
+            <a:r>
+              <a:rPr lang="en-US" sz="900" b="1" dirty="0">
+                <a:solidFill>
+                  <a:schemeClr val="bg1"/>
+                </a:solidFill>
+                <a:latin typeface="Andale Mono" panose="020B0509000000000004" pitchFamily="49" charset="0"/>
+              </a:rPr>
+              <a:t>    temp-&gt;</a:t>
+            </a:r>
+            <a:r>
+              <a:rPr lang="en-US" sz="900" b="1" dirty="0" err="1">
+                <a:solidFill>
+                  <a:schemeClr val="bg1"/>
+                </a:solidFill>
+                <a:latin typeface="Andale Mono" panose="020B0509000000000004" pitchFamily="49" charset="0"/>
+              </a:rPr>
+              <a:t>prev</a:t>
+            </a:r>
+            <a:r>
+              <a:rPr lang="en-US" sz="900" b="1" dirty="0">
+                <a:solidFill>
+                  <a:schemeClr val="bg1"/>
+                </a:solidFill>
+                <a:latin typeface="Andale Mono" panose="020B0509000000000004" pitchFamily="49" charset="0"/>
+              </a:rPr>
+              <a:t> = p;  </a:t>
+            </a:r>
+          </a:p>
+          <a:p>
+            <a:r>
+              <a:rPr lang="en-US" sz="900" b="1" dirty="0">
+                <a:solidFill>
+                  <a:schemeClr val="bg1"/>
+                </a:solidFill>
+                <a:latin typeface="Andale Mono" panose="020B0509000000000004" pitchFamily="49" charset="0"/>
+              </a:rPr>
+              <a:t>    p-&gt;next = temp;  </a:t>
+            </a:r>
+          </a:p>
+          <a:p>
+            <a:r>
+              <a:rPr lang="en-US" sz="900" b="1" dirty="0">
+                <a:solidFill>
+                  <a:schemeClr val="bg1"/>
+                </a:solidFill>
+                <a:latin typeface="Andale Mono" panose="020B0509000000000004" pitchFamily="49" charset="0"/>
+              </a:rPr>
+              <a:t>} </a:t>
             </a:r>
             <a:endParaRPr lang="en-MX" sz="900" b="1" dirty="0">
               <a:solidFill>
@@ -12679,10 +13073,10 @@
       </p:sp>
       <p:sp>
         <p:nvSpPr>
-          <p:cNvPr id="16" name="Rectangle 15">
-            <a:extLst>
-              <a:ext uri="{FF2B5EF4-FFF2-40B4-BE49-F238E27FC236}">
-                <a16:creationId xmlns:a16="http://schemas.microsoft.com/office/drawing/2014/main" id="{FD442DD5-7F06-444E-AAA9-C3944B26BF89}"/>
+          <p:cNvPr id="18" name="Rounded Rectangle 17">
+            <a:extLst>
+              <a:ext uri="{FF2B5EF4-FFF2-40B4-BE49-F238E27FC236}">
+                <a16:creationId xmlns:a16="http://schemas.microsoft.com/office/drawing/2014/main" id="{BF267155-C501-884D-B016-32D5B247F07F}"/>
               </a:ext>
             </a:extLst>
           </p:cNvPr>
@@ -12691,7 +13085,367 @@
         </p:nvSpPr>
         <p:spPr>
           <a:xfrm>
-            <a:off x="6513114" y="1047788"/>
+            <a:off x="503773" y="2000206"/>
+            <a:ext cx="5509549" cy="3617609"/>
+          </a:xfrm>
+          <a:prstGeom prst="roundRect">
+            <a:avLst>
+              <a:gd name="adj" fmla="val 3415"/>
+            </a:avLst>
+          </a:prstGeom>
+          <a:solidFill>
+            <a:schemeClr val="tx1"/>
+          </a:solidFill>
+          <a:ln w="38100">
+            <a:noFill/>
+          </a:ln>
+        </p:spPr>
+        <p:style>
+          <a:lnRef idx="2">
+            <a:schemeClr val="accent1">
+              <a:shade val="50000"/>
+            </a:schemeClr>
+          </a:lnRef>
+          <a:fillRef idx="1">
+            <a:schemeClr val="accent1"/>
+          </a:fillRef>
+          <a:effectRef idx="0">
+            <a:schemeClr val="accent1"/>
+          </a:effectRef>
+          <a:fontRef idx="minor">
+            <a:schemeClr val="lt1"/>
+          </a:fontRef>
+        </p:style>
+        <p:txBody>
+          <a:bodyPr rtlCol="0" anchor="ctr"/>
+          <a:lstStyle/>
+          <a:p>
+            <a:pPr algn="ctr"/>
+            <a:endParaRPr lang="en-MX"/>
+          </a:p>
+        </p:txBody>
+      </p:sp>
+      <p:sp>
+        <p:nvSpPr>
+          <p:cNvPr id="19" name="Rectangle 18">
+            <a:extLst>
+              <a:ext uri="{FF2B5EF4-FFF2-40B4-BE49-F238E27FC236}">
+                <a16:creationId xmlns:a16="http://schemas.microsoft.com/office/drawing/2014/main" id="{0440B465-E0E0-184D-91F5-368368B79C5F}"/>
+              </a:ext>
+            </a:extLst>
+          </p:cNvPr>
+          <p:cNvSpPr/>
+          <p:nvPr/>
+        </p:nvSpPr>
+        <p:spPr>
+          <a:xfrm>
+            <a:off x="669818" y="2138743"/>
+            <a:ext cx="5177458" cy="3554819"/>
+          </a:xfrm>
+          <a:prstGeom prst="rect">
+            <a:avLst/>
+          </a:prstGeom>
+        </p:spPr>
+        <p:txBody>
+          <a:bodyPr wrap="square">
+            <a:spAutoFit/>
+          </a:bodyPr>
+          <a:lstStyle/>
+          <a:p>
+            <a:r>
+              <a:rPr lang="en-US" sz="900" b="1" dirty="0" err="1">
+                <a:solidFill>
+                  <a:srgbClr val="00B0F0"/>
+                </a:solidFill>
+                <a:latin typeface="Andale Mono" panose="020B0509000000000004" pitchFamily="49" charset="0"/>
+              </a:rPr>
+              <a:t>ipAddress,dateTime,errorMessage</a:t>
+            </a:r>
+            <a:br>
+              <a:rPr lang="en-US" sz="900" b="1" dirty="0">
+                <a:solidFill>
+                  <a:schemeClr val="bg1"/>
+                </a:solidFill>
+                <a:latin typeface="Andale Mono" panose="020B0509000000000004" pitchFamily="49" charset="0"/>
+              </a:rPr>
+            </a:br>
+            <a:r>
+              <a:rPr lang="en-US" sz="900" b="1" dirty="0">
+                <a:solidFill>
+                  <a:schemeClr val="bg1"/>
+                </a:solidFill>
+                <a:latin typeface="Andale Mono" panose="020B0509000000000004" pitchFamily="49" charset="0"/>
+              </a:rPr>
+              <a:t>1.14.815.77:4402,10-27T18:48:25,Failed password for admin </a:t>
+            </a:r>
+          </a:p>
+          <a:p>
+            <a:r>
+              <a:rPr lang="en-US" sz="900" b="1" dirty="0">
+                <a:solidFill>
+                  <a:schemeClr val="bg1"/>
+                </a:solidFill>
+                <a:latin typeface="Andale Mono" panose="020B0509000000000004" pitchFamily="49" charset="0"/>
+              </a:rPr>
+              <a:t>1.16.249.84:5139,09-19T12:46:04,Failed password for root </a:t>
+            </a:r>
+          </a:p>
+          <a:p>
+            <a:r>
+              <a:rPr lang="en-US" sz="900" b="1" dirty="0">
+                <a:solidFill>
+                  <a:schemeClr val="bg1"/>
+                </a:solidFill>
+                <a:latin typeface="Andale Mono" panose="020B0509000000000004" pitchFamily="49" charset="0"/>
+              </a:rPr>
+              <a:t>1.26.288.72:4768,07-26T22:52:23,Failed password for illegal user guest </a:t>
+            </a:r>
+          </a:p>
+          <a:p>
+            <a:r>
+              <a:rPr lang="en-US" sz="900" b="1" dirty="0">
+                <a:solidFill>
+                  <a:schemeClr val="bg1"/>
+                </a:solidFill>
+                <a:latin typeface="Andale Mono" panose="020B0509000000000004" pitchFamily="49" charset="0"/>
+              </a:rPr>
+              <a:t>1.29.485.70:4613,08-13T20:00:40,Failed password for illegal user guest </a:t>
+            </a:r>
+          </a:p>
+          <a:p>
+            <a:r>
+              <a:rPr lang="en-US" sz="900" b="1" dirty="0">
+                <a:solidFill>
+                  <a:schemeClr val="bg1"/>
+                </a:solidFill>
+                <a:latin typeface="Andale Mono" panose="020B0509000000000004" pitchFamily="49" charset="0"/>
+              </a:rPr>
+              <a:t>1.36.64.55:6486,09-13T06:15:34,Failed password for illegal user test </a:t>
+            </a:r>
+          </a:p>
+          <a:p>
+            <a:r>
+              <a:rPr lang="en-US" sz="900" b="1" dirty="0">
+                <a:solidFill>
+                  <a:schemeClr val="bg1"/>
+                </a:solidFill>
+                <a:latin typeface="Andale Mono" panose="020B0509000000000004" pitchFamily="49" charset="0"/>
+              </a:rPr>
+              <a:t>1.36.968.91:4437,06-20T15:08:11,Failed password for root </a:t>
+            </a:r>
+          </a:p>
+          <a:p>
+            <a:r>
+              <a:rPr lang="en-US" sz="900" b="1" dirty="0">
+                <a:solidFill>
+                  <a:schemeClr val="bg1"/>
+                </a:solidFill>
+                <a:latin typeface="Andale Mono" panose="020B0509000000000004" pitchFamily="49" charset="0"/>
+              </a:rPr>
+              <a:t>1.37.180.51:5825,08-02T08:48:25,Failed password for root </a:t>
+            </a:r>
+          </a:p>
+          <a:p>
+            <a:r>
+              <a:rPr lang="en-US" sz="900" b="1" dirty="0">
+                <a:solidFill>
+                  <a:schemeClr val="bg1"/>
+                </a:solidFill>
+                <a:latin typeface="Andale Mono" panose="020B0509000000000004" pitchFamily="49" charset="0"/>
+              </a:rPr>
+              <a:t>1.47.156.72:6475,08-06T06:56:34,Failed password for admin </a:t>
+            </a:r>
+          </a:p>
+          <a:p>
+            <a:r>
+              <a:rPr lang="en-US" sz="900" b="1" dirty="0">
+                <a:solidFill>
+                  <a:schemeClr val="bg1"/>
+                </a:solidFill>
+                <a:latin typeface="Andale Mono" panose="020B0509000000000004" pitchFamily="49" charset="0"/>
+              </a:rPr>
+              <a:t>1.47.233.24:5247,09-27T08:51:14,Illegal user </a:t>
+            </a:r>
+          </a:p>
+          <a:p>
+            <a:r>
+              <a:rPr lang="en-US" sz="900" b="1" dirty="0">
+                <a:solidFill>
+                  <a:schemeClr val="bg1"/>
+                </a:solidFill>
+                <a:latin typeface="Andale Mono" panose="020B0509000000000004" pitchFamily="49" charset="0"/>
+              </a:rPr>
+              <a:t>1.50.342.29:5546,09-05T18:55:39,Illegal user </a:t>
+            </a:r>
+          </a:p>
+          <a:p>
+            <a:r>
+              <a:rPr lang="en-US" sz="900" b="1" dirty="0">
+                <a:solidFill>
+                  <a:schemeClr val="bg1"/>
+                </a:solidFill>
+                <a:latin typeface="Andale Mono" panose="020B0509000000000004" pitchFamily="49" charset="0"/>
+              </a:rPr>
+              <a:t>1.55.405.18:6734,06-01T04:48:20,Failed password for illegal user guest </a:t>
+            </a:r>
+          </a:p>
+          <a:p>
+            <a:r>
+              <a:rPr lang="en-US" sz="900" b="1" dirty="0">
+                <a:solidFill>
+                  <a:schemeClr val="bg1"/>
+                </a:solidFill>
+                <a:latin typeface="Andale Mono" panose="020B0509000000000004" pitchFamily="49" charset="0"/>
+              </a:rPr>
+              <a:t>1.6.378.65:6772,06-05T04:12:47,Failed password for root </a:t>
+            </a:r>
+          </a:p>
+          <a:p>
+            <a:r>
+              <a:rPr lang="en-US" sz="900" b="1" dirty="0">
+                <a:solidFill>
+                  <a:schemeClr val="bg1"/>
+                </a:solidFill>
+                <a:latin typeface="Andale Mono" panose="020B0509000000000004" pitchFamily="49" charset="0"/>
+              </a:rPr>
+              <a:t>1.61.436.96:4201,09-13T23:30:55,Illegal user </a:t>
+            </a:r>
+          </a:p>
+          <a:p>
+            <a:r>
+              <a:rPr lang="en-US" sz="900" b="1" dirty="0">
+                <a:solidFill>
+                  <a:schemeClr val="bg1"/>
+                </a:solidFill>
+                <a:latin typeface="Andale Mono" panose="020B0509000000000004" pitchFamily="49" charset="0"/>
+              </a:rPr>
+              <a:t>1.62.197.95:5645,10-14T20:40:34,Illegal user </a:t>
+            </a:r>
+          </a:p>
+          <a:p>
+            <a:r>
+              <a:rPr lang="en-US" sz="900" b="1" dirty="0">
+                <a:solidFill>
+                  <a:schemeClr val="bg1"/>
+                </a:solidFill>
+                <a:latin typeface="Andale Mono" panose="020B0509000000000004" pitchFamily="49" charset="0"/>
+              </a:rPr>
+              <a:t>1.65.639.78:4398,10-03T19:11:43,Illegal user </a:t>
+            </a:r>
+          </a:p>
+          <a:p>
+            <a:r>
+              <a:rPr lang="en-US" sz="900" b="1" dirty="0">
+                <a:solidFill>
+                  <a:schemeClr val="bg1"/>
+                </a:solidFill>
+                <a:latin typeface="Andale Mono" panose="020B0509000000000004" pitchFamily="49" charset="0"/>
+              </a:rPr>
+              <a:t>1.65.936.39:6297,06-12T09:22:48,Failed password for illegal user guest </a:t>
+            </a:r>
+          </a:p>
+          <a:p>
+            <a:r>
+              <a:rPr lang="en-US" sz="900" b="1" dirty="0">
+                <a:solidFill>
+                  <a:schemeClr val="bg1"/>
+                </a:solidFill>
+                <a:latin typeface="Andale Mono" panose="020B0509000000000004" pitchFamily="49" charset="0"/>
+              </a:rPr>
+              <a:t>1.68.311.92:4927,07-12T11:58:38,Failed password for root </a:t>
+            </a:r>
+          </a:p>
+          <a:p>
+            <a:r>
+              <a:rPr lang="en-US" sz="900" b="1" dirty="0">
+                <a:solidFill>
+                  <a:schemeClr val="bg1"/>
+                </a:solidFill>
+                <a:latin typeface="Andale Mono" panose="020B0509000000000004" pitchFamily="49" charset="0"/>
+              </a:rPr>
+              <a:t>1.74.592.32:5365,09-04T12:21:09,Failed password for illegal user test </a:t>
+            </a:r>
+          </a:p>
+          <a:p>
+            <a:r>
+              <a:rPr lang="en-US" sz="900" b="1" dirty="0">
+                <a:solidFill>
+                  <a:schemeClr val="bg1"/>
+                </a:solidFill>
+                <a:latin typeface="Andale Mono" panose="020B0509000000000004" pitchFamily="49" charset="0"/>
+              </a:rPr>
+              <a:t>1.77.465.37:5059,10-01T10:40:08,Failed password for admin </a:t>
+            </a:r>
+          </a:p>
+          <a:p>
+            <a:r>
+              <a:rPr lang="en-US" sz="900" b="1" dirty="0">
+                <a:solidFill>
+                  <a:schemeClr val="bg1"/>
+                </a:solidFill>
+                <a:latin typeface="Andale Mono" panose="020B0509000000000004" pitchFamily="49" charset="0"/>
+              </a:rPr>
+              <a:t>1.81.892.90:4688,06-14T09:10:33,Illegal user </a:t>
+            </a:r>
+          </a:p>
+          <a:p>
+            <a:r>
+              <a:rPr lang="en-US" sz="900" b="1" dirty="0">
+                <a:solidFill>
+                  <a:schemeClr val="bg1"/>
+                </a:solidFill>
+                <a:latin typeface="Andale Mono" panose="020B0509000000000004" pitchFamily="49" charset="0"/>
+              </a:rPr>
+              <a:t>1.93.577.53:4679,06-13T14:43:51,Failed password for admin </a:t>
+            </a:r>
+          </a:p>
+          <a:p>
+            <a:r>
+              <a:rPr lang="en-US" sz="900" b="1" dirty="0">
+                <a:solidFill>
+                  <a:schemeClr val="bg1"/>
+                </a:solidFill>
+                <a:latin typeface="Andale Mono" panose="020B0509000000000004" pitchFamily="49" charset="0"/>
+              </a:rPr>
+              <a:t>1.94.523.85:5883,07-12T10:13:03,Illegal user </a:t>
+            </a:r>
+          </a:p>
+          <a:p>
+            <a:r>
+              <a:rPr lang="en-US" sz="900" b="1" dirty="0">
+                <a:solidFill>
+                  <a:schemeClr val="bg1"/>
+                </a:solidFill>
+                <a:latin typeface="Andale Mono" panose="020B0509000000000004" pitchFamily="49" charset="0"/>
+              </a:rPr>
+              <a:t>….</a:t>
+            </a:r>
+          </a:p>
+          <a:p>
+            <a:endParaRPr lang="en-MX" sz="900" b="1" dirty="0">
+              <a:solidFill>
+                <a:schemeClr val="bg1"/>
+              </a:solidFill>
+              <a:latin typeface="Andale Mono" panose="020B0509000000000004" pitchFamily="49" charset="0"/>
+            </a:endParaRPr>
+          </a:p>
+        </p:txBody>
+      </p:sp>
+      <p:sp>
+        <p:nvSpPr>
+          <p:cNvPr id="20" name="Rectangle 19">
+            <a:extLst>
+              <a:ext uri="{FF2B5EF4-FFF2-40B4-BE49-F238E27FC236}">
+                <a16:creationId xmlns:a16="http://schemas.microsoft.com/office/drawing/2014/main" id="{7BFDC998-9CE7-7043-8098-3BDA13909809}"/>
+              </a:ext>
+            </a:extLst>
+          </p:cNvPr>
+          <p:cNvSpPr/>
+          <p:nvPr/>
+        </p:nvSpPr>
+        <p:spPr>
+          <a:xfrm>
+            <a:off x="669818" y="1676438"/>
             <a:ext cx="5177458" cy="246221"/>
           </a:xfrm>
           <a:prstGeom prst="rect">
@@ -12711,1935 +13465,6 @@
               <a:t>bitacora_AZ.csv</a:t>
             </a:r>
             <a:endParaRPr lang="en-MX" sz="1000" b="1" dirty="0">
-              <a:latin typeface="Andale Mono" panose="020B0509000000000004" pitchFamily="49" charset="0"/>
-            </a:endParaRPr>
-          </a:p>
-        </p:txBody>
-      </p:sp>
-      <p:sp>
-        <p:nvSpPr>
-          <p:cNvPr id="4" name="Rectangle 3">
-            <a:extLst>
-              <a:ext uri="{FF2B5EF4-FFF2-40B4-BE49-F238E27FC236}">
-                <a16:creationId xmlns:a16="http://schemas.microsoft.com/office/drawing/2014/main" id="{BD0A6942-9A33-634A-8A27-9B1B8F6D21C3}"/>
-              </a:ext>
-            </a:extLst>
-          </p:cNvPr>
-          <p:cNvSpPr/>
-          <p:nvPr/>
-        </p:nvSpPr>
-        <p:spPr>
-          <a:xfrm>
-            <a:off x="627991" y="1501744"/>
-            <a:ext cx="5154500" cy="3970318"/>
-          </a:xfrm>
-          <a:prstGeom prst="rect">
-            <a:avLst/>
-          </a:prstGeom>
-        </p:spPr>
-        <p:txBody>
-          <a:bodyPr wrap="square">
-            <a:spAutoFit/>
-          </a:bodyPr>
-          <a:lstStyle/>
-          <a:p>
-            <a:r>
-              <a:rPr lang="en-US" sz="900" b="1" dirty="0">
-                <a:solidFill>
-                  <a:srgbClr val="808080"/>
-                </a:solidFill>
-                <a:latin typeface="Andale Mono" panose="020B0509000000000004" pitchFamily="49" charset="0"/>
-              </a:rPr>
-              <a:t>// Quicksort </a:t>
-            </a:r>
-            <a:r>
-              <a:rPr lang="en-US" sz="900" b="1" dirty="0" err="1">
-                <a:solidFill>
-                  <a:srgbClr val="808080"/>
-                </a:solidFill>
-                <a:latin typeface="Andale Mono" panose="020B0509000000000004" pitchFamily="49" charset="0"/>
-              </a:rPr>
-              <a:t>recursivo</a:t>
-            </a:r>
-            <a:br>
-              <a:rPr lang="en-US" sz="900" b="1" dirty="0">
-                <a:solidFill>
-                  <a:srgbClr val="808080"/>
-                </a:solidFill>
-                <a:latin typeface="Andale Mono" panose="020B0509000000000004" pitchFamily="49" charset="0"/>
-              </a:rPr>
-            </a:br>
-            <a:r>
-              <a:rPr lang="en-US" sz="900" b="1" dirty="0">
-                <a:solidFill>
-                  <a:srgbClr val="CC7832"/>
-                </a:solidFill>
-                <a:latin typeface="Andale Mono" panose="020B0509000000000004" pitchFamily="49" charset="0"/>
-              </a:rPr>
-              <a:t>void </a:t>
-            </a:r>
-            <a:r>
-              <a:rPr lang="en-US" sz="900" b="1" dirty="0" err="1">
-                <a:solidFill>
-                  <a:srgbClr val="FFC66D"/>
-                </a:solidFill>
-                <a:latin typeface="Andale Mono" panose="020B0509000000000004" pitchFamily="49" charset="0"/>
-              </a:rPr>
-              <a:t>quickSort</a:t>
-            </a:r>
-            <a:r>
-              <a:rPr lang="en-US" sz="900" b="1" dirty="0">
-                <a:solidFill>
-                  <a:schemeClr val="bg1"/>
-                </a:solidFill>
-                <a:latin typeface="Andale Mono" panose="020B0509000000000004" pitchFamily="49" charset="0"/>
-              </a:rPr>
-              <a:t>(</a:t>
-            </a:r>
-            <a:r>
-              <a:rPr lang="en-US" sz="900" b="1" dirty="0">
-                <a:solidFill>
-                  <a:srgbClr val="B5B6E3"/>
-                </a:solidFill>
-                <a:latin typeface="Andale Mono" panose="020B0509000000000004" pitchFamily="49" charset="0"/>
-              </a:rPr>
-              <a:t>std</a:t>
-            </a:r>
-            <a:r>
-              <a:rPr lang="en-US" sz="900" b="1" dirty="0">
-                <a:solidFill>
-                  <a:schemeClr val="bg1"/>
-                </a:solidFill>
-                <a:latin typeface="Andale Mono" panose="020B0509000000000004" pitchFamily="49" charset="0"/>
-              </a:rPr>
-              <a:t>::</a:t>
-            </a:r>
-            <a:r>
-              <a:rPr lang="en-US" sz="900" b="1" dirty="0">
-                <a:solidFill>
-                  <a:srgbClr val="B5B6E3"/>
-                </a:solidFill>
-                <a:latin typeface="Andale Mono" panose="020B0509000000000004" pitchFamily="49" charset="0"/>
-              </a:rPr>
-              <a:t>vector</a:t>
-            </a:r>
-            <a:r>
-              <a:rPr lang="en-US" sz="900" b="1" dirty="0">
-                <a:solidFill>
-                  <a:schemeClr val="bg1"/>
-                </a:solidFill>
-                <a:latin typeface="Andale Mono" panose="020B0509000000000004" pitchFamily="49" charset="0"/>
-              </a:rPr>
-              <a:t>&lt;</a:t>
-            </a:r>
-            <a:r>
-              <a:rPr lang="en-US" sz="900" b="1" dirty="0">
-                <a:solidFill>
-                  <a:srgbClr val="B5B6E3"/>
-                </a:solidFill>
-                <a:latin typeface="Andale Mono" panose="020B0509000000000004" pitchFamily="49" charset="0"/>
-              </a:rPr>
-              <a:t>std</a:t>
-            </a:r>
-            <a:r>
-              <a:rPr lang="en-US" sz="900" b="1" dirty="0">
-                <a:solidFill>
-                  <a:schemeClr val="bg1"/>
-                </a:solidFill>
-                <a:latin typeface="Andale Mono" panose="020B0509000000000004" pitchFamily="49" charset="0"/>
-              </a:rPr>
-              <a:t>::</a:t>
-            </a:r>
-            <a:r>
-              <a:rPr lang="en-US" sz="900" b="1" dirty="0">
-                <a:solidFill>
-                  <a:srgbClr val="B9BCD1"/>
-                </a:solidFill>
-                <a:latin typeface="Andale Mono" panose="020B0509000000000004" pitchFamily="49" charset="0"/>
-              </a:rPr>
-              <a:t>string</a:t>
-            </a:r>
-            <a:r>
-              <a:rPr lang="en-US" sz="900" b="1" dirty="0">
-                <a:solidFill>
-                  <a:schemeClr val="bg1"/>
-                </a:solidFill>
-                <a:latin typeface="Andale Mono" panose="020B0509000000000004" pitchFamily="49" charset="0"/>
-              </a:rPr>
-              <a:t>&gt; &amp;str</a:t>
-            </a:r>
-            <a:r>
-              <a:rPr lang="en-US" sz="900" b="1" dirty="0">
-                <a:solidFill>
-                  <a:srgbClr val="CC7832"/>
-                </a:solidFill>
-                <a:latin typeface="Andale Mono" panose="020B0509000000000004" pitchFamily="49" charset="0"/>
-              </a:rPr>
-              <a:t>,</a:t>
-            </a:r>
-            <a:r>
-              <a:rPr lang="en-US" sz="900" b="1" dirty="0">
-                <a:solidFill>
-                  <a:schemeClr val="bg1"/>
-                </a:solidFill>
-                <a:latin typeface="Andale Mono" panose="020B0509000000000004" pitchFamily="49" charset="0"/>
-              </a:rPr>
-              <a:t> </a:t>
-            </a:r>
-            <a:r>
-              <a:rPr lang="en-US" sz="900" b="1" dirty="0">
-                <a:solidFill>
-                  <a:srgbClr val="CC7832"/>
-                </a:solidFill>
-                <a:latin typeface="Andale Mono" panose="020B0509000000000004" pitchFamily="49" charset="0"/>
-              </a:rPr>
-              <a:t>int</a:t>
-            </a:r>
-            <a:r>
-              <a:rPr lang="en-US" sz="900" b="1" dirty="0">
-                <a:solidFill>
-                  <a:schemeClr val="bg1"/>
-                </a:solidFill>
-                <a:latin typeface="Andale Mono" panose="020B0509000000000004" pitchFamily="49" charset="0"/>
-              </a:rPr>
-              <a:t> </a:t>
-            </a:r>
-            <a:r>
-              <a:rPr lang="en-US" sz="900" b="1" dirty="0" err="1">
-                <a:solidFill>
-                  <a:schemeClr val="bg1"/>
-                </a:solidFill>
-                <a:latin typeface="Andale Mono" panose="020B0509000000000004" pitchFamily="49" charset="0"/>
-              </a:rPr>
-              <a:t>inicio</a:t>
-            </a:r>
-            <a:r>
-              <a:rPr lang="en-US" sz="900" b="1" dirty="0">
-                <a:solidFill>
-                  <a:srgbClr val="CC7832"/>
-                </a:solidFill>
-                <a:latin typeface="Andale Mono" panose="020B0509000000000004" pitchFamily="49" charset="0"/>
-              </a:rPr>
-              <a:t>,</a:t>
-            </a:r>
-            <a:r>
-              <a:rPr lang="en-US" sz="900" b="1" dirty="0">
-                <a:solidFill>
-                  <a:schemeClr val="bg1"/>
-                </a:solidFill>
-                <a:latin typeface="Andale Mono" panose="020B0509000000000004" pitchFamily="49" charset="0"/>
-              </a:rPr>
-              <a:t> </a:t>
-            </a:r>
-            <a:r>
-              <a:rPr lang="en-US" sz="900" b="1" dirty="0">
-                <a:solidFill>
-                  <a:srgbClr val="CC7832"/>
-                </a:solidFill>
-                <a:latin typeface="Andale Mono" panose="020B0509000000000004" pitchFamily="49" charset="0"/>
-              </a:rPr>
-              <a:t>int</a:t>
-            </a:r>
-            <a:r>
-              <a:rPr lang="en-US" sz="900" b="1" dirty="0">
-                <a:solidFill>
-                  <a:schemeClr val="bg1"/>
-                </a:solidFill>
-                <a:latin typeface="Andale Mono" panose="020B0509000000000004" pitchFamily="49" charset="0"/>
-              </a:rPr>
-              <a:t> fin) {</a:t>
-            </a:r>
-            <a:br>
-              <a:rPr lang="en-US" sz="900" b="1" dirty="0">
-                <a:solidFill>
-                  <a:schemeClr val="bg1"/>
-                </a:solidFill>
-                <a:latin typeface="Andale Mono" panose="020B0509000000000004" pitchFamily="49" charset="0"/>
-              </a:rPr>
-            </a:br>
-            <a:r>
-              <a:rPr lang="en-US" sz="900" b="1" dirty="0">
-                <a:solidFill>
-                  <a:schemeClr val="bg1"/>
-                </a:solidFill>
-                <a:latin typeface="Andale Mono" panose="020B0509000000000004" pitchFamily="49" charset="0"/>
-              </a:rPr>
-              <a:t>    </a:t>
-            </a:r>
-            <a:r>
-              <a:rPr lang="en-US" sz="900" b="1" dirty="0">
-                <a:solidFill>
-                  <a:srgbClr val="CC7832"/>
-                </a:solidFill>
-                <a:latin typeface="Andale Mono" panose="020B0509000000000004" pitchFamily="49" charset="0"/>
-              </a:rPr>
-              <a:t>int</a:t>
-            </a:r>
-            <a:r>
-              <a:rPr lang="en-US" sz="900" b="1" dirty="0">
-                <a:solidFill>
-                  <a:schemeClr val="bg1"/>
-                </a:solidFill>
-                <a:latin typeface="Andale Mono" panose="020B0509000000000004" pitchFamily="49" charset="0"/>
-              </a:rPr>
-              <a:t> </a:t>
-            </a:r>
-            <a:r>
-              <a:rPr lang="en-US" sz="900" b="1" dirty="0" err="1">
-                <a:solidFill>
-                  <a:schemeClr val="bg1"/>
-                </a:solidFill>
-                <a:latin typeface="Andale Mono" panose="020B0509000000000004" pitchFamily="49" charset="0"/>
-              </a:rPr>
-              <a:t>i</a:t>
-            </a:r>
-            <a:r>
-              <a:rPr lang="en-US" sz="900" b="1" dirty="0">
-                <a:solidFill>
-                  <a:schemeClr val="bg1"/>
-                </a:solidFill>
-                <a:latin typeface="Andale Mono" panose="020B0509000000000004" pitchFamily="49" charset="0"/>
-              </a:rPr>
-              <a:t> = </a:t>
-            </a:r>
-            <a:r>
-              <a:rPr lang="en-US" sz="900" b="1" dirty="0" err="1">
-                <a:solidFill>
-                  <a:schemeClr val="bg1"/>
-                </a:solidFill>
-                <a:latin typeface="Andale Mono" panose="020B0509000000000004" pitchFamily="49" charset="0"/>
-              </a:rPr>
-              <a:t>inicio</a:t>
-            </a:r>
-            <a:r>
-              <a:rPr lang="en-US" sz="900" b="1" dirty="0">
-                <a:solidFill>
-                  <a:srgbClr val="CC7832"/>
-                </a:solidFill>
-                <a:latin typeface="Andale Mono" panose="020B0509000000000004" pitchFamily="49" charset="0"/>
-              </a:rPr>
-              <a:t>,</a:t>
-            </a:r>
-            <a:r>
-              <a:rPr lang="en-US" sz="900" b="1" dirty="0">
-                <a:solidFill>
-                  <a:schemeClr val="bg1"/>
-                </a:solidFill>
-                <a:latin typeface="Andale Mono" panose="020B0509000000000004" pitchFamily="49" charset="0"/>
-              </a:rPr>
-              <a:t> j = fin</a:t>
-            </a:r>
-            <a:r>
-              <a:rPr lang="en-US" sz="900" b="1" dirty="0">
-                <a:solidFill>
-                  <a:srgbClr val="CC7832"/>
-                </a:solidFill>
-                <a:latin typeface="Andale Mono" panose="020B0509000000000004" pitchFamily="49" charset="0"/>
-              </a:rPr>
-              <a:t>;</a:t>
-            </a:r>
-            <a:br>
-              <a:rPr lang="en-US" sz="900" b="1" dirty="0">
-                <a:solidFill>
-                  <a:srgbClr val="CC7832"/>
-                </a:solidFill>
-                <a:latin typeface="Andale Mono" panose="020B0509000000000004" pitchFamily="49" charset="0"/>
-              </a:rPr>
-            </a:br>
-            <a:r>
-              <a:rPr lang="en-US" sz="900" b="1" dirty="0">
-                <a:solidFill>
-                  <a:srgbClr val="CC7832"/>
-                </a:solidFill>
-                <a:latin typeface="Andale Mono" panose="020B0509000000000004" pitchFamily="49" charset="0"/>
-              </a:rPr>
-              <a:t>    </a:t>
-            </a:r>
-            <a:r>
-              <a:rPr lang="en-US" sz="900" b="1" dirty="0">
-                <a:solidFill>
-                  <a:srgbClr val="808080"/>
-                </a:solidFill>
-                <a:latin typeface="Andale Mono" panose="020B0509000000000004" pitchFamily="49" charset="0"/>
-              </a:rPr>
-              <a:t>// Variable para </a:t>
-            </a:r>
-            <a:r>
-              <a:rPr lang="en-US" sz="900" b="1" dirty="0" err="1">
-                <a:solidFill>
-                  <a:srgbClr val="808080"/>
-                </a:solidFill>
-                <a:latin typeface="Andale Mono" panose="020B0509000000000004" pitchFamily="49" charset="0"/>
-              </a:rPr>
-              <a:t>asistir</a:t>
-            </a:r>
-            <a:r>
-              <a:rPr lang="en-US" sz="900" b="1" dirty="0">
-                <a:solidFill>
-                  <a:srgbClr val="808080"/>
-                </a:solidFill>
-                <a:latin typeface="Andale Mono" panose="020B0509000000000004" pitchFamily="49" charset="0"/>
-              </a:rPr>
-              <a:t> </a:t>
-            </a:r>
-            <a:r>
-              <a:rPr lang="en-US" sz="900" b="1" dirty="0" err="1">
-                <a:solidFill>
-                  <a:srgbClr val="808080"/>
-                </a:solidFill>
-                <a:latin typeface="Andale Mono" panose="020B0509000000000004" pitchFamily="49" charset="0"/>
-              </a:rPr>
-              <a:t>en</a:t>
-            </a:r>
-            <a:r>
-              <a:rPr lang="en-US" sz="900" b="1" dirty="0">
-                <a:solidFill>
-                  <a:srgbClr val="808080"/>
-                </a:solidFill>
-                <a:latin typeface="Andale Mono" panose="020B0509000000000004" pitchFamily="49" charset="0"/>
-              </a:rPr>
-              <a:t> </a:t>
-            </a:r>
-            <a:r>
-              <a:rPr lang="en-US" sz="900" b="1" dirty="0" err="1">
-                <a:solidFill>
-                  <a:srgbClr val="808080"/>
-                </a:solidFill>
-                <a:latin typeface="Andale Mono" panose="020B0509000000000004" pitchFamily="49" charset="0"/>
-              </a:rPr>
-              <a:t>cambio</a:t>
-            </a:r>
-            <a:r>
-              <a:rPr lang="en-US" sz="900" b="1" dirty="0">
-                <a:solidFill>
-                  <a:srgbClr val="808080"/>
-                </a:solidFill>
-                <a:latin typeface="Andale Mono" panose="020B0509000000000004" pitchFamily="49" charset="0"/>
-              </a:rPr>
-              <a:t> de </a:t>
-            </a:r>
-            <a:r>
-              <a:rPr lang="en-US" sz="900" b="1" dirty="0" err="1">
-                <a:solidFill>
-                  <a:srgbClr val="808080"/>
-                </a:solidFill>
-                <a:latin typeface="Andale Mono" panose="020B0509000000000004" pitchFamily="49" charset="0"/>
-              </a:rPr>
-              <a:t>valores</a:t>
-            </a:r>
-            <a:br>
-              <a:rPr lang="en-US" sz="900" b="1" dirty="0">
-                <a:solidFill>
-                  <a:srgbClr val="808080"/>
-                </a:solidFill>
-                <a:latin typeface="Andale Mono" panose="020B0509000000000004" pitchFamily="49" charset="0"/>
-              </a:rPr>
-            </a:br>
-            <a:r>
-              <a:rPr lang="en-US" sz="900" b="1" dirty="0">
-                <a:solidFill>
-                  <a:srgbClr val="808080"/>
-                </a:solidFill>
-                <a:latin typeface="Andale Mono" panose="020B0509000000000004" pitchFamily="49" charset="0"/>
-              </a:rPr>
-              <a:t>    </a:t>
-            </a:r>
-            <a:r>
-              <a:rPr lang="en-US" sz="900" b="1" dirty="0">
-                <a:solidFill>
-                  <a:srgbClr val="B5B6E3"/>
-                </a:solidFill>
-                <a:latin typeface="Andale Mono" panose="020B0509000000000004" pitchFamily="49" charset="0"/>
-              </a:rPr>
-              <a:t>std</a:t>
-            </a:r>
-            <a:r>
-              <a:rPr lang="en-US" sz="900" b="1" dirty="0">
-                <a:latin typeface="Andale Mono" panose="020B0509000000000004" pitchFamily="49" charset="0"/>
-              </a:rPr>
-              <a:t>::</a:t>
-            </a:r>
-            <a:r>
-              <a:rPr lang="en-US" sz="900" b="1" dirty="0">
-                <a:solidFill>
-                  <a:srgbClr val="B9BCD1"/>
-                </a:solidFill>
-                <a:latin typeface="Andale Mono" panose="020B0509000000000004" pitchFamily="49" charset="0"/>
-              </a:rPr>
-              <a:t>string</a:t>
-            </a:r>
-            <a:r>
-              <a:rPr lang="en-US" sz="900" b="1" dirty="0">
-                <a:solidFill>
-                  <a:schemeClr val="bg1"/>
-                </a:solidFill>
-                <a:latin typeface="Andale Mono" panose="020B0509000000000004" pitchFamily="49" charset="0"/>
-              </a:rPr>
-              <a:t> buffer</a:t>
-            </a:r>
-            <a:r>
-              <a:rPr lang="en-US" sz="900" b="1" dirty="0">
-                <a:solidFill>
-                  <a:srgbClr val="CC7832"/>
-                </a:solidFill>
-                <a:latin typeface="Andale Mono" panose="020B0509000000000004" pitchFamily="49" charset="0"/>
-              </a:rPr>
-              <a:t>;</a:t>
-            </a:r>
-            <a:br>
-              <a:rPr lang="en-US" sz="900" b="1" dirty="0">
-                <a:solidFill>
-                  <a:srgbClr val="CC7832"/>
-                </a:solidFill>
-                <a:latin typeface="Andale Mono" panose="020B0509000000000004" pitchFamily="49" charset="0"/>
-              </a:rPr>
-            </a:br>
-            <a:r>
-              <a:rPr lang="en-US" sz="900" b="1" dirty="0">
-                <a:solidFill>
-                  <a:srgbClr val="CC7832"/>
-                </a:solidFill>
-                <a:latin typeface="Andale Mono" panose="020B0509000000000004" pitchFamily="49" charset="0"/>
-              </a:rPr>
-              <a:t>    </a:t>
-            </a:r>
-            <a:r>
-              <a:rPr lang="en-US" sz="900" b="1" dirty="0">
-                <a:solidFill>
-                  <a:srgbClr val="808080"/>
-                </a:solidFill>
-                <a:latin typeface="Andale Mono" panose="020B0509000000000004" pitchFamily="49" charset="0"/>
-              </a:rPr>
-              <a:t>// Valor medio </a:t>
-            </a:r>
-            <a:r>
-              <a:rPr lang="en-US" sz="900" b="1" dirty="0" err="1">
-                <a:solidFill>
-                  <a:srgbClr val="808080"/>
-                </a:solidFill>
-                <a:latin typeface="Andale Mono" panose="020B0509000000000004" pitchFamily="49" charset="0"/>
-              </a:rPr>
-              <a:t>en</a:t>
-            </a:r>
-            <a:r>
-              <a:rPr lang="en-US" sz="900" b="1" dirty="0">
-                <a:solidFill>
-                  <a:srgbClr val="808080"/>
-                </a:solidFill>
-                <a:latin typeface="Andale Mono" panose="020B0509000000000004" pitchFamily="49" charset="0"/>
-              </a:rPr>
-              <a:t> </a:t>
-            </a:r>
-            <a:r>
-              <a:rPr lang="en-US" sz="900" b="1" dirty="0" err="1">
-                <a:solidFill>
-                  <a:srgbClr val="808080"/>
-                </a:solidFill>
-                <a:latin typeface="Andale Mono" panose="020B0509000000000004" pitchFamily="49" charset="0"/>
-              </a:rPr>
-              <a:t>lista</a:t>
-            </a:r>
-            <a:br>
-              <a:rPr lang="en-US" sz="900" b="1" dirty="0">
-                <a:solidFill>
-                  <a:srgbClr val="808080"/>
-                </a:solidFill>
-                <a:latin typeface="Andale Mono" panose="020B0509000000000004" pitchFamily="49" charset="0"/>
-              </a:rPr>
-            </a:br>
-            <a:r>
-              <a:rPr lang="en-US" sz="900" b="1" dirty="0">
-                <a:solidFill>
-                  <a:srgbClr val="808080"/>
-                </a:solidFill>
-                <a:latin typeface="Andale Mono" panose="020B0509000000000004" pitchFamily="49" charset="0"/>
-              </a:rPr>
-              <a:t>    </a:t>
-            </a:r>
-            <a:r>
-              <a:rPr lang="en-US" sz="900" b="1" dirty="0">
-                <a:solidFill>
-                  <a:srgbClr val="B5B6E3"/>
-                </a:solidFill>
-                <a:latin typeface="Andale Mono" panose="020B0509000000000004" pitchFamily="49" charset="0"/>
-              </a:rPr>
-              <a:t>std</a:t>
-            </a:r>
-            <a:r>
-              <a:rPr lang="en-US" sz="900" b="1" dirty="0">
-                <a:solidFill>
-                  <a:schemeClr val="bg1"/>
-                </a:solidFill>
-                <a:latin typeface="Andale Mono" panose="020B0509000000000004" pitchFamily="49" charset="0"/>
-              </a:rPr>
-              <a:t>::</a:t>
-            </a:r>
-            <a:r>
-              <a:rPr lang="en-US" sz="900" b="1" dirty="0">
-                <a:solidFill>
-                  <a:srgbClr val="B9BCD1"/>
-                </a:solidFill>
-                <a:latin typeface="Andale Mono" panose="020B0509000000000004" pitchFamily="49" charset="0"/>
-              </a:rPr>
-              <a:t>string</a:t>
-            </a:r>
-            <a:r>
-              <a:rPr lang="en-US" sz="900" b="1" dirty="0">
-                <a:solidFill>
-                  <a:schemeClr val="bg1"/>
-                </a:solidFill>
-                <a:latin typeface="Andale Mono" panose="020B0509000000000004" pitchFamily="49" charset="0"/>
-              </a:rPr>
-              <a:t> mid = str</a:t>
-            </a:r>
-            <a:r>
-              <a:rPr lang="en-US" sz="900" b="1" dirty="0">
-                <a:solidFill>
-                  <a:srgbClr val="5F8C8A"/>
-                </a:solidFill>
-                <a:latin typeface="Andale Mono" panose="020B0509000000000004" pitchFamily="49" charset="0"/>
-              </a:rPr>
-              <a:t>[</a:t>
-            </a:r>
-            <a:r>
-              <a:rPr lang="en-US" sz="900" b="1" dirty="0">
-                <a:solidFill>
-                  <a:schemeClr val="bg1"/>
-                </a:solidFill>
-                <a:latin typeface="Andale Mono" panose="020B0509000000000004" pitchFamily="49" charset="0"/>
-              </a:rPr>
-              <a:t>(</a:t>
-            </a:r>
-            <a:r>
-              <a:rPr lang="en-US" sz="900" b="1" dirty="0" err="1">
-                <a:solidFill>
-                  <a:schemeClr val="bg1"/>
-                </a:solidFill>
-                <a:latin typeface="Andale Mono" panose="020B0509000000000004" pitchFamily="49" charset="0"/>
-              </a:rPr>
-              <a:t>inicio</a:t>
-            </a:r>
-            <a:r>
-              <a:rPr lang="en-US" sz="900" b="1" dirty="0">
-                <a:solidFill>
-                  <a:schemeClr val="bg1"/>
-                </a:solidFill>
-                <a:latin typeface="Andale Mono" panose="020B0509000000000004" pitchFamily="49" charset="0"/>
-              </a:rPr>
-              <a:t> + fin) / </a:t>
-            </a:r>
-            <a:r>
-              <a:rPr lang="en-US" sz="900" b="1" dirty="0">
-                <a:solidFill>
-                  <a:srgbClr val="6897BB"/>
-                </a:solidFill>
-                <a:latin typeface="Andale Mono" panose="020B0509000000000004" pitchFamily="49" charset="0"/>
-              </a:rPr>
-              <a:t>2</a:t>
-            </a:r>
-            <a:r>
-              <a:rPr lang="en-US" sz="900" b="1" dirty="0">
-                <a:solidFill>
-                  <a:srgbClr val="5F8C8A"/>
-                </a:solidFill>
-                <a:latin typeface="Andale Mono" panose="020B0509000000000004" pitchFamily="49" charset="0"/>
-              </a:rPr>
-              <a:t>]</a:t>
-            </a:r>
-            <a:r>
-              <a:rPr lang="en-US" sz="900" b="1" dirty="0">
-                <a:solidFill>
-                  <a:srgbClr val="CC7832"/>
-                </a:solidFill>
-                <a:latin typeface="Andale Mono" panose="020B0509000000000004" pitchFamily="49" charset="0"/>
-              </a:rPr>
-              <a:t>;</a:t>
-            </a:r>
-            <a:br>
-              <a:rPr lang="en-US" sz="900" b="1" dirty="0">
-                <a:solidFill>
-                  <a:srgbClr val="CC7832"/>
-                </a:solidFill>
-                <a:latin typeface="Andale Mono" panose="020B0509000000000004" pitchFamily="49" charset="0"/>
-              </a:rPr>
-            </a:br>
-            <a:r>
-              <a:rPr lang="en-US" sz="900" b="1" dirty="0">
-                <a:solidFill>
-                  <a:srgbClr val="CC7832"/>
-                </a:solidFill>
-                <a:latin typeface="Andale Mono" panose="020B0509000000000004" pitchFamily="49" charset="0"/>
-              </a:rPr>
-              <a:t>    while</a:t>
-            </a:r>
-            <a:r>
-              <a:rPr lang="en-US" sz="900" b="1" dirty="0">
-                <a:solidFill>
-                  <a:schemeClr val="bg1"/>
-                </a:solidFill>
-                <a:latin typeface="Andale Mono" panose="020B0509000000000004" pitchFamily="49" charset="0"/>
-              </a:rPr>
-              <a:t> (</a:t>
-            </a:r>
-            <a:r>
-              <a:rPr lang="en-US" sz="900" b="1" dirty="0" err="1">
-                <a:solidFill>
-                  <a:schemeClr val="bg1"/>
-                </a:solidFill>
-                <a:latin typeface="Andale Mono" panose="020B0509000000000004" pitchFamily="49" charset="0"/>
-              </a:rPr>
-              <a:t>i</a:t>
-            </a:r>
-            <a:r>
-              <a:rPr lang="en-US" sz="900" b="1" dirty="0">
-                <a:solidFill>
-                  <a:schemeClr val="bg1"/>
-                </a:solidFill>
-                <a:latin typeface="Andale Mono" panose="020B0509000000000004" pitchFamily="49" charset="0"/>
-              </a:rPr>
-              <a:t> &lt;= j) {</a:t>
-            </a:r>
-            <a:br>
-              <a:rPr lang="en-US" sz="900" b="1" dirty="0">
-                <a:solidFill>
-                  <a:schemeClr val="bg1"/>
-                </a:solidFill>
-                <a:latin typeface="Andale Mono" panose="020B0509000000000004" pitchFamily="49" charset="0"/>
-              </a:rPr>
-            </a:br>
-            <a:r>
-              <a:rPr lang="en-US" sz="900" b="1" dirty="0">
-                <a:solidFill>
-                  <a:schemeClr val="bg1"/>
-                </a:solidFill>
-                <a:latin typeface="Andale Mono" panose="020B0509000000000004" pitchFamily="49" charset="0"/>
-              </a:rPr>
-              <a:t>  </a:t>
-            </a:r>
-            <a:r>
-              <a:rPr lang="en-US" sz="900" b="1" dirty="0">
-                <a:latin typeface="Andale Mono" panose="020B0509000000000004" pitchFamily="49" charset="0"/>
-              </a:rPr>
-              <a:t>      </a:t>
-            </a:r>
-            <a:r>
-              <a:rPr lang="en-US" sz="900" b="1" dirty="0">
-                <a:solidFill>
-                  <a:srgbClr val="808080"/>
-                </a:solidFill>
-                <a:latin typeface="Andale Mono" panose="020B0509000000000004" pitchFamily="49" charset="0"/>
-              </a:rPr>
-              <a:t>// Contador </a:t>
-            </a:r>
-            <a:r>
-              <a:rPr lang="en-US" sz="900" b="1" dirty="0" err="1">
-                <a:solidFill>
-                  <a:srgbClr val="808080"/>
-                </a:solidFill>
-                <a:latin typeface="Andale Mono" panose="020B0509000000000004" pitchFamily="49" charset="0"/>
-              </a:rPr>
-              <a:t>desde</a:t>
-            </a:r>
-            <a:r>
-              <a:rPr lang="en-US" sz="900" b="1" dirty="0">
-                <a:solidFill>
-                  <a:srgbClr val="808080"/>
-                </a:solidFill>
-                <a:latin typeface="Andale Mono" panose="020B0509000000000004" pitchFamily="49" charset="0"/>
-              </a:rPr>
-              <a:t> </a:t>
-            </a:r>
-            <a:r>
-              <a:rPr lang="en-US" sz="900" b="1" dirty="0" err="1">
-                <a:solidFill>
-                  <a:srgbClr val="808080"/>
-                </a:solidFill>
-                <a:latin typeface="Andale Mono" panose="020B0509000000000004" pitchFamily="49" charset="0"/>
-              </a:rPr>
-              <a:t>inicio</a:t>
-            </a:r>
-            <a:r>
-              <a:rPr lang="en-US" sz="900" b="1" dirty="0">
-                <a:solidFill>
-                  <a:srgbClr val="808080"/>
-                </a:solidFill>
-                <a:latin typeface="Andale Mono" panose="020B0509000000000004" pitchFamily="49" charset="0"/>
-              </a:rPr>
-              <a:t> </a:t>
-            </a:r>
-            <a:r>
-              <a:rPr lang="en-US" sz="900" b="1" dirty="0" err="1">
-                <a:solidFill>
-                  <a:srgbClr val="808080"/>
-                </a:solidFill>
-                <a:latin typeface="Andale Mono" panose="020B0509000000000004" pitchFamily="49" charset="0"/>
-              </a:rPr>
-              <a:t>hacia</a:t>
-            </a:r>
-            <a:r>
-              <a:rPr lang="en-US" sz="900" b="1" dirty="0">
-                <a:solidFill>
-                  <a:srgbClr val="808080"/>
-                </a:solidFill>
-                <a:latin typeface="Andale Mono" panose="020B0509000000000004" pitchFamily="49" charset="0"/>
-              </a:rPr>
-              <a:t> el </a:t>
-            </a:r>
-            <a:r>
-              <a:rPr lang="en-US" sz="900" b="1" dirty="0" err="1">
-                <a:solidFill>
-                  <a:srgbClr val="808080"/>
-                </a:solidFill>
-                <a:latin typeface="Andale Mono" panose="020B0509000000000004" pitchFamily="49" charset="0"/>
-              </a:rPr>
-              <a:t>centro</a:t>
-            </a:r>
-            <a:br>
-              <a:rPr lang="en-US" sz="900" b="1" dirty="0">
-                <a:solidFill>
-                  <a:srgbClr val="808080"/>
-                </a:solidFill>
-                <a:latin typeface="Andale Mono" panose="020B0509000000000004" pitchFamily="49" charset="0"/>
-              </a:rPr>
-            </a:br>
-            <a:r>
-              <a:rPr lang="en-US" sz="900" b="1" dirty="0">
-                <a:solidFill>
-                  <a:srgbClr val="808080"/>
-                </a:solidFill>
-                <a:latin typeface="Andale Mono" panose="020B0509000000000004" pitchFamily="49" charset="0"/>
-              </a:rPr>
-              <a:t>        </a:t>
-            </a:r>
-            <a:r>
-              <a:rPr lang="en-US" sz="900" b="1" dirty="0">
-                <a:solidFill>
-                  <a:srgbClr val="CC7832"/>
-                </a:solidFill>
-                <a:latin typeface="Andale Mono" panose="020B0509000000000004" pitchFamily="49" charset="0"/>
-              </a:rPr>
-              <a:t>while</a:t>
-            </a:r>
-            <a:r>
-              <a:rPr lang="en-US" sz="900" b="1" dirty="0">
-                <a:solidFill>
-                  <a:schemeClr val="bg1"/>
-                </a:solidFill>
-                <a:latin typeface="Andale Mono" panose="020B0509000000000004" pitchFamily="49" charset="0"/>
-              </a:rPr>
-              <a:t> (str</a:t>
-            </a:r>
-            <a:r>
-              <a:rPr lang="en-US" sz="900" b="1" dirty="0">
-                <a:solidFill>
-                  <a:srgbClr val="5F8C8A"/>
-                </a:solidFill>
-                <a:latin typeface="Andale Mono" panose="020B0509000000000004" pitchFamily="49" charset="0"/>
-              </a:rPr>
-              <a:t>[</a:t>
-            </a:r>
-            <a:r>
-              <a:rPr lang="en-US" sz="900" b="1" dirty="0" err="1">
-                <a:solidFill>
-                  <a:schemeClr val="bg1"/>
-                </a:solidFill>
-                <a:latin typeface="Andale Mono" panose="020B0509000000000004" pitchFamily="49" charset="0"/>
-              </a:rPr>
-              <a:t>i</a:t>
-            </a:r>
-            <a:r>
-              <a:rPr lang="en-US" sz="900" b="1" dirty="0">
-                <a:solidFill>
-                  <a:srgbClr val="5F8C8A"/>
-                </a:solidFill>
-                <a:latin typeface="Andale Mono" panose="020B0509000000000004" pitchFamily="49" charset="0"/>
-              </a:rPr>
-              <a:t>] &lt;</a:t>
-            </a:r>
-            <a:r>
-              <a:rPr lang="en-US" sz="900" b="1" dirty="0">
-                <a:solidFill>
-                  <a:schemeClr val="bg1"/>
-                </a:solidFill>
-                <a:latin typeface="Andale Mono" panose="020B0509000000000004" pitchFamily="49" charset="0"/>
-              </a:rPr>
-              <a:t> mid)</a:t>
-            </a:r>
-            <a:br>
-              <a:rPr lang="en-US" sz="900" b="1" dirty="0">
-                <a:solidFill>
-                  <a:schemeClr val="bg1"/>
-                </a:solidFill>
-                <a:latin typeface="Andale Mono" panose="020B0509000000000004" pitchFamily="49" charset="0"/>
-              </a:rPr>
-            </a:br>
-            <a:r>
-              <a:rPr lang="en-US" sz="900" b="1" dirty="0">
-                <a:solidFill>
-                  <a:schemeClr val="bg1"/>
-                </a:solidFill>
-                <a:latin typeface="Andale Mono" panose="020B0509000000000004" pitchFamily="49" charset="0"/>
-              </a:rPr>
-              <a:t>            </a:t>
-            </a:r>
-            <a:r>
-              <a:rPr lang="en-US" sz="900" b="1" dirty="0" err="1">
-                <a:solidFill>
-                  <a:schemeClr val="bg1"/>
-                </a:solidFill>
-                <a:latin typeface="Andale Mono" panose="020B0509000000000004" pitchFamily="49" charset="0"/>
-              </a:rPr>
-              <a:t>i</a:t>
-            </a:r>
-            <a:r>
-              <a:rPr lang="en-US" sz="900" b="1" dirty="0">
-                <a:solidFill>
-                  <a:schemeClr val="bg1"/>
-                </a:solidFill>
-                <a:latin typeface="Andale Mono" panose="020B0509000000000004" pitchFamily="49" charset="0"/>
-              </a:rPr>
-              <a:t>++</a:t>
-            </a:r>
-            <a:r>
-              <a:rPr lang="en-US" sz="900" b="1" dirty="0">
-                <a:solidFill>
-                  <a:srgbClr val="CC7832"/>
-                </a:solidFill>
-                <a:latin typeface="Andale Mono" panose="020B0509000000000004" pitchFamily="49" charset="0"/>
-              </a:rPr>
-              <a:t>;</a:t>
-            </a:r>
-            <a:br>
-              <a:rPr lang="en-US" sz="900" b="1" dirty="0">
-                <a:solidFill>
-                  <a:srgbClr val="CC7832"/>
-                </a:solidFill>
-                <a:latin typeface="Andale Mono" panose="020B0509000000000004" pitchFamily="49" charset="0"/>
-              </a:rPr>
-            </a:br>
-            <a:r>
-              <a:rPr lang="en-US" sz="900" b="1" dirty="0">
-                <a:solidFill>
-                  <a:srgbClr val="CC7832"/>
-                </a:solidFill>
-                <a:latin typeface="Andale Mono" panose="020B0509000000000004" pitchFamily="49" charset="0"/>
-              </a:rPr>
-              <a:t>        </a:t>
-            </a:r>
-            <a:r>
-              <a:rPr lang="en-US" sz="900" b="1" dirty="0">
-                <a:solidFill>
-                  <a:srgbClr val="808080"/>
-                </a:solidFill>
-                <a:latin typeface="Andale Mono" panose="020B0509000000000004" pitchFamily="49" charset="0"/>
-              </a:rPr>
-              <a:t>// Contador </a:t>
-            </a:r>
-            <a:r>
-              <a:rPr lang="en-US" sz="900" b="1" dirty="0" err="1">
-                <a:solidFill>
-                  <a:srgbClr val="808080"/>
-                </a:solidFill>
-                <a:latin typeface="Andale Mono" panose="020B0509000000000004" pitchFamily="49" charset="0"/>
-              </a:rPr>
-              <a:t>desde</a:t>
-            </a:r>
-            <a:r>
-              <a:rPr lang="en-US" sz="900" b="1" dirty="0">
-                <a:solidFill>
-                  <a:srgbClr val="808080"/>
-                </a:solidFill>
-                <a:latin typeface="Andale Mono" panose="020B0509000000000004" pitchFamily="49" charset="0"/>
-              </a:rPr>
-              <a:t> el final </a:t>
-            </a:r>
-            <a:r>
-              <a:rPr lang="en-US" sz="900" b="1" dirty="0" err="1">
-                <a:solidFill>
-                  <a:srgbClr val="808080"/>
-                </a:solidFill>
-                <a:latin typeface="Andale Mono" panose="020B0509000000000004" pitchFamily="49" charset="0"/>
-              </a:rPr>
-              <a:t>hacia</a:t>
-            </a:r>
-            <a:r>
-              <a:rPr lang="en-US" sz="900" b="1" dirty="0">
-                <a:solidFill>
-                  <a:srgbClr val="808080"/>
-                </a:solidFill>
-                <a:latin typeface="Andale Mono" panose="020B0509000000000004" pitchFamily="49" charset="0"/>
-              </a:rPr>
-              <a:t> el </a:t>
-            </a:r>
-            <a:r>
-              <a:rPr lang="en-US" sz="900" b="1" dirty="0" err="1">
-                <a:solidFill>
-                  <a:srgbClr val="808080"/>
-                </a:solidFill>
-                <a:latin typeface="Andale Mono" panose="020B0509000000000004" pitchFamily="49" charset="0"/>
-              </a:rPr>
-              <a:t>centro</a:t>
-            </a:r>
-            <a:br>
-              <a:rPr lang="en-US" sz="900" b="1" dirty="0">
-                <a:solidFill>
-                  <a:srgbClr val="808080"/>
-                </a:solidFill>
-                <a:latin typeface="Andale Mono" panose="020B0509000000000004" pitchFamily="49" charset="0"/>
-              </a:rPr>
-            </a:br>
-            <a:r>
-              <a:rPr lang="en-US" sz="900" b="1" dirty="0">
-                <a:solidFill>
-                  <a:srgbClr val="808080"/>
-                </a:solidFill>
-                <a:latin typeface="Andale Mono" panose="020B0509000000000004" pitchFamily="49" charset="0"/>
-              </a:rPr>
-              <a:t>        </a:t>
-            </a:r>
-            <a:r>
-              <a:rPr lang="en-US" sz="900" b="1" dirty="0">
-                <a:solidFill>
-                  <a:srgbClr val="CC7832"/>
-                </a:solidFill>
-                <a:latin typeface="Andale Mono" panose="020B0509000000000004" pitchFamily="49" charset="0"/>
-              </a:rPr>
-              <a:t>while</a:t>
-            </a:r>
-            <a:r>
-              <a:rPr lang="en-US" sz="900" b="1" dirty="0">
-                <a:solidFill>
-                  <a:schemeClr val="bg1"/>
-                </a:solidFill>
-                <a:latin typeface="Andale Mono" panose="020B0509000000000004" pitchFamily="49" charset="0"/>
-              </a:rPr>
-              <a:t> (str</a:t>
-            </a:r>
-            <a:r>
-              <a:rPr lang="en-US" sz="900" b="1" dirty="0">
-                <a:solidFill>
-                  <a:srgbClr val="5F8C8A"/>
-                </a:solidFill>
-                <a:latin typeface="Andale Mono" panose="020B0509000000000004" pitchFamily="49" charset="0"/>
-              </a:rPr>
-              <a:t>[</a:t>
-            </a:r>
-            <a:r>
-              <a:rPr lang="en-US" sz="900" b="1" dirty="0">
-                <a:solidFill>
-                  <a:schemeClr val="bg1"/>
-                </a:solidFill>
-                <a:latin typeface="Andale Mono" panose="020B0509000000000004" pitchFamily="49" charset="0"/>
-              </a:rPr>
-              <a:t>j</a:t>
-            </a:r>
-            <a:r>
-              <a:rPr lang="en-US" sz="900" b="1" dirty="0">
-                <a:solidFill>
-                  <a:srgbClr val="5F8C8A"/>
-                </a:solidFill>
-                <a:latin typeface="Andale Mono" panose="020B0509000000000004" pitchFamily="49" charset="0"/>
-              </a:rPr>
-              <a:t>] &gt;</a:t>
-            </a:r>
-            <a:r>
-              <a:rPr lang="en-US" sz="900" b="1" dirty="0">
-                <a:solidFill>
-                  <a:schemeClr val="bg1"/>
-                </a:solidFill>
-                <a:latin typeface="Andale Mono" panose="020B0509000000000004" pitchFamily="49" charset="0"/>
-              </a:rPr>
-              <a:t> mid)</a:t>
-            </a:r>
-            <a:br>
-              <a:rPr lang="en-US" sz="900" b="1" dirty="0">
-                <a:solidFill>
-                  <a:schemeClr val="bg1"/>
-                </a:solidFill>
-                <a:latin typeface="Andale Mono" panose="020B0509000000000004" pitchFamily="49" charset="0"/>
-              </a:rPr>
-            </a:br>
-            <a:r>
-              <a:rPr lang="en-US" sz="900" b="1" dirty="0">
-                <a:solidFill>
-                  <a:schemeClr val="bg1"/>
-                </a:solidFill>
-                <a:latin typeface="Andale Mono" panose="020B0509000000000004" pitchFamily="49" charset="0"/>
-              </a:rPr>
-              <a:t>            j--</a:t>
-            </a:r>
-            <a:r>
-              <a:rPr lang="en-US" sz="900" b="1" dirty="0">
-                <a:solidFill>
-                  <a:srgbClr val="CC7832"/>
-                </a:solidFill>
-                <a:latin typeface="Andale Mono" panose="020B0509000000000004" pitchFamily="49" charset="0"/>
-              </a:rPr>
-              <a:t>;</a:t>
-            </a:r>
-            <a:br>
-              <a:rPr lang="en-US" sz="900" b="1" dirty="0">
-                <a:solidFill>
-                  <a:schemeClr val="bg1"/>
-                </a:solidFill>
-                <a:latin typeface="Andale Mono" panose="020B0509000000000004" pitchFamily="49" charset="0"/>
-              </a:rPr>
-            </a:br>
-            <a:r>
-              <a:rPr lang="en-US" sz="900" b="1" dirty="0">
-                <a:solidFill>
-                  <a:schemeClr val="bg1"/>
-                </a:solidFill>
-                <a:latin typeface="Andale Mono" panose="020B0509000000000004" pitchFamily="49" charset="0"/>
-              </a:rPr>
-              <a:t>        </a:t>
-            </a:r>
-            <a:r>
-              <a:rPr lang="en-US" sz="900" b="1" dirty="0">
-                <a:solidFill>
-                  <a:srgbClr val="808080"/>
-                </a:solidFill>
-                <a:latin typeface="Andale Mono" panose="020B0509000000000004" pitchFamily="49" charset="0"/>
-              </a:rPr>
-              <a:t>// </a:t>
-            </a:r>
-            <a:r>
-              <a:rPr lang="en-US" sz="900" b="1" dirty="0" err="1">
-                <a:solidFill>
-                  <a:srgbClr val="808080"/>
-                </a:solidFill>
-                <a:latin typeface="Andale Mono" panose="020B0509000000000004" pitchFamily="49" charset="0"/>
-              </a:rPr>
-              <a:t>Comparador</a:t>
-            </a:r>
-            <a:r>
-              <a:rPr lang="en-US" sz="900" b="1" dirty="0">
-                <a:solidFill>
-                  <a:srgbClr val="808080"/>
-                </a:solidFill>
-                <a:latin typeface="Andale Mono" panose="020B0509000000000004" pitchFamily="49" charset="0"/>
-              </a:rPr>
-              <a:t> y </a:t>
-            </a:r>
-            <a:r>
-              <a:rPr lang="en-US" sz="900" b="1" dirty="0" err="1">
-                <a:solidFill>
-                  <a:srgbClr val="808080"/>
-                </a:solidFill>
-                <a:latin typeface="Andale Mono" panose="020B0509000000000004" pitchFamily="49" charset="0"/>
-              </a:rPr>
-              <a:t>cambiador</a:t>
-            </a:r>
-            <a:r>
-              <a:rPr lang="en-US" sz="900" b="1" dirty="0">
-                <a:solidFill>
-                  <a:srgbClr val="808080"/>
-                </a:solidFill>
-                <a:latin typeface="Andale Mono" panose="020B0509000000000004" pitchFamily="49" charset="0"/>
-              </a:rPr>
-              <a:t> de </a:t>
-            </a:r>
-            <a:r>
-              <a:rPr lang="en-US" sz="900" b="1" dirty="0" err="1">
-                <a:solidFill>
-                  <a:srgbClr val="808080"/>
-                </a:solidFill>
-                <a:latin typeface="Andale Mono" panose="020B0509000000000004" pitchFamily="49" charset="0"/>
-              </a:rPr>
-              <a:t>valores</a:t>
-            </a:r>
-            <a:br>
-              <a:rPr lang="en-US" sz="900" b="1" dirty="0">
-                <a:solidFill>
-                  <a:srgbClr val="808080"/>
-                </a:solidFill>
-                <a:latin typeface="Andale Mono" panose="020B0509000000000004" pitchFamily="49" charset="0"/>
-              </a:rPr>
-            </a:br>
-            <a:r>
-              <a:rPr lang="en-US" sz="900" b="1" dirty="0">
-                <a:solidFill>
-                  <a:srgbClr val="808080"/>
-                </a:solidFill>
-                <a:latin typeface="Andale Mono" panose="020B0509000000000004" pitchFamily="49" charset="0"/>
-              </a:rPr>
-              <a:t>        </a:t>
-            </a:r>
-            <a:r>
-              <a:rPr lang="en-US" sz="900" b="1" dirty="0">
-                <a:solidFill>
-                  <a:srgbClr val="CC7832"/>
-                </a:solidFill>
-                <a:latin typeface="Andale Mono" panose="020B0509000000000004" pitchFamily="49" charset="0"/>
-              </a:rPr>
-              <a:t>if</a:t>
-            </a:r>
-            <a:r>
-              <a:rPr lang="en-US" sz="900" b="1" dirty="0">
-                <a:solidFill>
-                  <a:schemeClr val="bg1"/>
-                </a:solidFill>
-                <a:latin typeface="Andale Mono" panose="020B0509000000000004" pitchFamily="49" charset="0"/>
-              </a:rPr>
-              <a:t> (</a:t>
-            </a:r>
-            <a:r>
-              <a:rPr lang="en-US" sz="900" b="1" dirty="0" err="1">
-                <a:solidFill>
-                  <a:schemeClr val="bg1"/>
-                </a:solidFill>
-                <a:latin typeface="Andale Mono" panose="020B0509000000000004" pitchFamily="49" charset="0"/>
-              </a:rPr>
-              <a:t>i</a:t>
-            </a:r>
-            <a:r>
-              <a:rPr lang="en-US" sz="900" b="1" dirty="0">
-                <a:solidFill>
-                  <a:schemeClr val="bg1"/>
-                </a:solidFill>
-                <a:latin typeface="Andale Mono" panose="020B0509000000000004" pitchFamily="49" charset="0"/>
-              </a:rPr>
-              <a:t> &lt;= j) {</a:t>
-            </a:r>
-            <a:br>
-              <a:rPr lang="en-US" sz="900" b="1" dirty="0">
-                <a:solidFill>
-                  <a:schemeClr val="bg1"/>
-                </a:solidFill>
-                <a:latin typeface="Andale Mono" panose="020B0509000000000004" pitchFamily="49" charset="0"/>
-              </a:rPr>
-            </a:br>
-            <a:r>
-              <a:rPr lang="en-US" sz="900" b="1" dirty="0">
-                <a:solidFill>
-                  <a:schemeClr val="bg1"/>
-                </a:solidFill>
-                <a:latin typeface="Andale Mono" panose="020B0509000000000004" pitchFamily="49" charset="0"/>
-              </a:rPr>
-              <a:t>                buffer </a:t>
-            </a:r>
-            <a:r>
-              <a:rPr lang="en-US" sz="900" b="1" dirty="0">
-                <a:solidFill>
-                  <a:srgbClr val="5F8C8A"/>
-                </a:solidFill>
-                <a:latin typeface="Andale Mono" panose="020B0509000000000004" pitchFamily="49" charset="0"/>
-              </a:rPr>
-              <a:t>=</a:t>
-            </a:r>
-            <a:r>
-              <a:rPr lang="en-US" sz="900" b="1" dirty="0">
-                <a:solidFill>
-                  <a:schemeClr val="bg1"/>
-                </a:solidFill>
-                <a:latin typeface="Andale Mono" panose="020B0509000000000004" pitchFamily="49" charset="0"/>
-              </a:rPr>
-              <a:t> str</a:t>
-            </a:r>
-            <a:r>
-              <a:rPr lang="en-US" sz="900" b="1" dirty="0">
-                <a:solidFill>
-                  <a:srgbClr val="5F8C8A"/>
-                </a:solidFill>
-                <a:latin typeface="Andale Mono" panose="020B0509000000000004" pitchFamily="49" charset="0"/>
-              </a:rPr>
-              <a:t>[</a:t>
-            </a:r>
-            <a:r>
-              <a:rPr lang="en-US" sz="900" b="1" dirty="0" err="1">
-                <a:solidFill>
-                  <a:schemeClr val="bg1"/>
-                </a:solidFill>
-                <a:latin typeface="Andale Mono" panose="020B0509000000000004" pitchFamily="49" charset="0"/>
-              </a:rPr>
-              <a:t>i</a:t>
-            </a:r>
-            <a:r>
-              <a:rPr lang="en-US" sz="900" b="1" dirty="0">
-                <a:solidFill>
-                  <a:srgbClr val="5F8C8A"/>
-                </a:solidFill>
-                <a:latin typeface="Andale Mono" panose="020B0509000000000004" pitchFamily="49" charset="0"/>
-              </a:rPr>
-              <a:t>]</a:t>
-            </a:r>
-            <a:r>
-              <a:rPr lang="en-US" sz="900" b="1" dirty="0">
-                <a:solidFill>
-                  <a:srgbClr val="CC7832"/>
-                </a:solidFill>
-                <a:latin typeface="Andale Mono" panose="020B0509000000000004" pitchFamily="49" charset="0"/>
-              </a:rPr>
-              <a:t>;</a:t>
-            </a:r>
-            <a:br>
-              <a:rPr lang="en-US" sz="900" b="1" dirty="0">
-                <a:solidFill>
-                  <a:srgbClr val="CC7832"/>
-                </a:solidFill>
-                <a:latin typeface="Andale Mono" panose="020B0509000000000004" pitchFamily="49" charset="0"/>
-              </a:rPr>
-            </a:br>
-            <a:r>
-              <a:rPr lang="en-US" sz="900" b="1" dirty="0">
-                <a:solidFill>
-                  <a:srgbClr val="CC7832"/>
-                </a:solidFill>
-                <a:latin typeface="Andale Mono" panose="020B0509000000000004" pitchFamily="49" charset="0"/>
-              </a:rPr>
-              <a:t>  </a:t>
-            </a:r>
-            <a:r>
-              <a:rPr lang="en-US" sz="900" b="1" dirty="0">
-                <a:solidFill>
-                  <a:schemeClr val="bg1"/>
-                </a:solidFill>
-                <a:latin typeface="Andale Mono" panose="020B0509000000000004" pitchFamily="49" charset="0"/>
-              </a:rPr>
-              <a:t>              str</a:t>
-            </a:r>
-            <a:r>
-              <a:rPr lang="en-US" sz="900" b="1" dirty="0">
-                <a:solidFill>
-                  <a:srgbClr val="5F8C8A"/>
-                </a:solidFill>
-                <a:latin typeface="Andale Mono" panose="020B0509000000000004" pitchFamily="49" charset="0"/>
-              </a:rPr>
-              <a:t>[</a:t>
-            </a:r>
-            <a:r>
-              <a:rPr lang="en-US" sz="900" b="1" dirty="0" err="1">
-                <a:solidFill>
-                  <a:schemeClr val="bg1"/>
-                </a:solidFill>
-                <a:latin typeface="Andale Mono" panose="020B0509000000000004" pitchFamily="49" charset="0"/>
-              </a:rPr>
-              <a:t>i</a:t>
-            </a:r>
-            <a:r>
-              <a:rPr lang="en-US" sz="900" b="1" dirty="0">
-                <a:solidFill>
-                  <a:srgbClr val="5F8C8A"/>
-                </a:solidFill>
-                <a:latin typeface="Andale Mono" panose="020B0509000000000004" pitchFamily="49" charset="0"/>
-              </a:rPr>
-              <a:t>] =</a:t>
-            </a:r>
-            <a:r>
-              <a:rPr lang="en-US" sz="900" b="1" dirty="0">
-                <a:solidFill>
-                  <a:schemeClr val="bg1"/>
-                </a:solidFill>
-                <a:latin typeface="Andale Mono" panose="020B0509000000000004" pitchFamily="49" charset="0"/>
-              </a:rPr>
-              <a:t> str</a:t>
-            </a:r>
-            <a:r>
-              <a:rPr lang="en-US" sz="900" b="1" dirty="0">
-                <a:solidFill>
-                  <a:srgbClr val="5F8C8A"/>
-                </a:solidFill>
-                <a:latin typeface="Andale Mono" panose="020B0509000000000004" pitchFamily="49" charset="0"/>
-              </a:rPr>
-              <a:t>[</a:t>
-            </a:r>
-            <a:r>
-              <a:rPr lang="en-US" sz="900" b="1" dirty="0">
-                <a:solidFill>
-                  <a:schemeClr val="bg1"/>
-                </a:solidFill>
-                <a:latin typeface="Andale Mono" panose="020B0509000000000004" pitchFamily="49" charset="0"/>
-              </a:rPr>
-              <a:t>j</a:t>
-            </a:r>
-            <a:r>
-              <a:rPr lang="en-US" sz="900" b="1" dirty="0">
-                <a:solidFill>
-                  <a:srgbClr val="5F8C8A"/>
-                </a:solidFill>
-                <a:latin typeface="Andale Mono" panose="020B0509000000000004" pitchFamily="49" charset="0"/>
-              </a:rPr>
-              <a:t>]</a:t>
-            </a:r>
-            <a:r>
-              <a:rPr lang="en-US" sz="900" b="1" dirty="0">
-                <a:solidFill>
-                  <a:srgbClr val="CC7832"/>
-                </a:solidFill>
-                <a:latin typeface="Andale Mono" panose="020B0509000000000004" pitchFamily="49" charset="0"/>
-              </a:rPr>
-              <a:t>;</a:t>
-            </a:r>
-            <a:br>
-              <a:rPr lang="en-US" sz="900" b="1" dirty="0">
-                <a:solidFill>
-                  <a:srgbClr val="CC7832"/>
-                </a:solidFill>
-                <a:latin typeface="Andale Mono" panose="020B0509000000000004" pitchFamily="49" charset="0"/>
-              </a:rPr>
-            </a:br>
-            <a:r>
-              <a:rPr lang="en-US" sz="900" b="1" dirty="0">
-                <a:solidFill>
-                  <a:srgbClr val="CC7832"/>
-                </a:solidFill>
-                <a:latin typeface="Andale Mono" panose="020B0509000000000004" pitchFamily="49" charset="0"/>
-              </a:rPr>
-              <a:t>  </a:t>
-            </a:r>
-            <a:r>
-              <a:rPr lang="en-US" sz="900" b="1" dirty="0">
-                <a:solidFill>
-                  <a:schemeClr val="bg1"/>
-                </a:solidFill>
-                <a:latin typeface="Andale Mono" panose="020B0509000000000004" pitchFamily="49" charset="0"/>
-              </a:rPr>
-              <a:t>              str</a:t>
-            </a:r>
-            <a:r>
-              <a:rPr lang="en-US" sz="900" b="1" dirty="0">
-                <a:solidFill>
-                  <a:srgbClr val="5F8C8A"/>
-                </a:solidFill>
-                <a:latin typeface="Andale Mono" panose="020B0509000000000004" pitchFamily="49" charset="0"/>
-              </a:rPr>
-              <a:t>[</a:t>
-            </a:r>
-            <a:r>
-              <a:rPr lang="en-US" sz="900" b="1" dirty="0">
-                <a:solidFill>
-                  <a:schemeClr val="bg1"/>
-                </a:solidFill>
-                <a:latin typeface="Andale Mono" panose="020B0509000000000004" pitchFamily="49" charset="0"/>
-              </a:rPr>
-              <a:t>j</a:t>
-            </a:r>
-            <a:r>
-              <a:rPr lang="en-US" sz="900" b="1" dirty="0">
-                <a:solidFill>
-                  <a:srgbClr val="5F8C8A"/>
-                </a:solidFill>
-                <a:latin typeface="Andale Mono" panose="020B0509000000000004" pitchFamily="49" charset="0"/>
-              </a:rPr>
-              <a:t>] = </a:t>
-            </a:r>
-            <a:r>
-              <a:rPr lang="en-US" sz="900" b="1" dirty="0">
-                <a:solidFill>
-                  <a:schemeClr val="bg1"/>
-                </a:solidFill>
-                <a:latin typeface="Andale Mono" panose="020B0509000000000004" pitchFamily="49" charset="0"/>
-              </a:rPr>
-              <a:t>buffer</a:t>
-            </a:r>
-            <a:r>
-              <a:rPr lang="en-US" sz="900" b="1" dirty="0">
-                <a:solidFill>
-                  <a:srgbClr val="CC7832"/>
-                </a:solidFill>
-                <a:latin typeface="Andale Mono" panose="020B0509000000000004" pitchFamily="49" charset="0"/>
-              </a:rPr>
-              <a:t>;</a:t>
-            </a:r>
-            <a:br>
-              <a:rPr lang="en-US" sz="900" b="1" dirty="0">
-                <a:solidFill>
-                  <a:srgbClr val="CC7832"/>
-                </a:solidFill>
-                <a:latin typeface="Andale Mono" panose="020B0509000000000004" pitchFamily="49" charset="0"/>
-              </a:rPr>
-            </a:br>
-            <a:r>
-              <a:rPr lang="en-US" sz="900" b="1" dirty="0">
-                <a:solidFill>
-                  <a:srgbClr val="CC7832"/>
-                </a:solidFill>
-                <a:latin typeface="Andale Mono" panose="020B0509000000000004" pitchFamily="49" charset="0"/>
-              </a:rPr>
-              <a:t> </a:t>
-            </a:r>
-            <a:r>
-              <a:rPr lang="en-US" sz="900" b="1" dirty="0">
-                <a:solidFill>
-                  <a:schemeClr val="bg1"/>
-                </a:solidFill>
-                <a:latin typeface="Andale Mono" panose="020B0509000000000004" pitchFamily="49" charset="0"/>
-              </a:rPr>
-              <a:t>               </a:t>
-            </a:r>
-            <a:r>
-              <a:rPr lang="en-US" sz="900" b="1" dirty="0" err="1">
-                <a:solidFill>
-                  <a:schemeClr val="bg1"/>
-                </a:solidFill>
-                <a:latin typeface="Andale Mono" panose="020B0509000000000004" pitchFamily="49" charset="0"/>
-              </a:rPr>
-              <a:t>i</a:t>
-            </a:r>
-            <a:r>
-              <a:rPr lang="en-US" sz="900" b="1" dirty="0">
-                <a:solidFill>
-                  <a:schemeClr val="bg1"/>
-                </a:solidFill>
-                <a:latin typeface="Andale Mono" panose="020B0509000000000004" pitchFamily="49" charset="0"/>
-              </a:rPr>
-              <a:t>++</a:t>
-            </a:r>
-            <a:r>
-              <a:rPr lang="en-US" sz="900" b="1" dirty="0">
-                <a:solidFill>
-                  <a:srgbClr val="CC7832"/>
-                </a:solidFill>
-                <a:latin typeface="Andale Mono" panose="020B0509000000000004" pitchFamily="49" charset="0"/>
-              </a:rPr>
-              <a:t>;</a:t>
-            </a:r>
-            <a:r>
-              <a:rPr lang="en-US" sz="900" b="1" dirty="0">
-                <a:solidFill>
-                  <a:schemeClr val="bg1"/>
-                </a:solidFill>
-                <a:latin typeface="Andale Mono" panose="020B0509000000000004" pitchFamily="49" charset="0"/>
-              </a:rPr>
-              <a:t> j--</a:t>
-            </a:r>
-            <a:r>
-              <a:rPr lang="en-US" sz="900" b="1" dirty="0">
-                <a:solidFill>
-                  <a:srgbClr val="CC7832"/>
-                </a:solidFill>
-                <a:latin typeface="Andale Mono" panose="020B0509000000000004" pitchFamily="49" charset="0"/>
-              </a:rPr>
-              <a:t>;</a:t>
-            </a:r>
-            <a:br>
-              <a:rPr lang="en-US" sz="900" b="1" dirty="0">
-                <a:solidFill>
-                  <a:schemeClr val="bg1"/>
-                </a:solidFill>
-                <a:latin typeface="Andale Mono" panose="020B0509000000000004" pitchFamily="49" charset="0"/>
-              </a:rPr>
-            </a:br>
-            <a:r>
-              <a:rPr lang="en-US" sz="900" b="1" dirty="0">
-                <a:solidFill>
-                  <a:schemeClr val="bg1"/>
-                </a:solidFill>
-                <a:latin typeface="Andale Mono" panose="020B0509000000000004" pitchFamily="49" charset="0"/>
-              </a:rPr>
-              <a:t>        }</a:t>
-            </a:r>
-            <a:br>
-              <a:rPr lang="en-US" sz="900" b="1" dirty="0">
-                <a:solidFill>
-                  <a:schemeClr val="bg1"/>
-                </a:solidFill>
-                <a:latin typeface="Andale Mono" panose="020B0509000000000004" pitchFamily="49" charset="0"/>
-              </a:rPr>
-            </a:br>
-            <a:r>
-              <a:rPr lang="en-US" sz="900" b="1" dirty="0">
-                <a:solidFill>
-                  <a:schemeClr val="bg1"/>
-                </a:solidFill>
-                <a:latin typeface="Andale Mono" panose="020B0509000000000004" pitchFamily="49" charset="0"/>
-              </a:rPr>
-              <a:t>    }</a:t>
-            </a:r>
-            <a:r>
-              <a:rPr lang="en-US" sz="900" b="1" dirty="0">
-                <a:solidFill>
-                  <a:srgbClr val="CC7832"/>
-                </a:solidFill>
-                <a:latin typeface="Andale Mono" panose="020B0509000000000004" pitchFamily="49" charset="0"/>
-              </a:rPr>
-              <a:t>;</a:t>
-            </a:r>
-            <a:br>
-              <a:rPr lang="en-US" sz="900" b="1" dirty="0">
-                <a:solidFill>
-                  <a:schemeClr val="bg1"/>
-                </a:solidFill>
-                <a:latin typeface="Andale Mono" panose="020B0509000000000004" pitchFamily="49" charset="0"/>
-              </a:rPr>
-            </a:br>
-            <a:r>
-              <a:rPr lang="en-US" sz="900" b="1" dirty="0">
-                <a:solidFill>
-                  <a:schemeClr val="bg1"/>
-                </a:solidFill>
-                <a:latin typeface="Andale Mono" panose="020B0509000000000004" pitchFamily="49" charset="0"/>
-              </a:rPr>
-              <a:t>    </a:t>
-            </a:r>
-            <a:r>
-              <a:rPr lang="en-US" sz="900" b="1" dirty="0">
-                <a:solidFill>
-                  <a:srgbClr val="808080"/>
-                </a:solidFill>
-                <a:latin typeface="Andale Mono" panose="020B0509000000000004" pitchFamily="49" charset="0"/>
-              </a:rPr>
-              <a:t>// </a:t>
-            </a:r>
-            <a:r>
-              <a:rPr lang="en-US" sz="900" b="1" dirty="0" err="1">
-                <a:solidFill>
-                  <a:srgbClr val="808080"/>
-                </a:solidFill>
-                <a:latin typeface="Andale Mono" panose="020B0509000000000004" pitchFamily="49" charset="0"/>
-              </a:rPr>
-              <a:t>Recursión</a:t>
-            </a:r>
-            <a:r>
-              <a:rPr lang="en-US" sz="900" b="1" dirty="0">
-                <a:solidFill>
-                  <a:srgbClr val="808080"/>
-                </a:solidFill>
-                <a:latin typeface="Andale Mono" panose="020B0509000000000004" pitchFamily="49" charset="0"/>
-              </a:rPr>
-              <a:t> - </a:t>
-            </a:r>
-            <a:r>
-              <a:rPr lang="en-US" sz="900" b="1" dirty="0" err="1">
-                <a:solidFill>
-                  <a:srgbClr val="808080"/>
-                </a:solidFill>
-                <a:latin typeface="Andale Mono" panose="020B0509000000000004" pitchFamily="49" charset="0"/>
-              </a:rPr>
-              <a:t>función</a:t>
-            </a:r>
-            <a:r>
-              <a:rPr lang="en-US" sz="900" b="1" dirty="0">
-                <a:solidFill>
-                  <a:srgbClr val="808080"/>
-                </a:solidFill>
-                <a:latin typeface="Andale Mono" panose="020B0509000000000004" pitchFamily="49" charset="0"/>
-              </a:rPr>
-              <a:t> se llama a </a:t>
-            </a:r>
-            <a:r>
-              <a:rPr lang="en-US" sz="900" b="1" dirty="0" err="1">
-                <a:solidFill>
-                  <a:srgbClr val="808080"/>
-                </a:solidFill>
-                <a:latin typeface="Andale Mono" panose="020B0509000000000004" pitchFamily="49" charset="0"/>
-              </a:rPr>
-              <a:t>si</a:t>
-            </a:r>
-            <a:r>
-              <a:rPr lang="en-US" sz="900" b="1" dirty="0">
-                <a:solidFill>
-                  <a:srgbClr val="808080"/>
-                </a:solidFill>
-                <a:latin typeface="Andale Mono" panose="020B0509000000000004" pitchFamily="49" charset="0"/>
-              </a:rPr>
-              <a:t> </a:t>
-            </a:r>
-            <a:r>
-              <a:rPr lang="en-US" sz="900" b="1" dirty="0" err="1">
-                <a:solidFill>
-                  <a:srgbClr val="808080"/>
-                </a:solidFill>
-                <a:latin typeface="Andale Mono" panose="020B0509000000000004" pitchFamily="49" charset="0"/>
-              </a:rPr>
-              <a:t>misma</a:t>
-            </a:r>
-            <a:br>
-              <a:rPr lang="en-US" sz="900" b="1" dirty="0">
-                <a:solidFill>
-                  <a:srgbClr val="808080"/>
-                </a:solidFill>
-                <a:latin typeface="Andale Mono" panose="020B0509000000000004" pitchFamily="49" charset="0"/>
-              </a:rPr>
-            </a:br>
-            <a:r>
-              <a:rPr lang="en-US" sz="900" b="1" dirty="0">
-                <a:solidFill>
-                  <a:srgbClr val="808080"/>
-                </a:solidFill>
-                <a:latin typeface="Andale Mono" panose="020B0509000000000004" pitchFamily="49" charset="0"/>
-              </a:rPr>
-              <a:t>    </a:t>
-            </a:r>
-            <a:r>
-              <a:rPr lang="en-US" sz="900" b="1" dirty="0">
-                <a:solidFill>
-                  <a:srgbClr val="CC7832"/>
-                </a:solidFill>
-                <a:latin typeface="Andale Mono" panose="020B0509000000000004" pitchFamily="49" charset="0"/>
-              </a:rPr>
-              <a:t>if</a:t>
-            </a:r>
-            <a:r>
-              <a:rPr lang="en-US" sz="900" b="1" dirty="0">
-                <a:solidFill>
-                  <a:schemeClr val="bg1"/>
-                </a:solidFill>
-                <a:latin typeface="Andale Mono" panose="020B0509000000000004" pitchFamily="49" charset="0"/>
-              </a:rPr>
-              <a:t> (</a:t>
-            </a:r>
-            <a:r>
-              <a:rPr lang="en-US" sz="900" b="1" dirty="0" err="1">
-                <a:solidFill>
-                  <a:schemeClr val="bg1"/>
-                </a:solidFill>
-                <a:latin typeface="Andale Mono" panose="020B0509000000000004" pitchFamily="49" charset="0"/>
-              </a:rPr>
-              <a:t>inicio</a:t>
-            </a:r>
-            <a:r>
-              <a:rPr lang="en-US" sz="900" b="1" dirty="0">
-                <a:solidFill>
-                  <a:schemeClr val="bg1"/>
-                </a:solidFill>
-                <a:latin typeface="Andale Mono" panose="020B0509000000000004" pitchFamily="49" charset="0"/>
-              </a:rPr>
-              <a:t> &lt; j)</a:t>
-            </a:r>
-            <a:br>
-              <a:rPr lang="en-US" sz="900" b="1" dirty="0">
-                <a:solidFill>
-                  <a:schemeClr val="bg1"/>
-                </a:solidFill>
-                <a:latin typeface="Andale Mono" panose="020B0509000000000004" pitchFamily="49" charset="0"/>
-              </a:rPr>
-            </a:br>
-            <a:r>
-              <a:rPr lang="en-US" sz="900" b="1" dirty="0">
-                <a:solidFill>
-                  <a:schemeClr val="bg1"/>
-                </a:solidFill>
-                <a:latin typeface="Andale Mono" panose="020B0509000000000004" pitchFamily="49" charset="0"/>
-              </a:rPr>
-              <a:t>        </a:t>
-            </a:r>
-            <a:r>
-              <a:rPr lang="en-US" sz="900" b="1" dirty="0" err="1">
-                <a:solidFill>
-                  <a:schemeClr val="bg1"/>
-                </a:solidFill>
-                <a:latin typeface="Andale Mono" panose="020B0509000000000004" pitchFamily="49" charset="0"/>
-              </a:rPr>
-              <a:t>quickSort</a:t>
-            </a:r>
-            <a:r>
-              <a:rPr lang="en-US" sz="900" b="1" dirty="0">
-                <a:solidFill>
-                  <a:schemeClr val="bg1"/>
-                </a:solidFill>
-                <a:latin typeface="Andale Mono" panose="020B0509000000000004" pitchFamily="49" charset="0"/>
-              </a:rPr>
-              <a:t>(str</a:t>
-            </a:r>
-            <a:r>
-              <a:rPr lang="en-US" sz="900" b="1" dirty="0">
-                <a:solidFill>
-                  <a:srgbClr val="CC7832"/>
-                </a:solidFill>
-                <a:latin typeface="Andale Mono" panose="020B0509000000000004" pitchFamily="49" charset="0"/>
-              </a:rPr>
-              <a:t>,</a:t>
-            </a:r>
-            <a:r>
-              <a:rPr lang="en-US" sz="900" b="1" dirty="0">
-                <a:solidFill>
-                  <a:schemeClr val="bg1"/>
-                </a:solidFill>
-                <a:latin typeface="Andale Mono" panose="020B0509000000000004" pitchFamily="49" charset="0"/>
-              </a:rPr>
-              <a:t> </a:t>
-            </a:r>
-            <a:r>
-              <a:rPr lang="en-US" sz="900" b="1" dirty="0" err="1">
-                <a:solidFill>
-                  <a:schemeClr val="bg1"/>
-                </a:solidFill>
-                <a:latin typeface="Andale Mono" panose="020B0509000000000004" pitchFamily="49" charset="0"/>
-              </a:rPr>
-              <a:t>inicio</a:t>
-            </a:r>
-            <a:r>
-              <a:rPr lang="en-US" sz="900" b="1" dirty="0">
-                <a:solidFill>
-                  <a:srgbClr val="CC7832"/>
-                </a:solidFill>
-                <a:latin typeface="Andale Mono" panose="020B0509000000000004" pitchFamily="49" charset="0"/>
-              </a:rPr>
-              <a:t>,</a:t>
-            </a:r>
-            <a:r>
-              <a:rPr lang="en-US" sz="900" b="1" dirty="0">
-                <a:solidFill>
-                  <a:schemeClr val="bg1"/>
-                </a:solidFill>
-                <a:latin typeface="Andale Mono" panose="020B0509000000000004" pitchFamily="49" charset="0"/>
-              </a:rPr>
-              <a:t> j)</a:t>
-            </a:r>
-            <a:r>
-              <a:rPr lang="en-US" sz="900" b="1" dirty="0">
-                <a:solidFill>
-                  <a:srgbClr val="CC7832"/>
-                </a:solidFill>
-                <a:latin typeface="Andale Mono" panose="020B0509000000000004" pitchFamily="49" charset="0"/>
-              </a:rPr>
-              <a:t>;</a:t>
-            </a:r>
-            <a:br>
-              <a:rPr lang="en-US" sz="900" b="1" dirty="0">
-                <a:solidFill>
-                  <a:srgbClr val="CC7832"/>
-                </a:solidFill>
-                <a:latin typeface="Andale Mono" panose="020B0509000000000004" pitchFamily="49" charset="0"/>
-              </a:rPr>
-            </a:br>
-            <a:r>
-              <a:rPr lang="en-US" sz="900" b="1" dirty="0">
-                <a:solidFill>
-                  <a:srgbClr val="CC7832"/>
-                </a:solidFill>
-                <a:latin typeface="Andale Mono" panose="020B0509000000000004" pitchFamily="49" charset="0"/>
-              </a:rPr>
-              <a:t>    if</a:t>
-            </a:r>
-            <a:r>
-              <a:rPr lang="en-US" sz="900" b="1" dirty="0">
-                <a:solidFill>
-                  <a:schemeClr val="bg1"/>
-                </a:solidFill>
-                <a:latin typeface="Andale Mono" panose="020B0509000000000004" pitchFamily="49" charset="0"/>
-              </a:rPr>
-              <a:t> (</a:t>
-            </a:r>
-            <a:r>
-              <a:rPr lang="en-US" sz="900" b="1" dirty="0" err="1">
-                <a:solidFill>
-                  <a:schemeClr val="bg1"/>
-                </a:solidFill>
-                <a:latin typeface="Andale Mono" panose="020B0509000000000004" pitchFamily="49" charset="0"/>
-              </a:rPr>
-              <a:t>i</a:t>
-            </a:r>
-            <a:r>
-              <a:rPr lang="en-US" sz="900" b="1" dirty="0">
-                <a:solidFill>
-                  <a:schemeClr val="bg1"/>
-                </a:solidFill>
-                <a:latin typeface="Andale Mono" panose="020B0509000000000004" pitchFamily="49" charset="0"/>
-              </a:rPr>
-              <a:t> &lt; fin)</a:t>
-            </a:r>
-            <a:br>
-              <a:rPr lang="en-US" sz="900" b="1" dirty="0">
-                <a:solidFill>
-                  <a:schemeClr val="bg1"/>
-                </a:solidFill>
-                <a:latin typeface="Andale Mono" panose="020B0509000000000004" pitchFamily="49" charset="0"/>
-              </a:rPr>
-            </a:br>
-            <a:r>
-              <a:rPr lang="en-US" sz="900" b="1" dirty="0">
-                <a:solidFill>
-                  <a:schemeClr val="bg1"/>
-                </a:solidFill>
-                <a:latin typeface="Andale Mono" panose="020B0509000000000004" pitchFamily="49" charset="0"/>
-              </a:rPr>
-              <a:t>        </a:t>
-            </a:r>
-            <a:r>
-              <a:rPr lang="en-US" sz="900" b="1" dirty="0" err="1">
-                <a:solidFill>
-                  <a:schemeClr val="bg1"/>
-                </a:solidFill>
-                <a:latin typeface="Andale Mono" panose="020B0509000000000004" pitchFamily="49" charset="0"/>
-              </a:rPr>
-              <a:t>quickSort</a:t>
-            </a:r>
-            <a:r>
-              <a:rPr lang="en-US" sz="900" b="1" dirty="0">
-                <a:solidFill>
-                  <a:schemeClr val="bg1"/>
-                </a:solidFill>
-                <a:latin typeface="Andale Mono" panose="020B0509000000000004" pitchFamily="49" charset="0"/>
-              </a:rPr>
-              <a:t>(str</a:t>
-            </a:r>
-            <a:r>
-              <a:rPr lang="en-US" sz="900" b="1" dirty="0">
-                <a:solidFill>
-                  <a:srgbClr val="CC7832"/>
-                </a:solidFill>
-                <a:latin typeface="Andale Mono" panose="020B0509000000000004" pitchFamily="49" charset="0"/>
-              </a:rPr>
-              <a:t>,</a:t>
-            </a:r>
-            <a:r>
-              <a:rPr lang="en-US" sz="900" b="1" dirty="0">
-                <a:solidFill>
-                  <a:schemeClr val="bg1"/>
-                </a:solidFill>
-                <a:latin typeface="Andale Mono" panose="020B0509000000000004" pitchFamily="49" charset="0"/>
-              </a:rPr>
-              <a:t> </a:t>
-            </a:r>
-            <a:r>
-              <a:rPr lang="en-US" sz="900" b="1" dirty="0" err="1">
-                <a:solidFill>
-                  <a:schemeClr val="bg1"/>
-                </a:solidFill>
-                <a:latin typeface="Andale Mono" panose="020B0509000000000004" pitchFamily="49" charset="0"/>
-              </a:rPr>
-              <a:t>i</a:t>
-            </a:r>
-            <a:r>
-              <a:rPr lang="en-US" sz="900" b="1" dirty="0">
-                <a:solidFill>
-                  <a:srgbClr val="CC7832"/>
-                </a:solidFill>
-                <a:latin typeface="Andale Mono" panose="020B0509000000000004" pitchFamily="49" charset="0"/>
-              </a:rPr>
-              <a:t>,</a:t>
-            </a:r>
-            <a:r>
-              <a:rPr lang="en-US" sz="900" b="1" dirty="0">
-                <a:solidFill>
-                  <a:schemeClr val="bg1"/>
-                </a:solidFill>
-                <a:latin typeface="Andale Mono" panose="020B0509000000000004" pitchFamily="49" charset="0"/>
-              </a:rPr>
-              <a:t> fin)</a:t>
-            </a:r>
-            <a:r>
-              <a:rPr lang="en-US" sz="900" b="1" dirty="0">
-                <a:solidFill>
-                  <a:srgbClr val="CC7832"/>
-                </a:solidFill>
-                <a:latin typeface="Andale Mono" panose="020B0509000000000004" pitchFamily="49" charset="0"/>
-              </a:rPr>
-              <a:t>;</a:t>
-            </a:r>
-            <a:br>
-              <a:rPr lang="en-US" sz="900" b="1" dirty="0">
-                <a:solidFill>
-                  <a:schemeClr val="bg1"/>
-                </a:solidFill>
-                <a:latin typeface="Andale Mono" panose="020B0509000000000004" pitchFamily="49" charset="0"/>
-              </a:rPr>
-            </a:br>
-            <a:r>
-              <a:rPr lang="en-US" sz="900" b="1" dirty="0">
-                <a:solidFill>
-                  <a:schemeClr val="bg1"/>
-                </a:solidFill>
-                <a:latin typeface="Andale Mono" panose="020B0509000000000004" pitchFamily="49" charset="0"/>
-              </a:rPr>
-              <a:t>    }</a:t>
-            </a:r>
-            <a:endParaRPr lang="en-MX" sz="900" b="1" dirty="0">
-              <a:solidFill>
-                <a:schemeClr val="bg1"/>
-              </a:solidFill>
               <a:latin typeface="Andale Mono" panose="020B0509000000000004" pitchFamily="49" charset="0"/>
             </a:endParaRPr>
           </a:p>
@@ -15859,159 +14684,34 @@
           </a:p>
           <a:p>
             <a:r>
+              <a:rPr lang="en-US" sz="900" b="1" dirty="0">
+                <a:solidFill>
+                  <a:schemeClr val="bg1"/>
+                </a:solidFill>
+                <a:latin typeface="Andale Mono" panose="020B0509000000000004" pitchFamily="49" charset="0"/>
+              </a:rPr>
+              <a:t> ./</a:t>
+            </a:r>
+            <a:r>
               <a:rPr lang="en-US" sz="900" b="1" dirty="0" err="1">
                 <a:solidFill>
                   <a:schemeClr val="bg1"/>
                 </a:solidFill>
                 <a:latin typeface="Andale Mono" panose="020B0509000000000004" pitchFamily="49" charset="0"/>
               </a:rPr>
-              <a:t>Esta</a:t>
-            </a:r>
-            <a:r>
-              <a:rPr lang="en-US" sz="900" b="1" dirty="0">
-                <a:solidFill>
-                  <a:schemeClr val="bg1"/>
-                </a:solidFill>
-                <a:latin typeface="Andale Mono" panose="020B0509000000000004" pitchFamily="49" charset="0"/>
-              </a:rPr>
-              <a:t> base </a:t>
-            </a:r>
-            <a:r>
-              <a:rPr lang="en-US" sz="900" b="1" dirty="0" err="1">
-                <a:solidFill>
-                  <a:schemeClr val="bg1"/>
-                </a:solidFill>
-                <a:latin typeface="Andale Mono" panose="020B0509000000000004" pitchFamily="49" charset="0"/>
-              </a:rPr>
-              <a:t>contiene</a:t>
-            </a:r>
-            <a:r>
-              <a:rPr lang="en-US" sz="900" b="1" dirty="0">
-                <a:solidFill>
-                  <a:schemeClr val="bg1"/>
-                </a:solidFill>
-                <a:latin typeface="Andale Mono" panose="020B0509000000000004" pitchFamily="49" charset="0"/>
-              </a:rPr>
-              <a:t> 16,806 </a:t>
-            </a:r>
-            <a:r>
-              <a:rPr lang="en-US" sz="900" b="1" dirty="0" err="1">
-                <a:solidFill>
-                  <a:schemeClr val="bg1"/>
-                </a:solidFill>
-                <a:latin typeface="Andale Mono" panose="020B0509000000000004" pitchFamily="49" charset="0"/>
-              </a:rPr>
-              <a:t>registros</a:t>
-            </a:r>
-            <a:r>
-              <a:rPr lang="en-US" sz="900" b="1" dirty="0">
-                <a:solidFill>
-                  <a:schemeClr val="bg1"/>
-                </a:solidFill>
-                <a:latin typeface="Andale Mono" panose="020B0509000000000004" pitchFamily="49" charset="0"/>
-              </a:rPr>
-              <a:t> de </a:t>
-            </a:r>
-            <a:r>
-              <a:rPr lang="en-US" sz="900" b="1" dirty="0" err="1">
-                <a:solidFill>
-                  <a:schemeClr val="bg1"/>
-                </a:solidFill>
-                <a:latin typeface="Andale Mono" panose="020B0509000000000004" pitchFamily="49" charset="0"/>
-              </a:rPr>
-              <a:t>intentos</a:t>
-            </a:r>
-            <a:r>
-              <a:rPr lang="en-US" sz="900" b="1" dirty="0">
-                <a:solidFill>
-                  <a:schemeClr val="bg1"/>
-                </a:solidFill>
-                <a:latin typeface="Andale Mono" panose="020B0509000000000004" pitchFamily="49" charset="0"/>
-              </a:rPr>
-              <a:t> </a:t>
-            </a:r>
-            <a:r>
-              <a:rPr lang="en-US" sz="900" b="1" dirty="0" err="1">
-                <a:solidFill>
-                  <a:schemeClr val="bg1"/>
-                </a:solidFill>
-                <a:latin typeface="Andale Mono" panose="020B0509000000000004" pitchFamily="49" charset="0"/>
-              </a:rPr>
-              <a:t>fallidos</a:t>
-            </a:r>
-            <a:r>
-              <a:rPr lang="en-US" sz="900" b="1" dirty="0">
-                <a:solidFill>
-                  <a:schemeClr val="bg1"/>
-                </a:solidFill>
-                <a:latin typeface="Andale Mono" panose="020B0509000000000004" pitchFamily="49" charset="0"/>
-              </a:rPr>
-              <a:t> de </a:t>
-            </a:r>
-            <a:r>
-              <a:rPr lang="en-US" sz="900" b="1" dirty="0" err="1">
-                <a:solidFill>
-                  <a:schemeClr val="bg1"/>
-                </a:solidFill>
-                <a:latin typeface="Andale Mono" panose="020B0509000000000004" pitchFamily="49" charset="0"/>
-              </a:rPr>
-              <a:t>ingreso</a:t>
-            </a:r>
-            <a:r>
-              <a:rPr lang="en-US" sz="900" b="1" dirty="0">
-                <a:solidFill>
-                  <a:schemeClr val="bg1"/>
-                </a:solidFill>
-                <a:latin typeface="Andale Mono" panose="020B0509000000000004" pitchFamily="49" charset="0"/>
-              </a:rPr>
-              <a:t> al </a:t>
-            </a:r>
-            <a:r>
-              <a:rPr lang="en-US" sz="900" b="1" dirty="0" err="1">
-                <a:solidFill>
-                  <a:schemeClr val="bg1"/>
-                </a:solidFill>
-                <a:latin typeface="Andale Mono" panose="020B0509000000000004" pitchFamily="49" charset="0"/>
-              </a:rPr>
-              <a:t>sistema</a:t>
-            </a:r>
-            <a:r>
-              <a:rPr lang="en-US" sz="900" b="1" dirty="0">
-                <a:solidFill>
-                  <a:schemeClr val="bg1"/>
-                </a:solidFill>
-                <a:latin typeface="Andale Mono" panose="020B0509000000000004" pitchFamily="49" charset="0"/>
-              </a:rPr>
-              <a:t> </a:t>
-            </a:r>
-            <a:r>
-              <a:rPr lang="en-US" sz="900" b="1" dirty="0" err="1">
-                <a:solidFill>
-                  <a:schemeClr val="bg1"/>
-                </a:solidFill>
-                <a:latin typeface="Andale Mono" panose="020B0509000000000004" pitchFamily="49" charset="0"/>
-              </a:rPr>
-              <a:t>desde</a:t>
-            </a:r>
-            <a:r>
-              <a:rPr lang="en-US" sz="900" b="1" dirty="0">
-                <a:solidFill>
-                  <a:schemeClr val="bg1"/>
-                </a:solidFill>
-                <a:latin typeface="Andale Mono" panose="020B0509000000000004" pitchFamily="49" charset="0"/>
-              </a:rPr>
-              <a:t> 01-Jun hasta 30-Oct.</a:t>
-            </a:r>
-          </a:p>
-          <a:p>
-            <a:br>
-              <a:rPr lang="en-US" sz="900" b="1" dirty="0">
-                <a:solidFill>
-                  <a:schemeClr val="bg1"/>
-                </a:solidFill>
-                <a:latin typeface="Andale Mono" panose="020B0509000000000004" pitchFamily="49" charset="0"/>
-              </a:rPr>
-            </a:br>
+              <a:t>bitacora</a:t>
+            </a:r>
+            <a:r>
+              <a:rPr lang="en-US" sz="900" b="1" dirty="0">
+                <a:solidFill>
+                  <a:schemeClr val="bg1"/>
+                </a:solidFill>
+                <a:latin typeface="Andale Mono" panose="020B0509000000000004" pitchFamily="49" charset="0"/>
+              </a:rPr>
+              <a:t>              </a:t>
+            </a:r>
+          </a:p>
+          <a:p>
             <a:endParaRPr lang="en-US" sz="900" b="1" dirty="0">
               <a:solidFill>
                 <a:schemeClr val="bg1"/>
@@ -16021,31 +14721,22 @@
           </a:p>
           <a:p>
             <a:r>
-              <a:rPr lang="en-US" sz="900" b="1" dirty="0">
-                <a:solidFill>
-                  <a:schemeClr val="bg1"/>
-                </a:solidFill>
-                <a:latin typeface="Andale Mono" panose="020B0509000000000004" pitchFamily="49" charset="0"/>
-              </a:rPr>
-              <a:t>Para </a:t>
-            </a:r>
-            <a:r>
               <a:rPr lang="en-US" sz="900" b="1" dirty="0" err="1">
                 <a:solidFill>
                   <a:schemeClr val="bg1"/>
                 </a:solidFill>
                 <a:latin typeface="Andale Mono" panose="020B0509000000000004" pitchFamily="49" charset="0"/>
               </a:rPr>
-              <a:t>realizar</a:t>
-            </a:r>
-            <a:r>
-              <a:rPr lang="en-US" sz="900" b="1" dirty="0">
-                <a:solidFill>
-                  <a:schemeClr val="bg1"/>
-                </a:solidFill>
-                <a:latin typeface="Andale Mono" panose="020B0509000000000004" pitchFamily="49" charset="0"/>
-              </a:rPr>
-              <a:t> una </a:t>
+              <a:t>Esta</a:t>
+            </a:r>
+            <a:r>
+              <a:rPr lang="en-US" sz="900" b="1" dirty="0">
+                <a:solidFill>
+                  <a:schemeClr val="bg1"/>
+                </a:solidFill>
+                <a:latin typeface="Andale Mono" panose="020B0509000000000004" pitchFamily="49" charset="0"/>
+              </a:rPr>
+              <a:t> base </a:t>
             </a:r>
             <a:r>
               <a:rPr lang="en-US" sz="900" b="1" dirty="0" err="1">
@@ -16054,16 +14745,16 @@
                 </a:solidFill>
                 <a:latin typeface="Andale Mono" panose="020B0509000000000004" pitchFamily="49" charset="0"/>
               </a:rPr>
-              <a:t>búsqueda</a:t>
-            </a:r>
-            <a:r>
-              <a:rPr lang="en-US" sz="900" b="1" dirty="0">
-                <a:solidFill>
-                  <a:schemeClr val="bg1"/>
-                </a:solidFill>
-                <a:latin typeface="Andale Mono" panose="020B0509000000000004" pitchFamily="49" charset="0"/>
-              </a:rPr>
-              <a:t>, por favor </a:t>
+              <a:t>contiene</a:t>
+            </a:r>
+            <a:r>
+              <a:rPr lang="en-US" sz="900" b="1" dirty="0">
+                <a:solidFill>
+                  <a:schemeClr val="bg1"/>
+                </a:solidFill>
+                <a:latin typeface="Andale Mono" panose="020B0509000000000004" pitchFamily="49" charset="0"/>
+              </a:rPr>
+              <a:t> 16,806 </a:t>
             </a:r>
             <a:r>
               <a:rPr lang="en-US" sz="900" b="1" dirty="0" err="1">
@@ -16072,16 +14763,16 @@
                 </a:solidFill>
                 <a:latin typeface="Andale Mono" panose="020B0509000000000004" pitchFamily="49" charset="0"/>
               </a:rPr>
-              <a:t>ingrese</a:t>
-            </a:r>
-            <a:r>
-              <a:rPr lang="en-US" sz="900" b="1" dirty="0">
-                <a:solidFill>
-                  <a:schemeClr val="bg1"/>
-                </a:solidFill>
-                <a:latin typeface="Andale Mono" panose="020B0509000000000004" pitchFamily="49" charset="0"/>
-              </a:rPr>
-              <a:t> el </a:t>
+              <a:t>registros</a:t>
+            </a:r>
+            <a:r>
+              <a:rPr lang="en-US" sz="900" b="1" dirty="0">
+                <a:solidFill>
+                  <a:schemeClr val="bg1"/>
+                </a:solidFill>
+                <a:latin typeface="Andale Mono" panose="020B0509000000000004" pitchFamily="49" charset="0"/>
+              </a:rPr>
+              <a:t> de </a:t>
             </a:r>
             <a:r>
               <a:rPr lang="en-US" sz="900" b="1" dirty="0" err="1">
@@ -16090,7 +14781,25 @@
                 </a:solidFill>
                 <a:latin typeface="Andale Mono" panose="020B0509000000000004" pitchFamily="49" charset="0"/>
               </a:rPr>
-              <a:t>rango</a:t>
+              <a:t>intentos</a:t>
+            </a:r>
+            <a:r>
+              <a:rPr lang="en-US" sz="900" b="1" dirty="0">
+                <a:solidFill>
+                  <a:schemeClr val="bg1"/>
+                </a:solidFill>
+                <a:latin typeface="Andale Mono" panose="020B0509000000000004" pitchFamily="49" charset="0"/>
+              </a:rPr>
+              <a:t> </a:t>
+            </a:r>
+            <a:r>
+              <a:rPr lang="en-US" sz="900" b="1" dirty="0" err="1">
+                <a:solidFill>
+                  <a:schemeClr val="bg1"/>
+                </a:solidFill>
+                <a:latin typeface="Andale Mono" panose="020B0509000000000004" pitchFamily="49" charset="0"/>
+              </a:rPr>
+              <a:t>fallidos</a:t>
             </a:r>
             <a:r>
               <a:rPr lang="en-US" sz="900" b="1" dirty="0">
@@ -16108,7 +14817,25 @@
                 </a:solidFill>
                 <a:latin typeface="Andale Mono" panose="020B0509000000000004" pitchFamily="49" charset="0"/>
               </a:rPr>
-              <a:t>fechas</a:t>
+              <a:t>ingreso</a:t>
+            </a:r>
+            <a:r>
+              <a:rPr lang="en-US" sz="900" b="1" dirty="0">
+                <a:solidFill>
+                  <a:schemeClr val="bg1"/>
+                </a:solidFill>
+                <a:latin typeface="Andale Mono" panose="020B0509000000000004" pitchFamily="49" charset="0"/>
+              </a:rPr>
+              <a:t> al </a:t>
+            </a:r>
+            <a:r>
+              <a:rPr lang="en-US" sz="900" b="1" dirty="0" err="1">
+                <a:solidFill>
+                  <a:schemeClr val="bg1"/>
+                </a:solidFill>
+                <a:latin typeface="Andale Mono" panose="020B0509000000000004" pitchFamily="49" charset="0"/>
+              </a:rPr>
+              <a:t>sistema</a:t>
             </a:r>
             <a:r>
               <a:rPr lang="en-US" sz="900" b="1" dirty="0">
@@ -16126,7 +14853,43 @@
                 </a:solidFill>
                 <a:latin typeface="Andale Mono" panose="020B0509000000000004" pitchFamily="49" charset="0"/>
               </a:rPr>
-              <a:t>deseado</a:t>
+              <a:t>desde</a:t>
+            </a:r>
+            <a:r>
+              <a:rPr lang="en-US" sz="900" b="1" dirty="0">
+                <a:solidFill>
+                  <a:schemeClr val="bg1"/>
+                </a:solidFill>
+                <a:latin typeface="Andale Mono" panose="020B0509000000000004" pitchFamily="49" charset="0"/>
+              </a:rPr>
+              <a:t> 01-Jun hasta 30-Oct y que </a:t>
+            </a:r>
+            <a:r>
+              <a:rPr lang="en-US" sz="900" b="1" dirty="0" err="1">
+                <a:solidFill>
+                  <a:schemeClr val="bg1"/>
+                </a:solidFill>
+                <a:latin typeface="Andale Mono" panose="020B0509000000000004" pitchFamily="49" charset="0"/>
+              </a:rPr>
+              <a:t>detalla</a:t>
+            </a:r>
+            <a:r>
+              <a:rPr lang="en-US" sz="900" b="1" dirty="0">
+                <a:solidFill>
+                  <a:schemeClr val="bg1"/>
+                </a:solidFill>
+                <a:latin typeface="Andale Mono" panose="020B0509000000000004" pitchFamily="49" charset="0"/>
+              </a:rPr>
+              <a:t> IPs y </a:t>
+            </a:r>
+            <a:r>
+              <a:rPr lang="en-US" sz="900" b="1" dirty="0" err="1">
+                <a:solidFill>
+                  <a:schemeClr val="bg1"/>
+                </a:solidFill>
+                <a:latin typeface="Andale Mono" panose="020B0509000000000004" pitchFamily="49" charset="0"/>
+              </a:rPr>
+              <a:t>puertos</a:t>
             </a:r>
             <a:r>
               <a:rPr lang="en-US" sz="900" b="1" dirty="0">
@@ -16144,249 +14907,19 @@
                 </a:solidFill>
                 <a:latin typeface="Andale Mono" panose="020B0509000000000004" pitchFamily="49" charset="0"/>
               </a:rPr>
-              <a:t>en</a:t>
-            </a:r>
-            <a:r>
-              <a:rPr lang="en-US" sz="900" b="1" dirty="0">
-                <a:solidFill>
-                  <a:schemeClr val="bg1"/>
-                </a:solidFill>
-                <a:latin typeface="Andale Mono" panose="020B0509000000000004" pitchFamily="49" charset="0"/>
-              </a:rPr>
-              <a:t> </a:t>
-            </a:r>
-            <a:r>
-              <a:rPr lang="en-US" sz="900" b="1" dirty="0" err="1">
-                <a:solidFill>
-                  <a:schemeClr val="bg1"/>
-                </a:solidFill>
-                <a:latin typeface="Andale Mono" panose="020B0509000000000004" pitchFamily="49" charset="0"/>
-              </a:rPr>
-              <a:t>formato</a:t>
-            </a:r>
-            <a:r>
-              <a:rPr lang="en-US" sz="900" b="1" dirty="0">
-                <a:solidFill>
-                  <a:schemeClr val="bg1"/>
-                </a:solidFill>
-                <a:latin typeface="Andale Mono" panose="020B0509000000000004" pitchFamily="49" charset="0"/>
-              </a:rPr>
-              <a:t> MM-DD. Por </a:t>
-            </a:r>
-            <a:r>
-              <a:rPr lang="en-US" sz="900" b="1" dirty="0" err="1">
-                <a:solidFill>
-                  <a:schemeClr val="bg1"/>
-                </a:solidFill>
-                <a:latin typeface="Andale Mono" panose="020B0509000000000004" pitchFamily="49" charset="0"/>
-              </a:rPr>
-              <a:t>ejemplo</a:t>
-            </a:r>
-            <a:r>
-              <a:rPr lang="en-US" sz="900" b="1" dirty="0">
-                <a:solidFill>
-                  <a:schemeClr val="bg1"/>
-                </a:solidFill>
-                <a:latin typeface="Andale Mono" panose="020B0509000000000004" pitchFamily="49" charset="0"/>
-              </a:rPr>
-              <a:t>, el 10 de Junio se debe </a:t>
-            </a:r>
-            <a:r>
-              <a:rPr lang="en-US" sz="900" b="1" dirty="0" err="1">
-                <a:solidFill>
-                  <a:schemeClr val="bg1"/>
-                </a:solidFill>
-                <a:latin typeface="Andale Mono" panose="020B0509000000000004" pitchFamily="49" charset="0"/>
-              </a:rPr>
-              <a:t>escribir</a:t>
-            </a:r>
-            <a:r>
-              <a:rPr lang="en-US" sz="900" b="1" dirty="0">
-                <a:solidFill>
-                  <a:schemeClr val="bg1"/>
-                </a:solidFill>
-                <a:latin typeface="Andale Mono" panose="020B0509000000000004" pitchFamily="49" charset="0"/>
-              </a:rPr>
-              <a:t> </a:t>
-            </a:r>
-            <a:r>
-              <a:rPr lang="en-US" sz="900" b="1" dirty="0" err="1">
-                <a:solidFill>
-                  <a:schemeClr val="bg1"/>
-                </a:solidFill>
-                <a:latin typeface="Andale Mono" panose="020B0509000000000004" pitchFamily="49" charset="0"/>
-              </a:rPr>
-              <a:t>como</a:t>
-            </a:r>
-            <a:r>
-              <a:rPr lang="en-US" sz="900" b="1" dirty="0">
-                <a:solidFill>
-                  <a:schemeClr val="bg1"/>
-                </a:solidFill>
-                <a:latin typeface="Andale Mono" panose="020B0509000000000004" pitchFamily="49" charset="0"/>
-              </a:rPr>
-              <a:t> 06-10.</a:t>
-            </a:r>
-          </a:p>
-          <a:p>
-            <a:r>
-              <a:rPr lang="en-US" sz="900" b="1" dirty="0" err="1">
-                <a:solidFill>
-                  <a:schemeClr val="bg1"/>
-                </a:solidFill>
-                <a:latin typeface="Andale Mono" panose="020B0509000000000004" pitchFamily="49" charset="0"/>
-              </a:rPr>
-              <a:t>Ingrese</a:t>
-            </a:r>
-            <a:r>
-              <a:rPr lang="en-US" sz="900" b="1" dirty="0">
-                <a:solidFill>
-                  <a:schemeClr val="bg1"/>
-                </a:solidFill>
-                <a:latin typeface="Andale Mono" panose="020B0509000000000004" pitchFamily="49" charset="0"/>
-              </a:rPr>
-              <a:t> </a:t>
-            </a:r>
-            <a:r>
-              <a:rPr lang="en-US" sz="900" b="1" dirty="0" err="1">
-                <a:solidFill>
-                  <a:schemeClr val="bg1"/>
-                </a:solidFill>
-                <a:latin typeface="Andale Mono" panose="020B0509000000000004" pitchFamily="49" charset="0"/>
-              </a:rPr>
-              <a:t>Fecha</a:t>
-            </a:r>
-            <a:r>
-              <a:rPr lang="en-US" sz="900" b="1" dirty="0">
-                <a:solidFill>
-                  <a:schemeClr val="bg1"/>
-                </a:solidFill>
-                <a:latin typeface="Andale Mono" panose="020B0509000000000004" pitchFamily="49" charset="0"/>
-              </a:rPr>
-              <a:t> (06-01). </a:t>
-            </a:r>
-            <a:r>
-              <a:rPr lang="en-US" sz="900" b="1" dirty="0" err="1">
-                <a:solidFill>
-                  <a:schemeClr val="bg1"/>
-                </a:solidFill>
-                <a:latin typeface="Andale Mono" panose="020B0509000000000004" pitchFamily="49" charset="0"/>
-              </a:rPr>
-              <a:t>Desde</a:t>
-            </a:r>
-            <a:r>
-              <a:rPr lang="en-US" sz="900" b="1" dirty="0">
-                <a:solidFill>
-                  <a:schemeClr val="bg1"/>
-                </a:solidFill>
-                <a:latin typeface="Andale Mono" panose="020B0509000000000004" pitchFamily="49" charset="0"/>
-              </a:rPr>
-              <a:t>: </a:t>
-            </a:r>
-            <a:r>
-              <a:rPr lang="en-US" sz="900" b="1" dirty="0">
-                <a:solidFill>
-                  <a:srgbClr val="00B0F0"/>
-                </a:solidFill>
-                <a:latin typeface="Andale Mono" panose="020B0509000000000004" pitchFamily="49" charset="0"/>
-              </a:rPr>
-              <a:t>06-01</a:t>
-            </a:r>
-          </a:p>
-          <a:p>
-            <a:r>
-              <a:rPr lang="en-US" sz="900" b="1" dirty="0" err="1">
-                <a:solidFill>
-                  <a:schemeClr val="bg1"/>
-                </a:solidFill>
-                <a:latin typeface="Andale Mono" panose="020B0509000000000004" pitchFamily="49" charset="0"/>
-              </a:rPr>
-              <a:t>Ingrese</a:t>
-            </a:r>
-            <a:r>
-              <a:rPr lang="en-US" sz="900" b="1" dirty="0">
-                <a:solidFill>
-                  <a:schemeClr val="bg1"/>
-                </a:solidFill>
-                <a:latin typeface="Andale Mono" panose="020B0509000000000004" pitchFamily="49" charset="0"/>
-              </a:rPr>
-              <a:t> </a:t>
-            </a:r>
-            <a:r>
-              <a:rPr lang="en-US" sz="900" b="1" dirty="0" err="1">
-                <a:solidFill>
-                  <a:schemeClr val="bg1"/>
-                </a:solidFill>
-                <a:latin typeface="Andale Mono" panose="020B0509000000000004" pitchFamily="49" charset="0"/>
-              </a:rPr>
-              <a:t>Fecha</a:t>
-            </a:r>
-            <a:r>
-              <a:rPr lang="en-US" sz="900" b="1" dirty="0">
-                <a:solidFill>
-                  <a:schemeClr val="bg1"/>
-                </a:solidFill>
-                <a:latin typeface="Andale Mono" panose="020B0509000000000004" pitchFamily="49" charset="0"/>
-              </a:rPr>
-              <a:t> (10-30). Hasta: </a:t>
-            </a:r>
-            <a:r>
-              <a:rPr lang="en-US" sz="900" b="1" dirty="0">
-                <a:solidFill>
-                  <a:srgbClr val="00B0F0"/>
-                </a:solidFill>
-                <a:latin typeface="Andale Mono" panose="020B0509000000000004" pitchFamily="49" charset="0"/>
-              </a:rPr>
-              <a:t>06-01</a:t>
-            </a:r>
-          </a:p>
-          <a:p>
-            <a:r>
-              <a:rPr lang="en-US" sz="900" b="1" dirty="0" err="1">
-                <a:solidFill>
-                  <a:schemeClr val="bg1"/>
-                </a:solidFill>
-                <a:latin typeface="Andale Mono" panose="020B0509000000000004" pitchFamily="49" charset="0"/>
-              </a:rPr>
-              <a:t>Buscando</a:t>
-            </a:r>
-            <a:r>
-              <a:rPr lang="en-US" sz="900" b="1" dirty="0">
-                <a:solidFill>
-                  <a:schemeClr val="bg1"/>
-                </a:solidFill>
-                <a:latin typeface="Andale Mono" panose="020B0509000000000004" pitchFamily="49" charset="0"/>
-              </a:rPr>
-              <a:t> </a:t>
-            </a:r>
-            <a:r>
-              <a:rPr lang="en-US" sz="900" b="1" dirty="0" err="1">
-                <a:solidFill>
-                  <a:schemeClr val="bg1"/>
-                </a:solidFill>
-                <a:latin typeface="Andale Mono" panose="020B0509000000000004" pitchFamily="49" charset="0"/>
-              </a:rPr>
-              <a:t>resultados</a:t>
-            </a:r>
-            <a:r>
-              <a:rPr lang="en-US" sz="900" b="1" dirty="0">
-                <a:solidFill>
-                  <a:schemeClr val="bg1"/>
-                </a:solidFill>
-                <a:latin typeface="Andale Mono" panose="020B0509000000000004" pitchFamily="49" charset="0"/>
-              </a:rPr>
-              <a:t> entre 06-01 y 06-01.</a:t>
-            </a:r>
-          </a:p>
-          <a:p>
-            <a:br>
-              <a:rPr lang="en-US" sz="900" b="1" dirty="0">
-                <a:solidFill>
-                  <a:schemeClr val="bg1"/>
-                </a:solidFill>
-                <a:latin typeface="Andale Mono" panose="020B0509000000000004" pitchFamily="49" charset="0"/>
-              </a:rPr>
-            </a:br>
+              <a:t>origen</a:t>
+            </a:r>
+            <a:r>
+              <a:rPr lang="en-US" sz="900" b="1" dirty="0">
+                <a:solidFill>
+                  <a:schemeClr val="bg1"/>
+                </a:solidFill>
+                <a:latin typeface="Andale Mono" panose="020B0509000000000004" pitchFamily="49" charset="0"/>
+              </a:rPr>
+              <a:t> de requests.</a:t>
+            </a:r>
+          </a:p>
+          <a:p>
             <a:endParaRPr lang="en-US" sz="900" b="1" dirty="0">
               <a:solidFill>
                 <a:schemeClr val="bg1"/>
@@ -16402,84 +14935,343 @@
                 </a:solidFill>
                 <a:latin typeface="Andale Mono" panose="020B0509000000000004" pitchFamily="49" charset="0"/>
               </a:rPr>
-              <a:t>06-01T00:14:39,895.33.752.33:5974,Failed password for illegal user test </a:t>
-            </a:r>
-          </a:p>
-          <a:p>
-            <a:r>
-              <a:rPr lang="en-US" sz="900" b="1" dirty="0">
-                <a:solidFill>
-                  <a:schemeClr val="bg1"/>
-                </a:solidFill>
-                <a:latin typeface="Andale Mono" panose="020B0509000000000004" pitchFamily="49" charset="0"/>
-              </a:rPr>
-              <a:t>06-01T00:17:32,901.18.919.12:5807,Failed password for illegal user guest </a:t>
-            </a:r>
-          </a:p>
-          <a:p>
-            <a:r>
-              <a:rPr lang="en-US" sz="900" b="1" dirty="0">
-                <a:solidFill>
-                  <a:schemeClr val="bg1"/>
-                </a:solidFill>
-                <a:latin typeface="Andale Mono" panose="020B0509000000000004" pitchFamily="49" charset="0"/>
-              </a:rPr>
-              <a:t>06-01T00:22:14,268.82.665.50:6202,Failed password for root </a:t>
-            </a:r>
-          </a:p>
-          <a:p>
-            <a:r>
-              <a:rPr lang="en-US" sz="900" b="1" dirty="0">
-                <a:solidFill>
-                  <a:schemeClr val="bg1"/>
-                </a:solidFill>
-                <a:latin typeface="Andale Mono" panose="020B0509000000000004" pitchFamily="49" charset="0"/>
-              </a:rPr>
-              <a:t>06-01T00:31:39,745.41.553.21:4925,Failed password for admin </a:t>
-            </a:r>
-          </a:p>
-          <a:p>
-            <a:r>
-              <a:rPr lang="en-US" sz="900" b="1" dirty="0">
-                <a:solidFill>
-                  <a:schemeClr val="bg1"/>
-                </a:solidFill>
-                <a:latin typeface="Andale Mono" panose="020B0509000000000004" pitchFamily="49" charset="0"/>
-              </a:rPr>
-              <a:t>06-01T00:42:50,497.97.988.31:6636,Illegal user </a:t>
-            </a:r>
-          </a:p>
-          <a:p>
-            <a:r>
-              <a:rPr lang="en-US" sz="900" b="1" dirty="0">
-                <a:solidFill>
-                  <a:schemeClr val="bg1"/>
-                </a:solidFill>
-                <a:latin typeface="Andale Mono" panose="020B0509000000000004" pitchFamily="49" charset="0"/>
-              </a:rPr>
-              <a:t>06-01T00:49:25,608.37.179.94:6715,Failed password for admin </a:t>
-            </a:r>
-          </a:p>
-          <a:p>
-            <a:r>
-              <a:rPr lang="en-US" sz="900" b="1" dirty="0">
-                <a:solidFill>
-                  <a:schemeClr val="bg1"/>
-                </a:solidFill>
-                <a:latin typeface="Andale Mono" panose="020B0509000000000004" pitchFamily="49" charset="0"/>
-              </a:rPr>
-              <a:t>06-01T00:55:42,335.95.645.32:6284,Illegal user </a:t>
-            </a:r>
-          </a:p>
-          <a:p>
-            <a:r>
-              <a:rPr lang="en-US" sz="900" b="1" dirty="0">
-                <a:solidFill>
-                  <a:schemeClr val="bg1"/>
-                </a:solidFill>
-                <a:latin typeface="Andale Mono" panose="020B0509000000000004" pitchFamily="49" charset="0"/>
-              </a:rPr>
-              <a:t>06-01T01:18:23,10.43.466.53:6937,Failed password for illegal user test </a:t>
+              <a:t>Para </a:t>
+            </a:r>
+            <a:r>
+              <a:rPr lang="en-US" sz="900" b="1" dirty="0" err="1">
+                <a:solidFill>
+                  <a:schemeClr val="bg1"/>
+                </a:solidFill>
+                <a:latin typeface="Andale Mono" panose="020B0509000000000004" pitchFamily="49" charset="0"/>
+              </a:rPr>
+              <a:t>realizar</a:t>
+            </a:r>
+            <a:r>
+              <a:rPr lang="en-US" sz="900" b="1" dirty="0">
+                <a:solidFill>
+                  <a:schemeClr val="bg1"/>
+                </a:solidFill>
+                <a:latin typeface="Andale Mono" panose="020B0509000000000004" pitchFamily="49" charset="0"/>
+              </a:rPr>
+              <a:t> una </a:t>
+            </a:r>
+            <a:r>
+              <a:rPr lang="en-US" sz="900" b="1" dirty="0" err="1">
+                <a:solidFill>
+                  <a:schemeClr val="bg1"/>
+                </a:solidFill>
+                <a:latin typeface="Andale Mono" panose="020B0509000000000004" pitchFamily="49" charset="0"/>
+              </a:rPr>
+              <a:t>búsqueda</a:t>
+            </a:r>
+            <a:r>
+              <a:rPr lang="en-US" sz="900" b="1" dirty="0">
+                <a:solidFill>
+                  <a:schemeClr val="bg1"/>
+                </a:solidFill>
+                <a:latin typeface="Andale Mono" panose="020B0509000000000004" pitchFamily="49" charset="0"/>
+              </a:rPr>
+              <a:t>, por favor </a:t>
+            </a:r>
+            <a:r>
+              <a:rPr lang="en-US" sz="900" b="1" dirty="0" err="1">
+                <a:solidFill>
+                  <a:schemeClr val="bg1"/>
+                </a:solidFill>
+                <a:latin typeface="Andale Mono" panose="020B0509000000000004" pitchFamily="49" charset="0"/>
+              </a:rPr>
+              <a:t>ingrese</a:t>
+            </a:r>
+            <a:r>
+              <a:rPr lang="en-US" sz="900" b="1" dirty="0">
+                <a:solidFill>
+                  <a:schemeClr val="bg1"/>
+                </a:solidFill>
+                <a:latin typeface="Andale Mono" panose="020B0509000000000004" pitchFamily="49" charset="0"/>
+              </a:rPr>
+              <a:t> el </a:t>
+            </a:r>
+            <a:r>
+              <a:rPr lang="en-US" sz="900" b="1" dirty="0" err="1">
+                <a:solidFill>
+                  <a:schemeClr val="bg1"/>
+                </a:solidFill>
+                <a:latin typeface="Andale Mono" panose="020B0509000000000004" pitchFamily="49" charset="0"/>
+              </a:rPr>
+              <a:t>rango</a:t>
+            </a:r>
+            <a:r>
+              <a:rPr lang="en-US" sz="900" b="1" dirty="0">
+                <a:solidFill>
+                  <a:schemeClr val="bg1"/>
+                </a:solidFill>
+                <a:latin typeface="Andale Mono" panose="020B0509000000000004" pitchFamily="49" charset="0"/>
+              </a:rPr>
+              <a:t> de IPs </a:t>
+            </a:r>
+            <a:r>
+              <a:rPr lang="en-US" sz="900" b="1" dirty="0" err="1">
+                <a:solidFill>
+                  <a:schemeClr val="bg1"/>
+                </a:solidFill>
+                <a:latin typeface="Andale Mono" panose="020B0509000000000004" pitchFamily="49" charset="0"/>
+              </a:rPr>
+              <a:t>deseado</a:t>
+            </a:r>
+            <a:r>
+              <a:rPr lang="en-US" sz="900" b="1" dirty="0">
+                <a:solidFill>
+                  <a:schemeClr val="bg1"/>
+                </a:solidFill>
+                <a:latin typeface="Andale Mono" panose="020B0509000000000004" pitchFamily="49" charset="0"/>
+              </a:rPr>
+              <a:t> </a:t>
+            </a:r>
+            <a:r>
+              <a:rPr lang="en-US" sz="900" b="1" dirty="0" err="1">
+                <a:solidFill>
+                  <a:schemeClr val="bg1"/>
+                </a:solidFill>
+                <a:latin typeface="Andale Mono" panose="020B0509000000000004" pitchFamily="49" charset="0"/>
+              </a:rPr>
+              <a:t>en</a:t>
+            </a:r>
+            <a:r>
+              <a:rPr lang="en-US" sz="900" b="1" dirty="0">
+                <a:solidFill>
+                  <a:schemeClr val="bg1"/>
+                </a:solidFill>
+                <a:latin typeface="Andale Mono" panose="020B0509000000000004" pitchFamily="49" charset="0"/>
+              </a:rPr>
+              <a:t> </a:t>
+            </a:r>
+            <a:r>
+              <a:rPr lang="en-US" sz="900" b="1" dirty="0" err="1">
+                <a:solidFill>
+                  <a:schemeClr val="bg1"/>
+                </a:solidFill>
+                <a:latin typeface="Andale Mono" panose="020B0509000000000004" pitchFamily="49" charset="0"/>
+              </a:rPr>
+              <a:t>formato</a:t>
+            </a:r>
+            <a:r>
+              <a:rPr lang="en-US" sz="900" b="1" dirty="0">
+                <a:solidFill>
+                  <a:schemeClr val="bg1"/>
+                </a:solidFill>
+                <a:latin typeface="Andale Mono" panose="020B0509000000000004" pitchFamily="49" charset="0"/>
+              </a:rPr>
+              <a:t> 0.0.0.0:0000</a:t>
+            </a:r>
+          </a:p>
+          <a:p>
+            <a:r>
+              <a:rPr lang="en-US" sz="900" b="1" dirty="0" err="1">
+                <a:solidFill>
+                  <a:schemeClr val="bg1"/>
+                </a:solidFill>
+                <a:latin typeface="Andale Mono" panose="020B0509000000000004" pitchFamily="49" charset="0"/>
+              </a:rPr>
+              <a:t>Ingrese</a:t>
+            </a:r>
+            <a:r>
+              <a:rPr lang="en-US" sz="900" b="1" dirty="0">
+                <a:solidFill>
+                  <a:schemeClr val="bg1"/>
+                </a:solidFill>
+                <a:latin typeface="Andale Mono" panose="020B0509000000000004" pitchFamily="49" charset="0"/>
+              </a:rPr>
+              <a:t> IP y Puerto (0.0.0.0:0000). </a:t>
+            </a:r>
+            <a:r>
+              <a:rPr lang="en-US" sz="900" b="1" dirty="0" err="1">
+                <a:solidFill>
+                  <a:schemeClr val="bg1"/>
+                </a:solidFill>
+                <a:latin typeface="Andale Mono" panose="020B0509000000000004" pitchFamily="49" charset="0"/>
+              </a:rPr>
+              <a:t>Desde</a:t>
+            </a:r>
+            <a:r>
+              <a:rPr lang="en-US" sz="900" b="1" dirty="0">
+                <a:solidFill>
+                  <a:schemeClr val="bg1"/>
+                </a:solidFill>
+                <a:latin typeface="Andale Mono" panose="020B0509000000000004" pitchFamily="49" charset="0"/>
+              </a:rPr>
+              <a:t>: </a:t>
+            </a:r>
+            <a:r>
+              <a:rPr lang="en-US" sz="900" b="1" dirty="0">
+                <a:solidFill>
+                  <a:srgbClr val="00B0F0"/>
+                </a:solidFill>
+                <a:latin typeface="Andale Mono" panose="020B0509000000000004" pitchFamily="49" charset="0"/>
+              </a:rPr>
+              <a:t>1.6.378.65:6772</a:t>
+            </a:r>
+          </a:p>
+          <a:p>
+            <a:r>
+              <a:rPr lang="en-US" sz="900" b="1" dirty="0" err="1">
+                <a:solidFill>
+                  <a:schemeClr val="bg1"/>
+                </a:solidFill>
+                <a:latin typeface="Andale Mono" panose="020B0509000000000004" pitchFamily="49" charset="0"/>
+              </a:rPr>
+              <a:t>Ingrese</a:t>
+            </a:r>
+            <a:r>
+              <a:rPr lang="en-US" sz="900" b="1" dirty="0">
+                <a:solidFill>
+                  <a:schemeClr val="bg1"/>
+                </a:solidFill>
+                <a:latin typeface="Andale Mono" panose="020B0509000000000004" pitchFamily="49" charset="0"/>
+              </a:rPr>
+              <a:t> IP y Puerto (999.999.999.999:9999). Hasta: </a:t>
+            </a:r>
+            <a:r>
+              <a:rPr lang="en-US" sz="900" b="1" dirty="0">
+                <a:solidFill>
+                  <a:srgbClr val="00B0F0"/>
+                </a:solidFill>
+                <a:latin typeface="Andale Mono" panose="020B0509000000000004" pitchFamily="49" charset="0"/>
+              </a:rPr>
+              <a:t>1.81.892.90:4688</a:t>
+            </a:r>
+          </a:p>
+          <a:p>
+            <a:r>
+              <a:rPr lang="en-US" sz="900" b="1" dirty="0" err="1">
+                <a:solidFill>
+                  <a:schemeClr val="bg1"/>
+                </a:solidFill>
+                <a:latin typeface="Andale Mono" panose="020B0509000000000004" pitchFamily="49" charset="0"/>
+              </a:rPr>
+              <a:t>Buscando</a:t>
+            </a:r>
+            <a:r>
+              <a:rPr lang="en-US" sz="900" b="1" dirty="0">
+                <a:solidFill>
+                  <a:schemeClr val="bg1"/>
+                </a:solidFill>
+                <a:latin typeface="Andale Mono" panose="020B0509000000000004" pitchFamily="49" charset="0"/>
+              </a:rPr>
+              <a:t> </a:t>
+            </a:r>
+            <a:r>
+              <a:rPr lang="en-US" sz="900" b="1" dirty="0" err="1">
+                <a:solidFill>
+                  <a:schemeClr val="bg1"/>
+                </a:solidFill>
+                <a:latin typeface="Andale Mono" panose="020B0509000000000004" pitchFamily="49" charset="0"/>
+              </a:rPr>
+              <a:t>resultados</a:t>
+            </a:r>
+            <a:r>
+              <a:rPr lang="en-US" sz="900" b="1" dirty="0">
+                <a:solidFill>
+                  <a:schemeClr val="bg1"/>
+                </a:solidFill>
+                <a:latin typeface="Andale Mono" panose="020B0509000000000004" pitchFamily="49" charset="0"/>
+              </a:rPr>
+              <a:t> entre 1.6.378.65:6772 y 1.81.892.90:4688.</a:t>
+            </a:r>
+          </a:p>
+          <a:p>
+            <a:endParaRPr lang="en-US" sz="900" b="1" dirty="0">
+              <a:solidFill>
+                <a:schemeClr val="bg1"/>
+              </a:solidFill>
+              <a:latin typeface="Andale Mono" panose="020B0509000000000004" pitchFamily="49" charset="0"/>
+            </a:endParaRPr>
+          </a:p>
+          <a:p>
+            <a:r>
+              <a:rPr lang="en-US" sz="900" b="1" dirty="0">
+                <a:solidFill>
+                  <a:schemeClr val="bg1"/>
+                </a:solidFill>
+                <a:latin typeface="Andale Mono" panose="020B0509000000000004" pitchFamily="49" charset="0"/>
+              </a:rPr>
+              <a:t>1.6.378.65:6772,06-05T04:12:47,Failed password for root </a:t>
+            </a:r>
+          </a:p>
+          <a:p>
+            <a:r>
+              <a:rPr lang="en-US" sz="900" b="1" dirty="0">
+                <a:solidFill>
+                  <a:schemeClr val="bg1"/>
+                </a:solidFill>
+                <a:latin typeface="Andale Mono" panose="020B0509000000000004" pitchFamily="49" charset="0"/>
+              </a:rPr>
+              <a:t>1.61.436.96:4201,09-13T23:30:55,Illegal user </a:t>
+            </a:r>
+          </a:p>
+          <a:p>
+            <a:r>
+              <a:rPr lang="en-US" sz="900" b="1" dirty="0">
+                <a:solidFill>
+                  <a:schemeClr val="bg1"/>
+                </a:solidFill>
+                <a:latin typeface="Andale Mono" panose="020B0509000000000004" pitchFamily="49" charset="0"/>
+              </a:rPr>
+              <a:t>1.62.197.95:5645,10-14T20:40:34,Illegal user </a:t>
+            </a:r>
+          </a:p>
+          <a:p>
+            <a:r>
+              <a:rPr lang="en-US" sz="900" b="1" dirty="0">
+                <a:solidFill>
+                  <a:schemeClr val="bg1"/>
+                </a:solidFill>
+                <a:latin typeface="Andale Mono" panose="020B0509000000000004" pitchFamily="49" charset="0"/>
+              </a:rPr>
+              <a:t>1.65.639.78:4398,10-03T19:11:43,Illegal user </a:t>
+            </a:r>
+          </a:p>
+          <a:p>
+            <a:r>
+              <a:rPr lang="en-US" sz="900" b="1" dirty="0">
+                <a:solidFill>
+                  <a:schemeClr val="bg1"/>
+                </a:solidFill>
+                <a:latin typeface="Andale Mono" panose="020B0509000000000004" pitchFamily="49" charset="0"/>
+              </a:rPr>
+              <a:t>1.65.936.39:6297,06-12T09:22:48,Failed password for illegal user guest </a:t>
+            </a:r>
+          </a:p>
+          <a:p>
+            <a:r>
+              <a:rPr lang="en-US" sz="900" b="1" dirty="0">
+                <a:solidFill>
+                  <a:schemeClr val="bg1"/>
+                </a:solidFill>
+                <a:latin typeface="Andale Mono" panose="020B0509000000000004" pitchFamily="49" charset="0"/>
+              </a:rPr>
+              <a:t>1.68.311.92:4927,07-12T11:58:38,Failed password for root </a:t>
+            </a:r>
+          </a:p>
+          <a:p>
+            <a:r>
+              <a:rPr lang="en-US" sz="900" b="1" dirty="0">
+                <a:solidFill>
+                  <a:schemeClr val="bg1"/>
+                </a:solidFill>
+                <a:latin typeface="Andale Mono" panose="020B0509000000000004" pitchFamily="49" charset="0"/>
+              </a:rPr>
+              <a:t>1.74.592.32:5365,09-04T12:21:09,Failed password for illegal user test </a:t>
+            </a:r>
+          </a:p>
+          <a:p>
+            <a:r>
+              <a:rPr lang="en-US" sz="900" b="1" dirty="0">
+                <a:solidFill>
+                  <a:schemeClr val="bg1"/>
+                </a:solidFill>
+                <a:latin typeface="Andale Mono" panose="020B0509000000000004" pitchFamily="49" charset="0"/>
+              </a:rPr>
+              <a:t>1.77.465.37:5059,10-01T10:40:08,Failed password for admin</a:t>
             </a:r>
           </a:p>
           <a:p>
@@ -16491,7 +15283,7 @@
                 <a:effectLst/>
                 <a:latin typeface="Andale Mono" panose="020B0509000000000004" pitchFamily="49" charset="0"/>
               </a:rPr>
-              <a:t>…</a:t>
+              <a:t>…….</a:t>
             </a:r>
           </a:p>
         </p:txBody>
@@ -16847,7 +15639,7 @@
                 </a:solidFill>
                 <a:latin typeface="Andale Mono" panose="020B0509000000000004" pitchFamily="49" charset="0"/>
               </a:rPr>
-              <a:t>dateTime,ipAddress,errorMessage</a:t>
+              <a:t>ipAddress,dateTime,errorMessage</a:t>
             </a:r>
             <a:br>
               <a:rPr lang="en-US" sz="900" b="1" dirty="0">
@@ -16864,382 +15656,250 @@
                 </a:solidFill>
                 <a:latin typeface="Andale Mono" panose="020B0509000000000004" pitchFamily="49" charset="0"/>
               </a:rPr>
-              <a:t>06-01T00:14:39,895.33.752.33:5974,Failed password for illegal user test </a:t>
-            </a:r>
-            <a:br>
-              <a:rPr lang="en-US" sz="900" b="1" dirty="0">
-                <a:solidFill>
-                  <a:schemeClr val="bg1"/>
-                </a:solidFill>
-                <a:latin typeface="Andale Mono" panose="020B0509000000000004" pitchFamily="49" charset="0"/>
-              </a:rPr>
-            </a:br>
-            <a:r>
-              <a:rPr lang="en-US" sz="900" b="1" dirty="0">
-                <a:solidFill>
-                  <a:schemeClr val="bg1"/>
-                </a:solidFill>
-                <a:latin typeface="Andale Mono" panose="020B0509000000000004" pitchFamily="49" charset="0"/>
-              </a:rPr>
-              <a:t>06-01T00:17:32,901.18.919.12:5807,Failed password for illegal user guest </a:t>
-            </a:r>
-            <a:br>
-              <a:rPr lang="en-US" sz="900" b="1" dirty="0">
-                <a:solidFill>
-                  <a:schemeClr val="bg1"/>
-                </a:solidFill>
-                <a:latin typeface="Andale Mono" panose="020B0509000000000004" pitchFamily="49" charset="0"/>
-              </a:rPr>
-            </a:br>
-            <a:r>
-              <a:rPr lang="en-US" sz="900" b="1" dirty="0">
-                <a:solidFill>
-                  <a:schemeClr val="bg1"/>
-                </a:solidFill>
-                <a:latin typeface="Andale Mono" panose="020B0509000000000004" pitchFamily="49" charset="0"/>
-              </a:rPr>
-              <a:t>06-01T00:22:14,268.82.665.50:6202,Failed password for root </a:t>
-            </a:r>
-            <a:br>
-              <a:rPr lang="en-US" sz="900" b="1" dirty="0">
-                <a:solidFill>
-                  <a:schemeClr val="bg1"/>
-                </a:solidFill>
-                <a:latin typeface="Andale Mono" panose="020B0509000000000004" pitchFamily="49" charset="0"/>
-              </a:rPr>
-            </a:br>
-            <a:r>
-              <a:rPr lang="en-US" sz="900" b="1" dirty="0">
-                <a:solidFill>
-                  <a:schemeClr val="bg1"/>
-                </a:solidFill>
-                <a:latin typeface="Andale Mono" panose="020B0509000000000004" pitchFamily="49" charset="0"/>
-              </a:rPr>
-              <a:t>06-01T00:31:39,745.41.553.21:4925,Failed password for admin </a:t>
-            </a:r>
-            <a:br>
-              <a:rPr lang="en-US" sz="900" b="1" dirty="0">
-                <a:solidFill>
-                  <a:schemeClr val="bg1"/>
-                </a:solidFill>
-                <a:latin typeface="Andale Mono" panose="020B0509000000000004" pitchFamily="49" charset="0"/>
-              </a:rPr>
-            </a:br>
-            <a:r>
-              <a:rPr lang="en-US" sz="900" b="1" dirty="0">
-                <a:solidFill>
-                  <a:schemeClr val="bg1"/>
-                </a:solidFill>
-                <a:latin typeface="Andale Mono" panose="020B0509000000000004" pitchFamily="49" charset="0"/>
-              </a:rPr>
-              <a:t>06-01T00:42:50,497.97.988.31:6636,Illegal user </a:t>
-            </a:r>
-            <a:br>
-              <a:rPr lang="en-US" sz="900" b="1" dirty="0">
-                <a:solidFill>
-                  <a:schemeClr val="bg1"/>
-                </a:solidFill>
-                <a:latin typeface="Andale Mono" panose="020B0509000000000004" pitchFamily="49" charset="0"/>
-              </a:rPr>
-            </a:br>
-            <a:r>
-              <a:rPr lang="en-US" sz="900" b="1" dirty="0">
-                <a:solidFill>
-                  <a:schemeClr val="bg1"/>
-                </a:solidFill>
-                <a:latin typeface="Andale Mono" panose="020B0509000000000004" pitchFamily="49" charset="0"/>
-              </a:rPr>
-              <a:t>06-01T00:49:25,608.37.179.94:6715,Failed password for admin </a:t>
-            </a:r>
-            <a:br>
-              <a:rPr lang="en-US" sz="900" b="1" dirty="0">
-                <a:solidFill>
-                  <a:schemeClr val="bg1"/>
-                </a:solidFill>
-                <a:latin typeface="Andale Mono" panose="020B0509000000000004" pitchFamily="49" charset="0"/>
-              </a:rPr>
-            </a:br>
-            <a:r>
-              <a:rPr lang="en-US" sz="900" b="1" dirty="0">
-                <a:solidFill>
-                  <a:schemeClr val="bg1"/>
-                </a:solidFill>
-                <a:latin typeface="Andale Mono" panose="020B0509000000000004" pitchFamily="49" charset="0"/>
-              </a:rPr>
-              <a:t>06-01T00:55:42,335.95.645.32:6284,Illegal user </a:t>
-            </a:r>
-            <a:br>
-              <a:rPr lang="en-US" sz="900" b="1" dirty="0">
-                <a:solidFill>
-                  <a:schemeClr val="bg1"/>
-                </a:solidFill>
-                <a:latin typeface="Andale Mono" panose="020B0509000000000004" pitchFamily="49" charset="0"/>
-              </a:rPr>
-            </a:br>
-            <a:r>
-              <a:rPr lang="en-US" sz="900" b="1" dirty="0">
-                <a:solidFill>
-                  <a:schemeClr val="bg1"/>
-                </a:solidFill>
-                <a:latin typeface="Andale Mono" panose="020B0509000000000004" pitchFamily="49" charset="0"/>
-              </a:rPr>
-              <a:t>06-01T01:18:23,10.43.466.53:6937,Failed password for illegal user test </a:t>
-            </a:r>
-            <a:br>
-              <a:rPr lang="en-US" sz="900" b="1" dirty="0">
-                <a:solidFill>
-                  <a:schemeClr val="bg1"/>
-                </a:solidFill>
-                <a:latin typeface="Andale Mono" panose="020B0509000000000004" pitchFamily="49" charset="0"/>
-              </a:rPr>
-            </a:br>
-            <a:r>
-              <a:rPr lang="en-US" sz="900" b="1" dirty="0">
-                <a:solidFill>
-                  <a:schemeClr val="bg1"/>
-                </a:solidFill>
-                <a:latin typeface="Andale Mono" panose="020B0509000000000004" pitchFamily="49" charset="0"/>
-              </a:rPr>
-              <a:t>06-01T01:30:57,930.68.543.89:5825,Failed password for illegal user test </a:t>
-            </a:r>
-            <a:br>
-              <a:rPr lang="en-US" sz="900" b="1" dirty="0">
-                <a:solidFill>
-                  <a:schemeClr val="bg1"/>
-                </a:solidFill>
-                <a:latin typeface="Andale Mono" panose="020B0509000000000004" pitchFamily="49" charset="0"/>
-              </a:rPr>
-            </a:br>
-            <a:r>
-              <a:rPr lang="en-US" sz="900" b="1" dirty="0">
-                <a:solidFill>
-                  <a:schemeClr val="bg1"/>
-                </a:solidFill>
-                <a:latin typeface="Andale Mono" panose="020B0509000000000004" pitchFamily="49" charset="0"/>
-              </a:rPr>
-              <a:t>06-01T02:06:19,271.58.635.18:5758,Failed password for root </a:t>
-            </a:r>
-            <a:br>
-              <a:rPr lang="en-US" sz="900" b="1" dirty="0">
-                <a:solidFill>
-                  <a:schemeClr val="bg1"/>
-                </a:solidFill>
-                <a:latin typeface="Andale Mono" panose="020B0509000000000004" pitchFamily="49" charset="0"/>
-              </a:rPr>
-            </a:br>
-            <a:r>
-              <a:rPr lang="en-US" sz="900" b="1" dirty="0">
-                <a:solidFill>
-                  <a:schemeClr val="bg1"/>
-                </a:solidFill>
-                <a:latin typeface="Andale Mono" panose="020B0509000000000004" pitchFamily="49" charset="0"/>
-              </a:rPr>
-              <a:t>06-01T02:27:35,847.39.216.22:6665,Failed password for illegal user test </a:t>
-            </a:r>
-            <a:br>
-              <a:rPr lang="en-US" sz="900" b="1" dirty="0">
-                <a:solidFill>
-                  <a:schemeClr val="bg1"/>
-                </a:solidFill>
-                <a:latin typeface="Andale Mono" panose="020B0509000000000004" pitchFamily="49" charset="0"/>
-              </a:rPr>
-            </a:br>
-            <a:r>
-              <a:rPr lang="en-US" sz="900" b="1" dirty="0">
-                <a:solidFill>
-                  <a:schemeClr val="bg1"/>
-                </a:solidFill>
-                <a:latin typeface="Andale Mono" panose="020B0509000000000004" pitchFamily="49" charset="0"/>
-              </a:rPr>
-              <a:t>06-01T02:32:49,698.84.382.6:4362,Failed password for admin </a:t>
-            </a:r>
-            <a:br>
-              <a:rPr lang="en-US" sz="900" b="1" dirty="0">
-                <a:solidFill>
-                  <a:schemeClr val="bg1"/>
-                </a:solidFill>
-                <a:latin typeface="Andale Mono" panose="020B0509000000000004" pitchFamily="49" charset="0"/>
-              </a:rPr>
-            </a:br>
-            <a:r>
-              <a:rPr lang="en-US" sz="900" b="1" dirty="0">
-                <a:solidFill>
-                  <a:schemeClr val="bg1"/>
-                </a:solidFill>
-                <a:latin typeface="Andale Mono" panose="020B0509000000000004" pitchFamily="49" charset="0"/>
-              </a:rPr>
-              <a:t>06-01T02:59:15,828.85.492.15:6281,Illegal user </a:t>
-            </a:r>
-            <a:br>
-              <a:rPr lang="en-US" sz="900" b="1" dirty="0">
-                <a:solidFill>
-                  <a:schemeClr val="bg1"/>
-                </a:solidFill>
-                <a:latin typeface="Andale Mono" panose="020B0509000000000004" pitchFamily="49" charset="0"/>
-              </a:rPr>
-            </a:br>
-            <a:r>
-              <a:rPr lang="en-US" sz="900" b="1" dirty="0">
-                <a:solidFill>
-                  <a:schemeClr val="bg1"/>
-                </a:solidFill>
-                <a:latin typeface="Andale Mono" panose="020B0509000000000004" pitchFamily="49" charset="0"/>
-              </a:rPr>
-              <a:t>06-01T03:08:19,719.96.787.8:4897,Illegal user </a:t>
-            </a:r>
-            <a:br>
-              <a:rPr lang="en-US" sz="900" b="1" dirty="0">
-                <a:solidFill>
-                  <a:schemeClr val="bg1"/>
-                </a:solidFill>
-                <a:latin typeface="Andale Mono" panose="020B0509000000000004" pitchFamily="49" charset="0"/>
-              </a:rPr>
-            </a:br>
-            <a:r>
-              <a:rPr lang="en-US" sz="900" b="1" dirty="0">
-                <a:solidFill>
-                  <a:schemeClr val="bg1"/>
-                </a:solidFill>
-                <a:latin typeface="Andale Mono" panose="020B0509000000000004" pitchFamily="49" charset="0"/>
-              </a:rPr>
-              <a:t>06-01T03:08:35,112.65.132.41:4869,Failed password for admin </a:t>
-            </a:r>
-            <a:br>
-              <a:rPr lang="en-US" sz="900" b="1" dirty="0">
-                <a:solidFill>
-                  <a:schemeClr val="bg1"/>
-                </a:solidFill>
-                <a:latin typeface="Andale Mono" panose="020B0509000000000004" pitchFamily="49" charset="0"/>
-              </a:rPr>
-            </a:br>
-            <a:r>
-              <a:rPr lang="en-US" sz="900" b="1" dirty="0">
-                <a:solidFill>
-                  <a:schemeClr val="bg1"/>
-                </a:solidFill>
-                <a:latin typeface="Andale Mono" panose="020B0509000000000004" pitchFamily="49" charset="0"/>
-              </a:rPr>
-              <a:t>06-01T03:10:03,376.95.120.45:4335,Failed password for root </a:t>
-            </a:r>
-            <a:br>
-              <a:rPr lang="en-US" sz="900" b="1" dirty="0">
-                <a:solidFill>
-                  <a:schemeClr val="bg1"/>
-                </a:solidFill>
-                <a:latin typeface="Andale Mono" panose="020B0509000000000004" pitchFamily="49" charset="0"/>
-              </a:rPr>
-            </a:br>
-            <a:r>
-              <a:rPr lang="en-US" sz="900" b="1" dirty="0">
-                <a:solidFill>
-                  <a:schemeClr val="bg1"/>
-                </a:solidFill>
-                <a:latin typeface="Andale Mono" panose="020B0509000000000004" pitchFamily="49" charset="0"/>
-              </a:rPr>
-              <a:t>06-01T03:22:38,609.89.179.46:4444,Failed password for root </a:t>
-            </a:r>
-            <a:br>
-              <a:rPr lang="en-US" sz="900" b="1" dirty="0">
-                <a:solidFill>
-                  <a:schemeClr val="bg1"/>
-                </a:solidFill>
-                <a:latin typeface="Andale Mono" panose="020B0509000000000004" pitchFamily="49" charset="0"/>
-              </a:rPr>
-            </a:br>
-            <a:r>
-              <a:rPr lang="en-US" sz="900" b="1" dirty="0">
-                <a:solidFill>
-                  <a:schemeClr val="bg1"/>
-                </a:solidFill>
-                <a:latin typeface="Andale Mono" panose="020B0509000000000004" pitchFamily="49" charset="0"/>
-              </a:rPr>
-              <a:t>06-01T03:44:33,257.63.94.92:4928,Failed password for illegal user test </a:t>
-            </a:r>
-            <a:br>
-              <a:rPr lang="en-US" sz="900" b="1" dirty="0">
-                <a:solidFill>
-                  <a:schemeClr val="bg1"/>
-                </a:solidFill>
-                <a:latin typeface="Andale Mono" panose="020B0509000000000004" pitchFamily="49" charset="0"/>
-              </a:rPr>
-            </a:br>
-            <a:r>
-              <a:rPr lang="en-US" sz="900" b="1" dirty="0">
-                <a:solidFill>
-                  <a:schemeClr val="bg1"/>
-                </a:solidFill>
-                <a:latin typeface="Andale Mono" panose="020B0509000000000004" pitchFamily="49" charset="0"/>
-              </a:rPr>
-              <a:t>06-01T04:08:36,783.83.33.92:5184,Failed password for root </a:t>
-            </a:r>
-            <a:br>
-              <a:rPr lang="en-US" sz="900" b="1" dirty="0">
-                <a:solidFill>
-                  <a:schemeClr val="bg1"/>
-                </a:solidFill>
-                <a:latin typeface="Andale Mono" panose="020B0509000000000004" pitchFamily="49" charset="0"/>
-              </a:rPr>
-            </a:br>
-            <a:r>
-              <a:rPr lang="en-US" sz="900" b="1" dirty="0">
-                <a:solidFill>
-                  <a:schemeClr val="bg1"/>
-                </a:solidFill>
-                <a:latin typeface="Andale Mono" panose="020B0509000000000004" pitchFamily="49" charset="0"/>
-              </a:rPr>
-              <a:t>06-01T04:10:09,730.30.210.65:5167,Failed password for admin </a:t>
-            </a:r>
-            <a:br>
-              <a:rPr lang="en-US" sz="900" b="1" dirty="0">
-                <a:solidFill>
-                  <a:schemeClr val="bg1"/>
-                </a:solidFill>
-                <a:latin typeface="Andale Mono" panose="020B0509000000000004" pitchFamily="49" charset="0"/>
-              </a:rPr>
-            </a:br>
-            <a:r>
-              <a:rPr lang="en-US" sz="900" b="1" dirty="0">
-                <a:solidFill>
-                  <a:schemeClr val="bg1"/>
-                </a:solidFill>
-                <a:latin typeface="Andale Mono" panose="020B0509000000000004" pitchFamily="49" charset="0"/>
-              </a:rPr>
-              <a:t>06-01T04:32:33,698.13.580.48:4394,Failed password for admin </a:t>
-            </a:r>
-            <a:br>
-              <a:rPr lang="en-US" sz="900" b="1" dirty="0">
-                <a:solidFill>
-                  <a:schemeClr val="bg1"/>
-                </a:solidFill>
-                <a:latin typeface="Andale Mono" panose="020B0509000000000004" pitchFamily="49" charset="0"/>
-              </a:rPr>
-            </a:br>
-            <a:r>
-              <a:rPr lang="en-US" sz="900" b="1" dirty="0">
-                <a:solidFill>
-                  <a:schemeClr val="bg1"/>
-                </a:solidFill>
-                <a:latin typeface="Andale Mono" panose="020B0509000000000004" pitchFamily="49" charset="0"/>
-              </a:rPr>
-              <a:t>06-01T04:48:20,1.55.405.18:6734,Failed password for illegal user guest </a:t>
-            </a:r>
-          </a:p>
-          <a:p>
-            <a:r>
-              <a:rPr lang="en-US" sz="900" b="1" dirty="0">
-                <a:solidFill>
-                  <a:schemeClr val="bg1"/>
-                </a:solidFill>
-                <a:latin typeface="Andale Mono" panose="020B0509000000000004" pitchFamily="49" charset="0"/>
-              </a:rPr>
-              <a:t>…</a:t>
-            </a:r>
-            <a:endParaRPr lang="en-MX" sz="900" b="1" dirty="0">
-              <a:solidFill>
-                <a:schemeClr val="bg1"/>
-              </a:solidFill>
-              <a:latin typeface="Andale Mono" panose="020B0509000000000004" pitchFamily="49" charset="0"/>
-            </a:endParaRPr>
+              <a:t>1.14.815.77:4402,10-27T18:48:25,Failed password for admin </a:t>
+            </a:r>
+          </a:p>
+          <a:p>
+            <a:r>
+              <a:rPr lang="en-US" sz="900" b="1" dirty="0">
+                <a:solidFill>
+                  <a:schemeClr val="bg1"/>
+                </a:solidFill>
+                <a:latin typeface="Andale Mono" panose="020B0509000000000004" pitchFamily="49" charset="0"/>
+              </a:rPr>
+              <a:t>1.16.249.84:5139,09-19T12:46:04,Failed password for root </a:t>
+            </a:r>
+          </a:p>
+          <a:p>
+            <a:r>
+              <a:rPr lang="en-US" sz="900" b="1" dirty="0">
+                <a:solidFill>
+                  <a:schemeClr val="bg1"/>
+                </a:solidFill>
+                <a:latin typeface="Andale Mono" panose="020B0509000000000004" pitchFamily="49" charset="0"/>
+              </a:rPr>
+              <a:t>1.26.288.72:4768,07-26T22:52:23,Failed password for illegal user guest </a:t>
+            </a:r>
+          </a:p>
+          <a:p>
+            <a:r>
+              <a:rPr lang="en-US" sz="900" b="1" dirty="0">
+                <a:solidFill>
+                  <a:schemeClr val="bg1"/>
+                </a:solidFill>
+                <a:latin typeface="Andale Mono" panose="020B0509000000000004" pitchFamily="49" charset="0"/>
+              </a:rPr>
+              <a:t>1.29.485.70:4613,08-13T20:00:40,Failed password for illegal user guest </a:t>
+            </a:r>
+          </a:p>
+          <a:p>
+            <a:r>
+              <a:rPr lang="en-US" sz="900" b="1" dirty="0">
+                <a:solidFill>
+                  <a:schemeClr val="bg1"/>
+                </a:solidFill>
+                <a:latin typeface="Andale Mono" panose="020B0509000000000004" pitchFamily="49" charset="0"/>
+              </a:rPr>
+              <a:t>1.36.64.55:6486,09-13T06:15:34,Failed password for illegal user test </a:t>
+            </a:r>
+          </a:p>
+          <a:p>
+            <a:r>
+              <a:rPr lang="en-US" sz="900" b="1" dirty="0">
+                <a:solidFill>
+                  <a:schemeClr val="bg1"/>
+                </a:solidFill>
+                <a:latin typeface="Andale Mono" panose="020B0509000000000004" pitchFamily="49" charset="0"/>
+              </a:rPr>
+              <a:t>1.36.968.91:4437,06-20T15:08:11,Failed password for root </a:t>
+            </a:r>
+          </a:p>
+          <a:p>
+            <a:r>
+              <a:rPr lang="en-US" sz="900" b="1" dirty="0">
+                <a:solidFill>
+                  <a:schemeClr val="bg1"/>
+                </a:solidFill>
+                <a:latin typeface="Andale Mono" panose="020B0509000000000004" pitchFamily="49" charset="0"/>
+              </a:rPr>
+              <a:t>1.37.180.51:5825,08-02T08:48:25,Failed password for root </a:t>
+            </a:r>
+          </a:p>
+          <a:p>
+            <a:r>
+              <a:rPr lang="en-US" sz="900" b="1" dirty="0">
+                <a:solidFill>
+                  <a:schemeClr val="bg1"/>
+                </a:solidFill>
+                <a:latin typeface="Andale Mono" panose="020B0509000000000004" pitchFamily="49" charset="0"/>
+              </a:rPr>
+              <a:t>1.47.156.72:6475,08-06T06:56:34,Failed password for admin </a:t>
+            </a:r>
+          </a:p>
+          <a:p>
+            <a:r>
+              <a:rPr lang="en-US" sz="900" b="1" dirty="0">
+                <a:solidFill>
+                  <a:schemeClr val="bg1"/>
+                </a:solidFill>
+                <a:latin typeface="Andale Mono" panose="020B0509000000000004" pitchFamily="49" charset="0"/>
+              </a:rPr>
+              <a:t>1.47.233.24:5247,09-27T08:51:14,Illegal user </a:t>
+            </a:r>
+          </a:p>
+          <a:p>
+            <a:r>
+              <a:rPr lang="en-US" sz="900" b="1" dirty="0">
+                <a:solidFill>
+                  <a:schemeClr val="bg1"/>
+                </a:solidFill>
+                <a:latin typeface="Andale Mono" panose="020B0509000000000004" pitchFamily="49" charset="0"/>
+              </a:rPr>
+              <a:t>1.50.342.29:5546,09-05T18:55:39,Illegal user </a:t>
+            </a:r>
+          </a:p>
+          <a:p>
+            <a:r>
+              <a:rPr lang="en-US" sz="900" b="1" dirty="0">
+                <a:solidFill>
+                  <a:schemeClr val="bg1"/>
+                </a:solidFill>
+                <a:latin typeface="Andale Mono" panose="020B0509000000000004" pitchFamily="49" charset="0"/>
+              </a:rPr>
+              <a:t>1.55.405.18:6734,06-01T04:48:20,Failed password for illegal user guest </a:t>
+            </a:r>
+          </a:p>
+          <a:p>
+            <a:r>
+              <a:rPr lang="en-US" sz="900" b="1" dirty="0">
+                <a:solidFill>
+                  <a:schemeClr val="bg1"/>
+                </a:solidFill>
+                <a:latin typeface="Andale Mono" panose="020B0509000000000004" pitchFamily="49" charset="0"/>
+              </a:rPr>
+              <a:t>1.6.378.65:6772,06-05T04:12:47,Failed password for root </a:t>
+            </a:r>
+          </a:p>
+          <a:p>
+            <a:r>
+              <a:rPr lang="en-US" sz="900" b="1" dirty="0">
+                <a:solidFill>
+                  <a:schemeClr val="bg1"/>
+                </a:solidFill>
+                <a:latin typeface="Andale Mono" panose="020B0509000000000004" pitchFamily="49" charset="0"/>
+              </a:rPr>
+              <a:t>1.61.436.96:4201,09-13T23:30:55,Illegal user </a:t>
+            </a:r>
+          </a:p>
+          <a:p>
+            <a:r>
+              <a:rPr lang="en-US" sz="900" b="1" dirty="0">
+                <a:solidFill>
+                  <a:schemeClr val="bg1"/>
+                </a:solidFill>
+                <a:latin typeface="Andale Mono" panose="020B0509000000000004" pitchFamily="49" charset="0"/>
+              </a:rPr>
+              <a:t>1.62.197.95:5645,10-14T20:40:34,Illegal user </a:t>
+            </a:r>
+          </a:p>
+          <a:p>
+            <a:r>
+              <a:rPr lang="en-US" sz="900" b="1" dirty="0">
+                <a:solidFill>
+                  <a:schemeClr val="bg1"/>
+                </a:solidFill>
+                <a:latin typeface="Andale Mono" panose="020B0509000000000004" pitchFamily="49" charset="0"/>
+              </a:rPr>
+              <a:t>1.65.639.78:4398,10-03T19:11:43,Illegal user </a:t>
+            </a:r>
+          </a:p>
+          <a:p>
+            <a:r>
+              <a:rPr lang="en-US" sz="900" b="1" dirty="0">
+                <a:solidFill>
+                  <a:schemeClr val="bg1"/>
+                </a:solidFill>
+                <a:latin typeface="Andale Mono" panose="020B0509000000000004" pitchFamily="49" charset="0"/>
+              </a:rPr>
+              <a:t>1.65.936.39:6297,06-12T09:22:48,Failed password for illegal user guest </a:t>
+            </a:r>
+          </a:p>
+          <a:p>
+            <a:r>
+              <a:rPr lang="en-US" sz="900" b="1" dirty="0">
+                <a:solidFill>
+                  <a:schemeClr val="bg1"/>
+                </a:solidFill>
+                <a:latin typeface="Andale Mono" panose="020B0509000000000004" pitchFamily="49" charset="0"/>
+              </a:rPr>
+              <a:t>1.68.311.92:4927,07-12T11:58:38,Failed password for root </a:t>
+            </a:r>
+          </a:p>
+          <a:p>
+            <a:r>
+              <a:rPr lang="en-US" sz="900" b="1" dirty="0">
+                <a:solidFill>
+                  <a:schemeClr val="bg1"/>
+                </a:solidFill>
+                <a:latin typeface="Andale Mono" panose="020B0509000000000004" pitchFamily="49" charset="0"/>
+              </a:rPr>
+              <a:t>1.74.592.32:5365,09-04T12:21:09,Failed password for illegal user test </a:t>
+            </a:r>
+          </a:p>
+          <a:p>
+            <a:r>
+              <a:rPr lang="en-US" sz="900" b="1" dirty="0">
+                <a:solidFill>
+                  <a:schemeClr val="bg1"/>
+                </a:solidFill>
+                <a:latin typeface="Andale Mono" panose="020B0509000000000004" pitchFamily="49" charset="0"/>
+              </a:rPr>
+              <a:t>1.77.465.37:5059,10-01T10:40:08,Failed password for admin </a:t>
+            </a:r>
+          </a:p>
+          <a:p>
+            <a:r>
+              <a:rPr lang="en-US" sz="900" b="1" dirty="0">
+                <a:solidFill>
+                  <a:schemeClr val="bg1"/>
+                </a:solidFill>
+                <a:latin typeface="Andale Mono" panose="020B0509000000000004" pitchFamily="49" charset="0"/>
+              </a:rPr>
+              <a:t>1.81.892.90:4688,06-14T09:10:33,Illegal user </a:t>
+            </a:r>
+          </a:p>
+          <a:p>
+            <a:r>
+              <a:rPr lang="en-US" sz="900" b="1" dirty="0">
+                <a:solidFill>
+                  <a:schemeClr val="bg1"/>
+                </a:solidFill>
+                <a:latin typeface="Andale Mono" panose="020B0509000000000004" pitchFamily="49" charset="0"/>
+              </a:rPr>
+              <a:t>1.93.577.53:4679,06-13T14:43:51,Failed password for admin </a:t>
+            </a:r>
+          </a:p>
+          <a:p>
+            <a:r>
+              <a:rPr lang="en-US" sz="900" b="1" dirty="0">
+                <a:solidFill>
+                  <a:schemeClr val="bg1"/>
+                </a:solidFill>
+                <a:latin typeface="Andale Mono" panose="020B0509000000000004" pitchFamily="49" charset="0"/>
+              </a:rPr>
+              <a:t>1.94.523.85:5883,07-12T10:13:03,Illegal user </a:t>
+            </a:r>
+          </a:p>
+          <a:p>
+            <a:r>
+              <a:rPr lang="en-US" sz="900" b="1" dirty="0">
+                <a:solidFill>
+                  <a:schemeClr val="bg1"/>
+                </a:solidFill>
+                <a:latin typeface="Andale Mono" panose="020B0509000000000004" pitchFamily="49" charset="0"/>
+              </a:rPr>
+              <a:t>…….</a:t>
+            </a:r>
           </a:p>
         </p:txBody>
       </p:sp>
@@ -17303,7 +15963,7 @@
         <p:spPr>
           <a:xfrm>
             <a:off x="551910" y="1491268"/>
-            <a:ext cx="5509549" cy="4334766"/>
+            <a:ext cx="5509549" cy="1722579"/>
           </a:xfrm>
           <a:prstGeom prst="roundRect">
             <a:avLst>
@@ -17357,7 +16017,7 @@
         <p:spPr>
           <a:xfrm>
             <a:off x="717955" y="1629805"/>
-            <a:ext cx="5177458" cy="4108817"/>
+            <a:ext cx="5177458" cy="1338828"/>
           </a:xfrm>
           <a:prstGeom prst="rect">
             <a:avLst/>
@@ -17376,321 +16036,101 @@
                 </a:solidFill>
                 <a:latin typeface="Andale Mono" panose="020B0509000000000004" pitchFamily="49" charset="0"/>
               </a:rPr>
-              <a:t>dateTime,ipAddress,errorMessage</a:t>
-            </a:r>
-            <a:br>
-              <a:rPr lang="en-US" sz="900" b="1" dirty="0">
-                <a:solidFill>
-                  <a:schemeClr val="bg1"/>
-                </a:solidFill>
-                <a:latin typeface="Andale Mono" panose="020B0509000000000004" pitchFamily="49" charset="0"/>
-              </a:rPr>
-            </a:br>
-            <a:r>
-              <a:rPr lang="en-US" sz="900" b="1" dirty="0">
-                <a:solidFill>
-                  <a:schemeClr val="bg1"/>
-                </a:solidFill>
-                <a:latin typeface="Andale Mono" panose="020B0509000000000004" pitchFamily="49" charset="0"/>
-              </a:rPr>
-              <a:t>06-13T00:04:26,9.61.622.72:4496,Failed password for root </a:t>
-            </a:r>
-          </a:p>
-          <a:p>
-            <a:r>
-              <a:rPr lang="en-US" sz="900" b="1" dirty="0">
-                <a:solidFill>
-                  <a:schemeClr val="bg1"/>
-                </a:solidFill>
-                <a:latin typeface="Andale Mono" panose="020B0509000000000004" pitchFamily="49" charset="0"/>
-              </a:rPr>
-              <a:t>06-13T00:15:35,288.24.857.85:5146,Failed password for root </a:t>
-            </a:r>
-          </a:p>
-          <a:p>
-            <a:r>
-              <a:rPr lang="en-US" sz="900" b="1" dirty="0">
-                <a:solidFill>
-                  <a:schemeClr val="bg1"/>
-                </a:solidFill>
-                <a:latin typeface="Andale Mono" panose="020B0509000000000004" pitchFamily="49" charset="0"/>
-              </a:rPr>
-              <a:t>06-13T00:51:27,386.94.526.71:5357,Illegal user </a:t>
-            </a:r>
-          </a:p>
-          <a:p>
-            <a:r>
-              <a:rPr lang="en-US" sz="900" b="1" dirty="0">
-                <a:solidFill>
-                  <a:schemeClr val="bg1"/>
-                </a:solidFill>
-                <a:latin typeface="Andale Mono" panose="020B0509000000000004" pitchFamily="49" charset="0"/>
-              </a:rPr>
-              <a:t>06-13T00:51:43,860.90.201.52:4231,Failed password for illegal user test </a:t>
-            </a:r>
-          </a:p>
-          <a:p>
-            <a:r>
-              <a:rPr lang="en-US" sz="900" b="1" dirty="0">
-                <a:solidFill>
-                  <a:schemeClr val="bg1"/>
-                </a:solidFill>
-                <a:latin typeface="Andale Mono" panose="020B0509000000000004" pitchFamily="49" charset="0"/>
-              </a:rPr>
-              <a:t>06-13T00:55:17,587.85.748.77:5962,Failed password for illegal user test </a:t>
-            </a:r>
-          </a:p>
-          <a:p>
-            <a:r>
-              <a:rPr lang="en-US" sz="900" b="1" dirty="0">
-                <a:solidFill>
-                  <a:schemeClr val="bg1"/>
-                </a:solidFill>
-                <a:latin typeface="Andale Mono" panose="020B0509000000000004" pitchFamily="49" charset="0"/>
-              </a:rPr>
-              <a:t>06-13T01:01:27,109.18.555.18:4026,Failed password for illegal user guest </a:t>
-            </a:r>
-          </a:p>
-          <a:p>
-            <a:r>
-              <a:rPr lang="en-US" sz="900" b="1" dirty="0">
-                <a:solidFill>
-                  <a:schemeClr val="bg1"/>
-                </a:solidFill>
-                <a:latin typeface="Andale Mono" panose="020B0509000000000004" pitchFamily="49" charset="0"/>
-              </a:rPr>
-              <a:t>06-13T01:24:28,533.7.248.53:6075,Failed password for illegal user guest </a:t>
-            </a:r>
-          </a:p>
-          <a:p>
-            <a:r>
-              <a:rPr lang="en-US" sz="900" b="1" dirty="0">
-                <a:solidFill>
-                  <a:schemeClr val="bg1"/>
-                </a:solidFill>
-                <a:latin typeface="Andale Mono" panose="020B0509000000000004" pitchFamily="49" charset="0"/>
-              </a:rPr>
-              <a:t>06-13T01:25:05,390.82.654.56:4135,Illegal user </a:t>
-            </a:r>
-          </a:p>
-          <a:p>
-            <a:r>
-              <a:rPr lang="en-US" sz="900" b="1" dirty="0">
-                <a:solidFill>
-                  <a:schemeClr val="bg1"/>
-                </a:solidFill>
-                <a:latin typeface="Andale Mono" panose="020B0509000000000004" pitchFamily="49" charset="0"/>
-              </a:rPr>
-              <a:t>06-13T01:31:54,612.5.910.47:4500,Failed password for illegal user test </a:t>
-            </a:r>
-          </a:p>
-          <a:p>
-            <a:r>
-              <a:rPr lang="en-US" sz="900" b="1" dirty="0">
-                <a:solidFill>
-                  <a:schemeClr val="bg1"/>
-                </a:solidFill>
-                <a:latin typeface="Andale Mono" panose="020B0509000000000004" pitchFamily="49" charset="0"/>
-              </a:rPr>
-              <a:t>06-13T01:35:49,536.94.836.3:5759,Failed password for root </a:t>
-            </a:r>
-          </a:p>
-          <a:p>
-            <a:r>
-              <a:rPr lang="en-US" sz="900" b="1" dirty="0">
-                <a:solidFill>
-                  <a:schemeClr val="bg1"/>
-                </a:solidFill>
-                <a:latin typeface="Andale Mono" panose="020B0509000000000004" pitchFamily="49" charset="0"/>
-              </a:rPr>
-              <a:t>06-13T01:38:23,537.83.851.40:6946,Failed password for root </a:t>
-            </a:r>
-          </a:p>
-          <a:p>
-            <a:r>
-              <a:rPr lang="en-US" sz="900" b="1" dirty="0">
-                <a:solidFill>
-                  <a:schemeClr val="bg1"/>
-                </a:solidFill>
-                <a:latin typeface="Andale Mono" panose="020B0509000000000004" pitchFamily="49" charset="0"/>
-              </a:rPr>
-              <a:t>06-13T01:48:26,859.45.721.16:6146,Failed password for illegal user test </a:t>
-            </a:r>
-          </a:p>
-          <a:p>
-            <a:r>
-              <a:rPr lang="en-US" sz="900" b="1" dirty="0">
-                <a:solidFill>
-                  <a:schemeClr val="bg1"/>
-                </a:solidFill>
-                <a:latin typeface="Andale Mono" panose="020B0509000000000004" pitchFamily="49" charset="0"/>
-              </a:rPr>
-              <a:t>06-13T01:50:43,713.78.547.18:6154,Failed password for illegal user test </a:t>
-            </a:r>
-          </a:p>
-          <a:p>
-            <a:r>
-              <a:rPr lang="en-US" sz="900" b="1" dirty="0">
-                <a:solidFill>
-                  <a:schemeClr val="bg1"/>
-                </a:solidFill>
-                <a:latin typeface="Andale Mono" panose="020B0509000000000004" pitchFamily="49" charset="0"/>
-              </a:rPr>
-              <a:t>06-13T01:56:34,521.51.536.9:6197,Failed password for illegal user guest </a:t>
-            </a:r>
-          </a:p>
-          <a:p>
-            <a:r>
-              <a:rPr lang="en-US" sz="900" b="1" dirty="0">
-                <a:solidFill>
-                  <a:schemeClr val="bg1"/>
-                </a:solidFill>
-                <a:latin typeface="Andale Mono" panose="020B0509000000000004" pitchFamily="49" charset="0"/>
-              </a:rPr>
-              <a:t>06-13T02:11:25,713.78.236.71:4469,Failed password for admin </a:t>
-            </a:r>
-          </a:p>
-          <a:p>
-            <a:r>
-              <a:rPr lang="en-US" sz="900" b="1" dirty="0">
-                <a:solidFill>
-                  <a:schemeClr val="bg1"/>
-                </a:solidFill>
-                <a:latin typeface="Andale Mono" panose="020B0509000000000004" pitchFamily="49" charset="0"/>
-              </a:rPr>
-              <a:t>06-13T03:01:19,336.54.577.44:5838,Failed password for admin </a:t>
-            </a:r>
-          </a:p>
-          <a:p>
-            <a:r>
-              <a:rPr lang="en-US" sz="900" b="1" dirty="0">
-                <a:solidFill>
-                  <a:schemeClr val="bg1"/>
-                </a:solidFill>
-                <a:latin typeface="Andale Mono" panose="020B0509000000000004" pitchFamily="49" charset="0"/>
-              </a:rPr>
-              <a:t>06-13T03:02:25,139.58.729.28:4663,Failed password for admin </a:t>
-            </a:r>
-          </a:p>
-          <a:p>
-            <a:r>
-              <a:rPr lang="en-US" sz="900" b="1" dirty="0">
-                <a:solidFill>
-                  <a:schemeClr val="bg1"/>
-                </a:solidFill>
-                <a:latin typeface="Andale Mono" panose="020B0509000000000004" pitchFamily="49" charset="0"/>
-              </a:rPr>
-              <a:t>06-13T03:36:36,414.83.781.8:5203,Failed password for illegal user test </a:t>
-            </a:r>
-          </a:p>
-          <a:p>
-            <a:r>
-              <a:rPr lang="en-US" sz="900" b="1" dirty="0">
-                <a:solidFill>
-                  <a:schemeClr val="bg1"/>
-                </a:solidFill>
-                <a:latin typeface="Andale Mono" panose="020B0509000000000004" pitchFamily="49" charset="0"/>
-              </a:rPr>
-              <a:t>06-13T04:11:25,484.62.4.48:6371,Failed password for illegal user guest </a:t>
-            </a:r>
-          </a:p>
-          <a:p>
-            <a:r>
-              <a:rPr lang="en-US" sz="900" b="1" dirty="0">
-                <a:solidFill>
-                  <a:schemeClr val="bg1"/>
-                </a:solidFill>
-                <a:latin typeface="Andale Mono" panose="020B0509000000000004" pitchFamily="49" charset="0"/>
-              </a:rPr>
-              <a:t>06-13T04:17:26,555.41.502.33:5343,Failed password for admin </a:t>
-            </a:r>
-          </a:p>
-          <a:p>
-            <a:r>
-              <a:rPr lang="en-US" sz="900" b="1" dirty="0">
-                <a:solidFill>
-                  <a:schemeClr val="bg1"/>
-                </a:solidFill>
-                <a:latin typeface="Andale Mono" panose="020B0509000000000004" pitchFamily="49" charset="0"/>
-              </a:rPr>
-              <a:t>06-13T04:28:35,117.74.289.35:4548,Failed password for admin </a:t>
-            </a:r>
-          </a:p>
-          <a:p>
-            <a:r>
-              <a:rPr lang="en-US" sz="900" b="1" dirty="0">
-                <a:solidFill>
-                  <a:schemeClr val="bg1"/>
-                </a:solidFill>
-                <a:latin typeface="Andale Mono" panose="020B0509000000000004" pitchFamily="49" charset="0"/>
-              </a:rPr>
-              <a:t>06-13T04:29:58,921.30.671.60:6568,Illegal user </a:t>
-            </a:r>
-          </a:p>
-          <a:p>
-            <a:r>
-              <a:rPr lang="en-US" sz="900" b="1" dirty="0">
-                <a:solidFill>
-                  <a:schemeClr val="bg1"/>
-                </a:solidFill>
-                <a:latin typeface="Andale Mono" panose="020B0509000000000004" pitchFamily="49" charset="0"/>
-              </a:rPr>
-              <a:t>06-13T04:35:39,208.68.922.10:5612,Failed password for illegal user guest </a:t>
-            </a:r>
-          </a:p>
-          <a:p>
-            <a:r>
-              <a:rPr lang="en-US" sz="900" b="1" dirty="0">
-                <a:solidFill>
-                  <a:schemeClr val="bg1"/>
-                </a:solidFill>
-                <a:latin typeface="Andale Mono" panose="020B0509000000000004" pitchFamily="49" charset="0"/>
-              </a:rPr>
-              <a:t>06-13T04:53:28,851.19.530.42:6076,Illegal user </a:t>
-            </a:r>
-          </a:p>
-          <a:p>
-            <a:r>
-              <a:rPr lang="en-US" sz="900" b="1" dirty="0">
-                <a:solidFill>
-                  <a:schemeClr val="bg1"/>
-                </a:solidFill>
-                <a:latin typeface="Andale Mono" panose="020B0509000000000004" pitchFamily="49" charset="0"/>
-              </a:rPr>
-              <a:t>06-13T05:02:29,44.12.270.91:5068,Illegal user </a:t>
-            </a:r>
-          </a:p>
-          <a:p>
-            <a:r>
-              <a:rPr lang="en-US" sz="900" b="1" dirty="0">
-                <a:solidFill>
-                  <a:schemeClr val="bg1"/>
-                </a:solidFill>
-                <a:latin typeface="Andale Mono" panose="020B0509000000000004" pitchFamily="49" charset="0"/>
-              </a:rPr>
-              <a:t>06-13T05:17:03,295.90.568.32:6917,Illegal user </a:t>
-            </a:r>
-          </a:p>
-          <a:p>
-            <a:r>
-              <a:rPr lang="en-US" sz="900" b="1" dirty="0">
-                <a:solidFill>
-                  <a:schemeClr val="bg1"/>
-                </a:solidFill>
-                <a:latin typeface="Andale Mono" panose="020B0509000000000004" pitchFamily="49" charset="0"/>
-              </a:rPr>
-              <a:t>06-13T05:24:24,104.56.331.68:4317,Failed password for illegal user test </a:t>
-            </a:r>
-          </a:p>
-          <a:p>
-            <a:r>
-              <a:rPr lang="en-US" sz="900" b="1" dirty="0">
-                <a:solidFill>
-                  <a:schemeClr val="bg1"/>
-                </a:solidFill>
-                <a:latin typeface="Andale Mono" panose="020B0509000000000004" pitchFamily="49" charset="0"/>
-              </a:rPr>
-              <a:t>…</a:t>
+              <a:t>ipAddress,dateTime,errorMessage</a:t>
+            </a:r>
+            <a:endParaRPr lang="en-US" sz="900" b="1" dirty="0">
+              <a:solidFill>
+                <a:srgbClr val="00B0F0"/>
+              </a:solidFill>
+              <a:latin typeface="Andale Mono" panose="020B0509000000000004" pitchFamily="49" charset="0"/>
+            </a:endParaRPr>
+          </a:p>
+          <a:p>
+            <a:r>
+              <a:rPr lang="en-US" sz="900" b="1" dirty="0">
+                <a:solidFill>
+                  <a:schemeClr val="bg1"/>
+                </a:solidFill>
+                <a:latin typeface="Andale Mono" panose="020B0509000000000004" pitchFamily="49" charset="0"/>
+              </a:rPr>
+              <a:t>1.6.378.65:6772,06-05T04:12:47,Failed password for root </a:t>
+            </a:r>
+          </a:p>
+          <a:p>
+            <a:r>
+              <a:rPr lang="en-US" sz="900" b="1" dirty="0">
+                <a:solidFill>
+                  <a:schemeClr val="bg1"/>
+                </a:solidFill>
+                <a:latin typeface="Andale Mono" panose="020B0509000000000004" pitchFamily="49" charset="0"/>
+              </a:rPr>
+              <a:t>1.61.436.96:4201,09-13T23:30:55,Illegal user </a:t>
+            </a:r>
+          </a:p>
+          <a:p>
+            <a:r>
+              <a:rPr lang="en-US" sz="900" b="1" dirty="0">
+                <a:solidFill>
+                  <a:schemeClr val="bg1"/>
+                </a:solidFill>
+                <a:latin typeface="Andale Mono" panose="020B0509000000000004" pitchFamily="49" charset="0"/>
+              </a:rPr>
+              <a:t>1.62.197.95:5645,10-14T20:40:34,Illegal user </a:t>
+            </a:r>
+          </a:p>
+          <a:p>
+            <a:r>
+              <a:rPr lang="en-US" sz="900" b="1" dirty="0">
+                <a:solidFill>
+                  <a:schemeClr val="bg1"/>
+                </a:solidFill>
+                <a:latin typeface="Andale Mono" panose="020B0509000000000004" pitchFamily="49" charset="0"/>
+              </a:rPr>
+              <a:t>1.65.639.78:4398,10-03T19:11:43,Illegal user </a:t>
+            </a:r>
+          </a:p>
+          <a:p>
+            <a:r>
+              <a:rPr lang="en-US" sz="900" b="1" dirty="0">
+                <a:solidFill>
+                  <a:schemeClr val="bg1"/>
+                </a:solidFill>
+                <a:latin typeface="Andale Mono" panose="020B0509000000000004" pitchFamily="49" charset="0"/>
+              </a:rPr>
+              <a:t>1.65.936.39:6297,06-12T09:22:48,Failed password for illegal user guest </a:t>
+            </a:r>
+          </a:p>
+          <a:p>
+            <a:r>
+              <a:rPr lang="en-US" sz="900" b="1" dirty="0">
+                <a:solidFill>
+                  <a:schemeClr val="bg1"/>
+                </a:solidFill>
+                <a:latin typeface="Andale Mono" panose="020B0509000000000004" pitchFamily="49" charset="0"/>
+              </a:rPr>
+              <a:t>1.68.311.92:4927,07-12T11:58:38,Failed password for root </a:t>
+            </a:r>
+          </a:p>
+          <a:p>
+            <a:r>
+              <a:rPr lang="en-US" sz="900" b="1" dirty="0">
+                <a:solidFill>
+                  <a:schemeClr val="bg1"/>
+                </a:solidFill>
+                <a:latin typeface="Andale Mono" panose="020B0509000000000004" pitchFamily="49" charset="0"/>
+              </a:rPr>
+              <a:t>1.74.592.32:5365,09-04T12:21:09,Failed password for illegal user test </a:t>
+            </a:r>
+          </a:p>
+          <a:p>
+            <a:r>
+              <a:rPr lang="en-US" sz="900" b="1" dirty="0">
+                <a:solidFill>
+                  <a:schemeClr val="bg1"/>
+                </a:solidFill>
+                <a:latin typeface="Andale Mono" panose="020B0509000000000004" pitchFamily="49" charset="0"/>
+              </a:rPr>
+              <a:t>1.77.465.37:5059,10-01T10:40:08,Failed password for admin</a:t>
             </a:r>
           </a:p>
         </p:txBody>
@@ -17726,7 +16166,7 @@
               <a:rPr lang="en-US" sz="1000" b="1" dirty="0">
                 <a:latin typeface="Andale Mono" panose="020B0509000000000004" pitchFamily="49" charset="0"/>
               </a:rPr>
-              <a:t>output/resultados06-13a06-15.csv</a:t>
+              <a:t>output/resultados1.6.378.65:6772a1.81.892.90:4688.csv</a:t>
             </a:r>
             <a:endParaRPr lang="en-MX" sz="1000" b="1" dirty="0">
               <a:latin typeface="Andale Mono" panose="020B0509000000000004" pitchFamily="49" charset="0"/>
@@ -17801,7 +16241,7 @@
               </a:buClr>
             </a:pPr>
             <a:r>
-              <a:rPr lang="es-ES_tradnl" sz="2000" b="1" i="0" u="none" strike="noStrike" cap="none" dirty="0">
+              <a:rPr lang="es-ES_tradnl" sz="2000" b="1" i="0" u="none" strike="noStrike" cap="none" spc="-50" dirty="0">
                 <a:solidFill>
                   <a:srgbClr val="03319A"/>
                 </a:solidFill>
@@ -17812,7 +16252,7 @@
               </a:rPr>
               <a:t>Reflexión</a:t>
             </a:r>
-            <a:endParaRPr lang="es-ES_tradnl" sz="2000" b="1" dirty="0">
+            <a:endParaRPr lang="es-ES_tradnl" sz="2000" b="1" spc="-50" dirty="0">
               <a:solidFill>
                 <a:srgbClr val="03319A"/>
               </a:solidFill>
@@ -17853,7 +16293,7 @@
           <a:p>
             <a:pPr marL="11113"/>
             <a:r>
-              <a:rPr lang="es-ES_tradnl" sz="1200" dirty="0">
+              <a:rPr lang="es-ES_tradnl" sz="1200" spc="-50" dirty="0">
                 <a:latin typeface="Google Sans" panose="020B0503030502040204" pitchFamily="34" charset="0"/>
                 <a:ea typeface="Roboto" panose="02000000000000000000" pitchFamily="2" charset="0"/>
               </a:rPr>
@@ -17989,7 +16429,7 @@
           <a:p>
             <a:pPr algn="ctr"/>
             <a:r>
-              <a:rPr lang="en-MX" sz="1200" b="1" dirty="0">
+              <a:rPr lang="en-MX" sz="1200" b="1" spc="-50" dirty="0">
                 <a:latin typeface="Google Sans" panose="020B0503030502040204" pitchFamily="34" charset="0"/>
               </a:rPr>
               <a:t>6</a:t>
@@ -18029,7 +16469,7 @@
               <a:buChar char="•"/>
             </a:pPr>
             <a:r>
-              <a:rPr lang="es-ES_tradnl" sz="1200" dirty="0">
+              <a:rPr lang="es-ES_tradnl" sz="1200" spc="-50" dirty="0">
                 <a:latin typeface="Google Sans" panose="020B0503030502040204" pitchFamily="34" charset="0"/>
                 <a:ea typeface="Roboto" panose="02000000000000000000" pitchFamily="2" charset="0"/>
               </a:rPr>
@@ -18052,8 +16492,8 @@
         </p:nvSpPr>
         <p:spPr>
           <a:xfrm>
-            <a:off x="525005" y="4936108"/>
-            <a:ext cx="10780304" cy="1569660"/>
+            <a:off x="804462" y="1617293"/>
+            <a:ext cx="10666635" cy="830997"/>
           </a:xfrm>
           <a:prstGeom prst="rect">
             <a:avLst/>
@@ -18067,82 +16507,896 @@
           <a:p>
             <a:pPr marL="11113" lvl="1"/>
             <a:r>
-              <a:rPr lang="es-ES_tradnl" sz="1200" dirty="0">
+              <a:rPr lang="es-ES_tradnl" sz="1200" spc="-50" dirty="0">
                 <a:latin typeface="Google Sans" panose="020B0503030502040204" pitchFamily="34" charset="0"/>
                 <a:ea typeface="Roboto" panose="02000000000000000000" pitchFamily="2" charset="0"/>
               </a:rPr>
-              <a:t>Para esta situación problema en particular, serían aceptables usar cualquiera de estos métodos ya que:</a:t>
-            </a:r>
-          </a:p>
-          <a:p>
-            <a:pPr marL="182563" lvl="1" indent="-171450">
-              <a:buFontTx/>
-              <a:buChar char="-"/>
-            </a:pPr>
-            <a:r>
-              <a:rPr lang="es-ES_tradnl" sz="1200" dirty="0">
+              <a:t>Las listas ligadas (estructura de datos lineal) están ordenados por apuntadores (una segunda lista que los ubica) sin cambiar su lugar en memoria.</a:t>
+            </a:r>
+            <a:br>
+              <a:rPr lang="es-ES_tradnl" sz="1200" spc="-50" dirty="0">
                 <a:latin typeface="Google Sans" panose="020B0503030502040204" pitchFamily="34" charset="0"/>
                 <a:ea typeface="Roboto" panose="02000000000000000000" pitchFamily="2" charset="0"/>
               </a:rPr>
-              <a:t>la lista pesa solo 1.1 </a:t>
-            </a:r>
-            <a:r>
-              <a:rPr lang="es-ES_tradnl" sz="1200" dirty="0" err="1">
+            </a:br>
+            <a:br>
+              <a:rPr lang="es-ES_tradnl" sz="1200" spc="-50" dirty="0">
                 <a:latin typeface="Google Sans" panose="020B0503030502040204" pitchFamily="34" charset="0"/>
                 <a:ea typeface="Roboto" panose="02000000000000000000" pitchFamily="2" charset="0"/>
               </a:rPr>
-              <a:t>mB</a:t>
-            </a:r>
-            <a:r>
-              <a:rPr lang="es-ES_tradnl" sz="1200" dirty="0">
+            </a:br>
+            <a:r>
+              <a:rPr lang="es-ES_tradnl" sz="1200" spc="-50" dirty="0">
                 <a:latin typeface="Google Sans" panose="020B0503030502040204" pitchFamily="34" charset="0"/>
                 <a:ea typeface="Roboto" panose="02000000000000000000" pitchFamily="2" charset="0"/>
               </a:rPr>
-              <a:t> y el espacio de memoria no es problema</a:t>
-            </a:r>
-          </a:p>
-          <a:p>
-            <a:pPr marL="182563" lvl="1" indent="-171450">
-              <a:buFontTx/>
-              <a:buChar char="-"/>
-            </a:pPr>
-            <a:r>
-              <a:rPr lang="es-ES_tradnl" sz="1200" dirty="0">
+              <a:t>Esto hace que se requiera más espacio (para esta segunda lista de apuntadores) en comparación a reordenar una sola lista (reordenar una sola lista cada vez que se agregar un elemento no es óptimo).</a:t>
+            </a:r>
+          </a:p>
+        </p:txBody>
+      </p:sp>
+      <p:graphicFrame>
+        <p:nvGraphicFramePr>
+          <p:cNvPr id="5" name="Table 4">
+            <a:extLst>
+              <a:ext uri="{FF2B5EF4-FFF2-40B4-BE49-F238E27FC236}">
+                <a16:creationId xmlns:a16="http://schemas.microsoft.com/office/drawing/2014/main" id="{C9F98324-E9BF-1447-8B47-0D81ABBD637C}"/>
+              </a:ext>
+            </a:extLst>
+          </p:cNvPr>
+          <p:cNvGraphicFramePr>
+            <a:graphicFrameLocks noGrp="1"/>
+          </p:cNvGraphicFramePr>
+          <p:nvPr>
+            <p:extLst>
+              <p:ext uri="{D42A27DB-BD31-4B8C-83A1-F6EECF244321}">
+                <p14:modId xmlns:p14="http://schemas.microsoft.com/office/powerpoint/2010/main" val="587548165"/>
+              </p:ext>
+            </p:extLst>
+          </p:nvPr>
+        </p:nvGraphicFramePr>
+        <p:xfrm>
+          <a:off x="940278" y="2581329"/>
+          <a:ext cx="10530819" cy="1463040"/>
+        </p:xfrm>
+        <a:graphic>
+          <a:graphicData uri="http://schemas.openxmlformats.org/drawingml/2006/table">
+            <a:tbl>
+              <a:tblPr/>
+              <a:tblGrid>
+                <a:gridCol w="2401871">
+                  <a:extLst>
+                    <a:ext uri="{9D8B030D-6E8A-4147-A177-3AD203B41FA5}">
+                      <a16:colId xmlns:a16="http://schemas.microsoft.com/office/drawing/2014/main" val="3308621995"/>
+                    </a:ext>
+                  </a:extLst>
+                </a:gridCol>
+                <a:gridCol w="8128948">
+                  <a:extLst>
+                    <a:ext uri="{9D8B030D-6E8A-4147-A177-3AD203B41FA5}">
+                      <a16:colId xmlns:a16="http://schemas.microsoft.com/office/drawing/2014/main" val="2069814842"/>
+                    </a:ext>
+                  </a:extLst>
+                </a:gridCol>
+              </a:tblGrid>
+              <a:tr h="0">
+                <a:tc>
+                  <a:txBody>
+                    <a:bodyPr/>
+                    <a:lstStyle/>
+                    <a:p>
+                      <a:pPr algn="ctr"/>
+                      <a:r>
+                        <a:rPr lang="es-ES_tradnl" sz="1100" b="1" spc="-40" baseline="0" noProof="0" dirty="0">
+                          <a:effectLst/>
+                          <a:latin typeface="Google Sans" panose="020B0503030502040204" pitchFamily="34" charset="0"/>
+                        </a:rPr>
+                        <a:t>Estructura de datos lineales</a:t>
+                      </a:r>
+                    </a:p>
+                  </a:txBody>
+                  <a:tcPr anchor="ctr">
+                    <a:lnL w="12700" cap="flat" cmpd="sng" algn="ctr">
+                      <a:noFill/>
+                      <a:prstDash val="solid"/>
+                      <a:round/>
+                      <a:headEnd type="none" w="med" len="med"/>
+                      <a:tailEnd type="none" w="med" len="med"/>
+                    </a:lnL>
+                    <a:lnR w="12700" cap="flat" cmpd="sng" algn="ctr">
+                      <a:solidFill>
+                        <a:schemeClr val="bg1">
+                          <a:lumMod val="85000"/>
+                        </a:schemeClr>
+                      </a:solidFill>
+                      <a:prstDash val="solid"/>
+                      <a:round/>
+                      <a:headEnd type="none" w="med" len="med"/>
+                      <a:tailEnd type="none" w="med" len="med"/>
+                    </a:lnR>
+                    <a:lnT w="9525" cap="flat" cmpd="sng" algn="ctr">
+                      <a:noFill/>
+                      <a:prstDash val="solid"/>
+                      <a:round/>
+                      <a:headEnd type="none" w="med" len="med"/>
+                      <a:tailEnd type="none" w="med" len="med"/>
+                    </a:lnT>
+                    <a:lnB w="12700" cap="flat" cmpd="sng" algn="ctr">
+                      <a:solidFill>
+                        <a:schemeClr val="bg1">
+                          <a:lumMod val="85000"/>
+                        </a:schemeClr>
+                      </a:solidFill>
+                      <a:prstDash val="solid"/>
+                      <a:round/>
+                      <a:headEnd type="none" w="med" len="med"/>
+                      <a:tailEnd type="none" w="med" len="med"/>
+                    </a:lnB>
+                    <a:lnTlToBr w="12700" cmpd="sng">
+                      <a:noFill/>
+                      <a:prstDash val="solid"/>
+                    </a:lnTlToBr>
+                    <a:lnBlToTr w="12700" cmpd="sng">
+                      <a:noFill/>
+                      <a:prstDash val="solid"/>
+                    </a:lnBlToTr>
+                    <a:solidFill>
+                      <a:schemeClr val="bg1">
+                        <a:lumMod val="85000"/>
+                      </a:schemeClr>
+                    </a:solidFill>
+                  </a:tcPr>
+                </a:tc>
+                <a:tc>
+                  <a:txBody>
+                    <a:bodyPr/>
+                    <a:lstStyle/>
+                    <a:p>
+                      <a:pPr algn="ctr"/>
+                      <a:r>
+                        <a:rPr lang="es-ES_tradnl" sz="1100" b="1" spc="-40" baseline="0" noProof="0" dirty="0">
+                          <a:effectLst/>
+                          <a:latin typeface="Google Sans" panose="020B0503030502040204" pitchFamily="34" charset="0"/>
+                        </a:rPr>
+                        <a:t>Eficiencia (</a:t>
+                      </a:r>
+                      <a:r>
+                        <a:rPr lang="es-ES_tradnl" sz="1100" b="1" spc="-40" baseline="0" noProof="0" dirty="0" err="1">
+                          <a:effectLst/>
+                          <a:latin typeface="Google Sans" panose="020B0503030502040204" pitchFamily="34" charset="0"/>
+                        </a:rPr>
+                        <a:t>Worst</a:t>
+                      </a:r>
+                      <a:r>
+                        <a:rPr lang="es-ES_tradnl" sz="1100" b="1" spc="-40" baseline="0" noProof="0" dirty="0">
+                          <a:effectLst/>
+                          <a:latin typeface="Google Sans" panose="020B0503030502040204" pitchFamily="34" charset="0"/>
+                        </a:rPr>
+                        <a:t> Case </a:t>
+                      </a:r>
+                      <a:r>
+                        <a:rPr lang="es-ES_tradnl" sz="1100" b="1" spc="-40" baseline="0" noProof="0" dirty="0" err="1">
+                          <a:effectLst/>
+                          <a:latin typeface="Google Sans" panose="020B0503030502040204" pitchFamily="34" charset="0"/>
+                        </a:rPr>
+                        <a:t>Scenario</a:t>
+                      </a:r>
+                      <a:r>
+                        <a:rPr lang="es-ES_tradnl" sz="1100" b="1" spc="-40" baseline="0" noProof="0" dirty="0">
+                          <a:effectLst/>
+                          <a:latin typeface="Google Sans" panose="020B0503030502040204" pitchFamily="34" charset="0"/>
+                        </a:rPr>
+                        <a:t>) </a:t>
+                      </a:r>
+                    </a:p>
+                  </a:txBody>
+                  <a:tcPr anchor="ctr">
+                    <a:lnL w="12700" cap="flat" cmpd="sng" algn="ctr">
+                      <a:solidFill>
+                        <a:schemeClr val="bg1">
+                          <a:lumMod val="85000"/>
+                        </a:schemeClr>
+                      </a:solidFill>
+                      <a:prstDash val="solid"/>
+                      <a:round/>
+                      <a:headEnd type="none" w="med" len="med"/>
+                      <a:tailEnd type="none" w="med" len="med"/>
+                    </a:lnL>
+                    <a:lnR w="12700" cap="flat" cmpd="sng" algn="ctr">
+                      <a:noFill/>
+                      <a:prstDash val="solid"/>
+                      <a:round/>
+                      <a:headEnd type="none" w="med" len="med"/>
+                      <a:tailEnd type="none" w="med" len="med"/>
+                    </a:lnR>
+                    <a:lnT w="9525" cap="flat" cmpd="sng" algn="ctr">
+                      <a:noFill/>
+                      <a:prstDash val="solid"/>
+                      <a:round/>
+                      <a:headEnd type="none" w="med" len="med"/>
+                      <a:tailEnd type="none" w="med" len="med"/>
+                    </a:lnT>
+                    <a:lnB w="12700" cap="flat" cmpd="sng" algn="ctr">
+                      <a:solidFill>
+                        <a:schemeClr val="bg1">
+                          <a:lumMod val="85000"/>
+                        </a:schemeClr>
+                      </a:solidFill>
+                      <a:prstDash val="solid"/>
+                      <a:round/>
+                      <a:headEnd type="none" w="med" len="med"/>
+                      <a:tailEnd type="none" w="med" len="med"/>
+                    </a:lnB>
+                    <a:lnTlToBr w="12700" cmpd="sng">
+                      <a:noFill/>
+                      <a:prstDash val="solid"/>
+                    </a:lnTlToBr>
+                    <a:lnBlToTr w="12700" cmpd="sng">
+                      <a:noFill/>
+                      <a:prstDash val="solid"/>
+                    </a:lnBlToTr>
+                    <a:solidFill>
+                      <a:schemeClr val="bg1">
+                        <a:lumMod val="85000"/>
+                      </a:schemeClr>
+                    </a:solidFill>
+                  </a:tcPr>
+                </a:tc>
+                <a:extLst>
+                  <a:ext uri="{0D108BD9-81ED-4DB2-BD59-A6C34878D82A}">
+                    <a16:rowId xmlns:a16="http://schemas.microsoft.com/office/drawing/2014/main" val="478857857"/>
+                  </a:ext>
+                </a:extLst>
+              </a:tr>
+              <a:tr h="0">
+                <a:tc>
+                  <a:txBody>
+                    <a:bodyPr/>
+                    <a:lstStyle/>
+                    <a:p>
+                      <a:r>
+                        <a:rPr lang="es-ES_tradnl" sz="1100" b="1" spc="-40" baseline="0" noProof="0">
+                          <a:effectLst/>
+                          <a:latin typeface="Google Sans" panose="020B0503030502040204" pitchFamily="34" charset="0"/>
+                        </a:rPr>
+                        <a:t>Listas Ligadas [1]</a:t>
+                      </a:r>
+                      <a:endParaRPr lang="es-ES_tradnl" sz="1100" b="1" spc="-40" baseline="0" noProof="0" dirty="0">
+                        <a:effectLst/>
+                        <a:latin typeface="Google Sans" panose="020B0503030502040204" pitchFamily="34" charset="0"/>
+                      </a:endParaRPr>
+                    </a:p>
+                  </a:txBody>
+                  <a:tcPr anchor="ctr">
+                    <a:lnL w="12700" cap="flat" cmpd="sng" algn="ctr">
+                      <a:noFill/>
+                      <a:prstDash val="solid"/>
+                      <a:round/>
+                      <a:headEnd type="none" w="med" len="med"/>
+                      <a:tailEnd type="none" w="med" len="med"/>
+                    </a:lnL>
+                    <a:lnR w="12700" cap="flat" cmpd="sng" algn="ctr">
+                      <a:solidFill>
+                        <a:schemeClr val="bg1">
+                          <a:lumMod val="85000"/>
+                        </a:schemeClr>
+                      </a:solidFill>
+                      <a:prstDash val="solid"/>
+                      <a:round/>
+                      <a:headEnd type="none" w="med" len="med"/>
+                      <a:tailEnd type="none" w="med" len="med"/>
+                    </a:lnR>
+                    <a:lnT w="12700" cap="flat" cmpd="sng" algn="ctr">
+                      <a:solidFill>
+                        <a:schemeClr val="bg1">
+                          <a:lumMod val="85000"/>
+                        </a:schemeClr>
+                      </a:solidFill>
+                      <a:prstDash val="solid"/>
+                      <a:round/>
+                      <a:headEnd type="none" w="med" len="med"/>
+                      <a:tailEnd type="none" w="med" len="med"/>
+                    </a:lnT>
+                    <a:lnB w="12700" cap="flat" cmpd="sng" algn="ctr">
+                      <a:solidFill>
+                        <a:schemeClr val="bg1">
+                          <a:lumMod val="85000"/>
+                        </a:schemeClr>
+                      </a:solidFill>
+                      <a:prstDash val="solid"/>
+                      <a:round/>
+                      <a:headEnd type="none" w="med" len="med"/>
+                      <a:tailEnd type="none" w="med" len="med"/>
+                    </a:lnB>
+                    <a:lnTlToBr w="12700" cmpd="sng">
+                      <a:noFill/>
+                      <a:prstDash val="solid"/>
+                    </a:lnTlToBr>
+                    <a:lnBlToTr w="12700" cmpd="sng">
+                      <a:noFill/>
+                      <a:prstDash val="solid"/>
+                    </a:lnBlToTr>
+                    <a:solidFill>
+                      <a:schemeClr val="bg1">
+                        <a:lumMod val="95000"/>
+                      </a:schemeClr>
+                    </a:solidFill>
+                  </a:tcPr>
+                </a:tc>
+                <a:tc>
+                  <a:txBody>
+                    <a:bodyPr/>
+                    <a:lstStyle/>
+                    <a:p>
+                      <a:r>
+                        <a:rPr lang="es-ES_tradnl" sz="1100" spc="-40" baseline="0" noProof="0" dirty="0">
+                          <a:effectLst/>
+                          <a:latin typeface="Google Sans" panose="020B0503030502040204" pitchFamily="34" charset="0"/>
+                        </a:rPr>
+                        <a:t>O(n) , al no especificar longitud de datos, pueden guardar la cantidad de información que la memoria puede almacenar, por cada información se crea un nodo y se insertan los datos ahí́ mismo. </a:t>
+                      </a:r>
+                    </a:p>
+                  </a:txBody>
+                  <a:tcPr anchor="ctr">
+                    <a:lnL w="12700" cap="flat" cmpd="sng" algn="ctr">
+                      <a:solidFill>
+                        <a:schemeClr val="bg1">
+                          <a:lumMod val="85000"/>
+                        </a:schemeClr>
+                      </a:solidFill>
+                      <a:prstDash val="solid"/>
+                      <a:round/>
+                      <a:headEnd type="none" w="med" len="med"/>
+                      <a:tailEnd type="none" w="med" len="med"/>
+                    </a:lnL>
+                    <a:lnR w="12700" cap="flat" cmpd="sng" algn="ctr">
+                      <a:noFill/>
+                      <a:prstDash val="solid"/>
+                      <a:round/>
+                      <a:headEnd type="none" w="med" len="med"/>
+                      <a:tailEnd type="none" w="med" len="med"/>
+                    </a:lnR>
+                    <a:lnT w="12700" cap="flat" cmpd="sng" algn="ctr">
+                      <a:solidFill>
+                        <a:schemeClr val="bg1">
+                          <a:lumMod val="85000"/>
+                        </a:schemeClr>
+                      </a:solidFill>
+                      <a:prstDash val="solid"/>
+                      <a:round/>
+                      <a:headEnd type="none" w="med" len="med"/>
+                      <a:tailEnd type="none" w="med" len="med"/>
+                    </a:lnT>
+                    <a:lnB w="12700" cap="flat" cmpd="sng" algn="ctr">
+                      <a:solidFill>
+                        <a:schemeClr val="bg1">
+                          <a:lumMod val="85000"/>
+                        </a:schemeClr>
+                      </a:solidFill>
+                      <a:prstDash val="solid"/>
+                      <a:round/>
+                      <a:headEnd type="none" w="med" len="med"/>
+                      <a:tailEnd type="none" w="med" len="med"/>
+                    </a:lnB>
+                    <a:lnTlToBr w="12700" cmpd="sng">
+                      <a:noFill/>
+                      <a:prstDash val="solid"/>
+                    </a:lnTlToBr>
+                    <a:lnBlToTr w="12700" cmpd="sng">
+                      <a:noFill/>
+                      <a:prstDash val="solid"/>
+                    </a:lnBlToTr>
+                    <a:noFill/>
+                  </a:tcPr>
+                </a:tc>
+                <a:extLst>
+                  <a:ext uri="{0D108BD9-81ED-4DB2-BD59-A6C34878D82A}">
+                    <a16:rowId xmlns:a16="http://schemas.microsoft.com/office/drawing/2014/main" val="2240869653"/>
+                  </a:ext>
+                </a:extLst>
+              </a:tr>
+              <a:tr h="0">
+                <a:tc>
+                  <a:txBody>
+                    <a:bodyPr/>
+                    <a:lstStyle/>
+                    <a:p>
+                      <a:r>
+                        <a:rPr lang="es-ES_tradnl" sz="1100" b="1" spc="-40" baseline="0" noProof="0">
+                          <a:effectLst/>
+                          <a:latin typeface="Google Sans" panose="020B0503030502040204" pitchFamily="34" charset="0"/>
+                        </a:rPr>
+                        <a:t>Pila [1]</a:t>
+                      </a:r>
+                      <a:endParaRPr lang="es-ES_tradnl" sz="1100" b="1" spc="-40" baseline="0" noProof="0" dirty="0">
+                        <a:effectLst/>
+                        <a:latin typeface="Google Sans" panose="020B0503030502040204" pitchFamily="34" charset="0"/>
+                      </a:endParaRPr>
+                    </a:p>
+                  </a:txBody>
+                  <a:tcPr anchor="ctr">
+                    <a:lnL w="12700" cap="flat" cmpd="sng" algn="ctr">
+                      <a:noFill/>
+                      <a:prstDash val="solid"/>
+                      <a:round/>
+                      <a:headEnd type="none" w="med" len="med"/>
+                      <a:tailEnd type="none" w="med" len="med"/>
+                    </a:lnL>
+                    <a:lnR w="12700" cap="flat" cmpd="sng" algn="ctr">
+                      <a:solidFill>
+                        <a:schemeClr val="bg1">
+                          <a:lumMod val="85000"/>
+                        </a:schemeClr>
+                      </a:solidFill>
+                      <a:prstDash val="solid"/>
+                      <a:round/>
+                      <a:headEnd type="none" w="med" len="med"/>
+                      <a:tailEnd type="none" w="med" len="med"/>
+                    </a:lnR>
+                    <a:lnT w="12700" cap="flat" cmpd="sng" algn="ctr">
+                      <a:solidFill>
+                        <a:schemeClr val="bg1">
+                          <a:lumMod val="85000"/>
+                        </a:schemeClr>
+                      </a:solidFill>
+                      <a:prstDash val="solid"/>
+                      <a:round/>
+                      <a:headEnd type="none" w="med" len="med"/>
+                      <a:tailEnd type="none" w="med" len="med"/>
+                    </a:lnT>
+                    <a:lnB w="12700" cap="flat" cmpd="sng" algn="ctr">
+                      <a:solidFill>
+                        <a:schemeClr val="bg1">
+                          <a:lumMod val="85000"/>
+                        </a:schemeClr>
+                      </a:solidFill>
+                      <a:prstDash val="solid"/>
+                      <a:round/>
+                      <a:headEnd type="none" w="med" len="med"/>
+                      <a:tailEnd type="none" w="med" len="med"/>
+                    </a:lnB>
+                    <a:lnTlToBr w="12700" cmpd="sng">
+                      <a:noFill/>
+                      <a:prstDash val="solid"/>
+                    </a:lnTlToBr>
+                    <a:lnBlToTr w="12700" cmpd="sng">
+                      <a:noFill/>
+                      <a:prstDash val="solid"/>
+                    </a:lnBlToTr>
+                    <a:solidFill>
+                      <a:schemeClr val="bg1">
+                        <a:lumMod val="95000"/>
+                      </a:schemeClr>
+                    </a:solidFill>
+                  </a:tcPr>
+                </a:tc>
+                <a:tc>
+                  <a:txBody>
+                    <a:bodyPr/>
+                    <a:lstStyle/>
+                    <a:p>
+                      <a:r>
+                        <a:rPr lang="es-ES_tradnl" sz="1100" spc="-40" baseline="0" noProof="0" dirty="0">
+                          <a:effectLst/>
+                          <a:latin typeface="Google Sans" panose="020B0503030502040204" pitchFamily="34" charset="0"/>
+                        </a:rPr>
+                        <a:t>O(n) , se agregan y se eliminan por el mismo lado por lo que tiene una estructura LIFO (</a:t>
+                      </a:r>
+                      <a:r>
+                        <a:rPr lang="es-ES_tradnl" sz="1100" spc="-40" baseline="0" noProof="0" dirty="0" err="1">
+                          <a:effectLst/>
+                          <a:latin typeface="Google Sans" panose="020B0503030502040204" pitchFamily="34" charset="0"/>
+                        </a:rPr>
+                        <a:t>Last</a:t>
+                      </a:r>
+                      <a:r>
+                        <a:rPr lang="es-ES_tradnl" sz="1100" spc="-40" baseline="0" noProof="0" dirty="0">
+                          <a:effectLst/>
+                          <a:latin typeface="Google Sans" panose="020B0503030502040204" pitchFamily="34" charset="0"/>
+                        </a:rPr>
+                        <a:t>-In, </a:t>
+                      </a:r>
+                      <a:r>
+                        <a:rPr lang="es-ES_tradnl" sz="1100" spc="-40" baseline="0" noProof="0" dirty="0" err="1">
+                          <a:effectLst/>
+                          <a:latin typeface="Google Sans" panose="020B0503030502040204" pitchFamily="34" charset="0"/>
+                        </a:rPr>
+                        <a:t>First-Out</a:t>
+                      </a:r>
+                      <a:r>
+                        <a:rPr lang="es-ES_tradnl" sz="1100" spc="-40" baseline="0" noProof="0" dirty="0">
+                          <a:effectLst/>
+                          <a:latin typeface="Google Sans" panose="020B0503030502040204" pitchFamily="34" charset="0"/>
+                        </a:rPr>
+                        <a:t>). </a:t>
+                      </a:r>
+                    </a:p>
+                  </a:txBody>
+                  <a:tcPr anchor="ctr">
+                    <a:lnL w="12700" cap="flat" cmpd="sng" algn="ctr">
+                      <a:solidFill>
+                        <a:schemeClr val="bg1">
+                          <a:lumMod val="85000"/>
+                        </a:schemeClr>
+                      </a:solidFill>
+                      <a:prstDash val="solid"/>
+                      <a:round/>
+                      <a:headEnd type="none" w="med" len="med"/>
+                      <a:tailEnd type="none" w="med" len="med"/>
+                    </a:lnL>
+                    <a:lnR w="12700" cap="flat" cmpd="sng" algn="ctr">
+                      <a:noFill/>
+                      <a:prstDash val="solid"/>
+                      <a:round/>
+                      <a:headEnd type="none" w="med" len="med"/>
+                      <a:tailEnd type="none" w="med" len="med"/>
+                    </a:lnR>
+                    <a:lnT w="12700" cap="flat" cmpd="sng" algn="ctr">
+                      <a:solidFill>
+                        <a:schemeClr val="bg1">
+                          <a:lumMod val="85000"/>
+                        </a:schemeClr>
+                      </a:solidFill>
+                      <a:prstDash val="solid"/>
+                      <a:round/>
+                      <a:headEnd type="none" w="med" len="med"/>
+                      <a:tailEnd type="none" w="med" len="med"/>
+                    </a:lnT>
+                    <a:lnB w="12700" cap="flat" cmpd="sng" algn="ctr">
+                      <a:solidFill>
+                        <a:schemeClr val="bg1">
+                          <a:lumMod val="85000"/>
+                        </a:schemeClr>
+                      </a:solidFill>
+                      <a:prstDash val="solid"/>
+                      <a:round/>
+                      <a:headEnd type="none" w="med" len="med"/>
+                      <a:tailEnd type="none" w="med" len="med"/>
+                    </a:lnB>
+                    <a:lnTlToBr w="12700" cmpd="sng">
+                      <a:noFill/>
+                      <a:prstDash val="solid"/>
+                    </a:lnTlToBr>
+                    <a:lnBlToTr w="12700" cmpd="sng">
+                      <a:noFill/>
+                      <a:prstDash val="solid"/>
+                    </a:lnBlToTr>
+                    <a:noFill/>
+                  </a:tcPr>
+                </a:tc>
+                <a:extLst>
+                  <a:ext uri="{0D108BD9-81ED-4DB2-BD59-A6C34878D82A}">
+                    <a16:rowId xmlns:a16="http://schemas.microsoft.com/office/drawing/2014/main" val="894489870"/>
+                  </a:ext>
+                </a:extLst>
+              </a:tr>
+              <a:tr h="0">
+                <a:tc>
+                  <a:txBody>
+                    <a:bodyPr/>
+                    <a:lstStyle/>
+                    <a:p>
+                      <a:r>
+                        <a:rPr lang="es-ES_tradnl" sz="1100" b="1" spc="-40" baseline="0" noProof="0">
+                          <a:effectLst/>
+                          <a:latin typeface="Google Sans" panose="020B0503030502040204" pitchFamily="34" charset="0"/>
+                        </a:rPr>
+                        <a:t>Cola [1]</a:t>
+                      </a:r>
+                      <a:endParaRPr lang="es-ES_tradnl" sz="1100" b="1" spc="-40" baseline="0" noProof="0" dirty="0">
+                        <a:effectLst/>
+                        <a:latin typeface="Google Sans" panose="020B0503030502040204" pitchFamily="34" charset="0"/>
+                      </a:endParaRPr>
+                    </a:p>
+                  </a:txBody>
+                  <a:tcPr anchor="ctr">
+                    <a:lnL w="12700" cap="flat" cmpd="sng" algn="ctr">
+                      <a:noFill/>
+                      <a:prstDash val="solid"/>
+                      <a:round/>
+                      <a:headEnd type="none" w="med" len="med"/>
+                      <a:tailEnd type="none" w="med" len="med"/>
+                    </a:lnL>
+                    <a:lnR w="12700" cap="flat" cmpd="sng" algn="ctr">
+                      <a:solidFill>
+                        <a:schemeClr val="bg1">
+                          <a:lumMod val="85000"/>
+                        </a:schemeClr>
+                      </a:solidFill>
+                      <a:prstDash val="solid"/>
+                      <a:round/>
+                      <a:headEnd type="none" w="med" len="med"/>
+                      <a:tailEnd type="none" w="med" len="med"/>
+                    </a:lnR>
+                    <a:lnT w="12700" cap="flat" cmpd="sng" algn="ctr">
+                      <a:solidFill>
+                        <a:schemeClr val="bg1">
+                          <a:lumMod val="85000"/>
+                        </a:schemeClr>
+                      </a:solidFill>
+                      <a:prstDash val="solid"/>
+                      <a:round/>
+                      <a:headEnd type="none" w="med" len="med"/>
+                      <a:tailEnd type="none" w="med" len="med"/>
+                    </a:lnT>
+                    <a:lnB w="12700" cap="flat" cmpd="sng" algn="ctr">
+                      <a:solidFill>
+                        <a:schemeClr val="bg1">
+                          <a:lumMod val="85000"/>
+                        </a:schemeClr>
+                      </a:solidFill>
+                      <a:prstDash val="solid"/>
+                      <a:round/>
+                      <a:headEnd type="none" w="med" len="med"/>
+                      <a:tailEnd type="none" w="med" len="med"/>
+                    </a:lnB>
+                    <a:lnTlToBr w="12700" cmpd="sng">
+                      <a:noFill/>
+                      <a:prstDash val="solid"/>
+                    </a:lnTlToBr>
+                    <a:lnBlToTr w="12700" cmpd="sng">
+                      <a:noFill/>
+                      <a:prstDash val="solid"/>
+                    </a:lnBlToTr>
+                    <a:solidFill>
+                      <a:schemeClr val="bg1">
+                        <a:lumMod val="95000"/>
+                      </a:schemeClr>
+                    </a:solidFill>
+                  </a:tcPr>
+                </a:tc>
+                <a:tc>
+                  <a:txBody>
+                    <a:bodyPr/>
+                    <a:lstStyle/>
+                    <a:p>
+                      <a:r>
+                        <a:rPr lang="es-ES_tradnl" sz="1100" spc="-40" baseline="0" noProof="0" dirty="0">
+                          <a:effectLst/>
+                          <a:latin typeface="Google Sans" panose="020B0503030502040204" pitchFamily="34" charset="0"/>
+                        </a:rPr>
+                        <a:t>O(n) , se insertan los datos de un lado y se eliminan por el otro. </a:t>
+                      </a:r>
+                    </a:p>
+                  </a:txBody>
+                  <a:tcPr anchor="ctr">
+                    <a:lnL w="12700" cap="flat" cmpd="sng" algn="ctr">
+                      <a:solidFill>
+                        <a:schemeClr val="bg1">
+                          <a:lumMod val="85000"/>
+                        </a:schemeClr>
+                      </a:solidFill>
+                      <a:prstDash val="solid"/>
+                      <a:round/>
+                      <a:headEnd type="none" w="med" len="med"/>
+                      <a:tailEnd type="none" w="med" len="med"/>
+                    </a:lnL>
+                    <a:lnR w="12700" cap="flat" cmpd="sng" algn="ctr">
+                      <a:noFill/>
+                      <a:prstDash val="solid"/>
+                      <a:round/>
+                      <a:headEnd type="none" w="med" len="med"/>
+                      <a:tailEnd type="none" w="med" len="med"/>
+                    </a:lnR>
+                    <a:lnT w="12700" cap="flat" cmpd="sng" algn="ctr">
+                      <a:solidFill>
+                        <a:schemeClr val="bg1">
+                          <a:lumMod val="85000"/>
+                        </a:schemeClr>
+                      </a:solidFill>
+                      <a:prstDash val="solid"/>
+                      <a:round/>
+                      <a:headEnd type="none" w="med" len="med"/>
+                      <a:tailEnd type="none" w="med" len="med"/>
+                    </a:lnT>
+                    <a:lnB w="12700" cap="flat" cmpd="sng" algn="ctr">
+                      <a:solidFill>
+                        <a:schemeClr val="bg1">
+                          <a:lumMod val="85000"/>
+                        </a:schemeClr>
+                      </a:solidFill>
+                      <a:prstDash val="solid"/>
+                      <a:round/>
+                      <a:headEnd type="none" w="med" len="med"/>
+                      <a:tailEnd type="none" w="med" len="med"/>
+                    </a:lnB>
+                    <a:lnTlToBr w="12700" cmpd="sng">
+                      <a:noFill/>
+                      <a:prstDash val="solid"/>
+                    </a:lnTlToBr>
+                    <a:lnBlToTr w="12700" cmpd="sng">
+                      <a:noFill/>
+                      <a:prstDash val="solid"/>
+                    </a:lnBlToTr>
+                    <a:noFill/>
+                  </a:tcPr>
+                </a:tc>
+                <a:extLst>
+                  <a:ext uri="{0D108BD9-81ED-4DB2-BD59-A6C34878D82A}">
+                    <a16:rowId xmlns:a16="http://schemas.microsoft.com/office/drawing/2014/main" val="3702531280"/>
+                  </a:ext>
+                </a:extLst>
+              </a:tr>
+              <a:tr h="0">
+                <a:tc>
+                  <a:txBody>
+                    <a:bodyPr/>
+                    <a:lstStyle/>
+                    <a:p>
+                      <a:r>
+                        <a:rPr lang="es-ES_tradnl" sz="1100" b="1" spc="-40" baseline="0" noProof="0" dirty="0" err="1">
+                          <a:effectLst/>
+                          <a:latin typeface="Google Sans" panose="020B0503030502040204" pitchFamily="34" charset="0"/>
+                        </a:rPr>
+                        <a:t>Deque</a:t>
+                      </a:r>
+                      <a:r>
+                        <a:rPr lang="es-ES_tradnl" sz="1100" b="1" spc="-40" baseline="0" noProof="0" dirty="0">
+                          <a:effectLst/>
+                          <a:latin typeface="Google Sans" panose="020B0503030502040204" pitchFamily="34" charset="0"/>
+                        </a:rPr>
+                        <a:t> [1]</a:t>
+                      </a:r>
+                    </a:p>
+                  </a:txBody>
+                  <a:tcPr anchor="ctr">
+                    <a:lnL w="12700" cap="flat" cmpd="sng" algn="ctr">
+                      <a:noFill/>
+                      <a:prstDash val="solid"/>
+                      <a:round/>
+                      <a:headEnd type="none" w="med" len="med"/>
+                      <a:tailEnd type="none" w="med" len="med"/>
+                    </a:lnL>
+                    <a:lnR w="12700" cap="flat" cmpd="sng" algn="ctr">
+                      <a:solidFill>
+                        <a:schemeClr val="bg1">
+                          <a:lumMod val="85000"/>
+                        </a:schemeClr>
+                      </a:solidFill>
+                      <a:prstDash val="solid"/>
+                      <a:round/>
+                      <a:headEnd type="none" w="med" len="med"/>
+                      <a:tailEnd type="none" w="med" len="med"/>
+                    </a:lnR>
+                    <a:lnT w="12700" cap="flat" cmpd="sng" algn="ctr">
+                      <a:solidFill>
+                        <a:schemeClr val="bg1">
+                          <a:lumMod val="85000"/>
+                        </a:schemeClr>
+                      </a:solidFill>
+                      <a:prstDash val="solid"/>
+                      <a:round/>
+                      <a:headEnd type="none" w="med" len="med"/>
+                      <a:tailEnd type="none" w="med" len="med"/>
+                    </a:lnT>
+                    <a:lnB w="9525" cap="flat" cmpd="sng" algn="ctr">
+                      <a:noFill/>
+                      <a:prstDash val="solid"/>
+                      <a:round/>
+                      <a:headEnd type="none" w="med" len="med"/>
+                      <a:tailEnd type="none" w="med" len="med"/>
+                    </a:lnB>
+                    <a:lnTlToBr w="12700" cmpd="sng">
+                      <a:noFill/>
+                      <a:prstDash val="solid"/>
+                    </a:lnTlToBr>
+                    <a:lnBlToTr w="12700" cmpd="sng">
+                      <a:noFill/>
+                      <a:prstDash val="solid"/>
+                    </a:lnBlToTr>
+                    <a:solidFill>
+                      <a:schemeClr val="bg1">
+                        <a:lumMod val="95000"/>
+                      </a:schemeClr>
+                    </a:solidFill>
+                  </a:tcPr>
+                </a:tc>
+                <a:tc>
+                  <a:txBody>
+                    <a:bodyPr/>
+                    <a:lstStyle/>
+                    <a:p>
+                      <a:r>
+                        <a:rPr lang="es-ES_tradnl" sz="1100" spc="-40" baseline="0" noProof="0" dirty="0">
+                          <a:effectLst/>
+                          <a:latin typeface="Google Sans" panose="020B0503030502040204" pitchFamily="34" charset="0"/>
+                        </a:rPr>
+                        <a:t>O(n) , se pueden insertar y eliminar por cualquiera de sus dos lados. (Mejor uso con listas doblemente ligada) </a:t>
+                      </a:r>
+                    </a:p>
+                  </a:txBody>
+                  <a:tcPr anchor="ctr">
+                    <a:lnL w="12700" cap="flat" cmpd="sng" algn="ctr">
+                      <a:solidFill>
+                        <a:schemeClr val="bg1">
+                          <a:lumMod val="85000"/>
+                        </a:schemeClr>
+                      </a:solidFill>
+                      <a:prstDash val="solid"/>
+                      <a:round/>
+                      <a:headEnd type="none" w="med" len="med"/>
+                      <a:tailEnd type="none" w="med" len="med"/>
+                    </a:lnL>
+                    <a:lnR w="12700" cap="flat" cmpd="sng" algn="ctr">
+                      <a:noFill/>
+                      <a:prstDash val="solid"/>
+                      <a:round/>
+                      <a:headEnd type="none" w="med" len="med"/>
+                      <a:tailEnd type="none" w="med" len="med"/>
+                    </a:lnR>
+                    <a:lnT w="12700" cap="flat" cmpd="sng" algn="ctr">
+                      <a:solidFill>
+                        <a:schemeClr val="bg1">
+                          <a:lumMod val="85000"/>
+                        </a:schemeClr>
+                      </a:solidFill>
+                      <a:prstDash val="solid"/>
+                      <a:round/>
+                      <a:headEnd type="none" w="med" len="med"/>
+                      <a:tailEnd type="none" w="med" len="med"/>
+                    </a:lnT>
+                    <a:lnB w="9525" cap="flat" cmpd="sng" algn="ctr">
+                      <a:noFill/>
+                      <a:prstDash val="solid"/>
+                      <a:round/>
+                      <a:headEnd type="none" w="med" len="med"/>
+                      <a:tailEnd type="none" w="med" len="med"/>
+                    </a:lnB>
+                    <a:lnTlToBr w="12700" cmpd="sng">
+                      <a:noFill/>
+                      <a:prstDash val="solid"/>
+                    </a:lnTlToBr>
+                    <a:lnBlToTr w="12700" cmpd="sng">
+                      <a:noFill/>
+                      <a:prstDash val="solid"/>
+                    </a:lnBlToTr>
+                    <a:noFill/>
+                  </a:tcPr>
+                </a:tc>
+                <a:extLst>
+                  <a:ext uri="{0D108BD9-81ED-4DB2-BD59-A6C34878D82A}">
+                    <a16:rowId xmlns:a16="http://schemas.microsoft.com/office/drawing/2014/main" val="1866493667"/>
+                  </a:ext>
+                </a:extLst>
+              </a:tr>
+            </a:tbl>
+          </a:graphicData>
+        </a:graphic>
+      </p:graphicFrame>
+      <p:sp>
+        <p:nvSpPr>
+          <p:cNvPr id="13" name="Rectangle 12">
+            <a:extLst>
+              <a:ext uri="{FF2B5EF4-FFF2-40B4-BE49-F238E27FC236}">
+                <a16:creationId xmlns:a16="http://schemas.microsoft.com/office/drawing/2014/main" id="{D1B7B1B1-B92A-394D-BE9D-3C617AE00B0F}"/>
+              </a:ext>
+            </a:extLst>
+          </p:cNvPr>
+          <p:cNvSpPr/>
+          <p:nvPr/>
+        </p:nvSpPr>
+        <p:spPr>
+          <a:xfrm>
+            <a:off x="804462" y="4303343"/>
+            <a:ext cx="10666635" cy="461665"/>
+          </a:xfrm>
+          <a:prstGeom prst="rect">
+            <a:avLst/>
+          </a:prstGeom>
+        </p:spPr>
+        <p:txBody>
+          <a:bodyPr wrap="square">
+            <a:spAutoFit/>
+          </a:bodyPr>
+          <a:lstStyle/>
+          <a:p>
+            <a:pPr marL="11113" lvl="1"/>
+            <a:r>
+              <a:rPr lang="es-ES_tradnl" sz="1200" spc="-50" dirty="0">
                 <a:latin typeface="Google Sans" panose="020B0503030502040204" pitchFamily="34" charset="0"/>
                 <a:ea typeface="Roboto" panose="02000000000000000000" pitchFamily="2" charset="0"/>
               </a:rPr>
-              <a:t>Cualquier computadora moderna puede ordenar y navegar esta lista con mucha facilidad (son solo +16K de registros con 3 campos cortos e importantes)</a:t>
-            </a:r>
-          </a:p>
-          <a:p>
-            <a:pPr marL="11113" lvl="1"/>
-            <a:endParaRPr lang="es-ES_tradnl" sz="1200" dirty="0">
-              <a:latin typeface="Google Sans" panose="020B0503030502040204" pitchFamily="34" charset="0"/>
-              <a:ea typeface="Roboto" panose="02000000000000000000" pitchFamily="2" charset="0"/>
-            </a:endParaRPr>
-          </a:p>
-          <a:p>
-            <a:pPr marL="11113" lvl="1"/>
-            <a:r>
-              <a:rPr lang="es-ES_tradnl" sz="1200" dirty="0">
-                <a:latin typeface="Google Sans" panose="020B0503030502040204" pitchFamily="34" charset="0"/>
-                <a:ea typeface="Roboto" panose="02000000000000000000" pitchFamily="2" charset="0"/>
-              </a:rPr>
-              <a:t>Cuando son millones de registros y mucho mas complejos, ya se deben considerar algoritmos con complejidades temporales logarítmicas, después lineales pero no exponenciales. Es importante verse cómo están organizados los datos de input para ver si se aplican cambios de anclas en un </a:t>
-            </a:r>
-            <a:r>
-              <a:rPr lang="es-ES_tradnl" sz="1200" dirty="0" err="1">
-                <a:latin typeface="Google Sans" panose="020B0503030502040204" pitchFamily="34" charset="0"/>
-                <a:ea typeface="Roboto" panose="02000000000000000000" pitchFamily="2" charset="0"/>
-              </a:rPr>
-              <a:t>mergeSort</a:t>
-            </a:r>
-            <a:r>
-              <a:rPr lang="es-ES_tradnl" sz="1200" dirty="0">
-                <a:latin typeface="Google Sans" panose="020B0503030502040204" pitchFamily="34" charset="0"/>
-                <a:ea typeface="Roboto" panose="02000000000000000000" pitchFamily="2" charset="0"/>
-              </a:rPr>
-              <a:t>, cual es la capacidad del hardware, etc.</a:t>
+              <a:t>La lista doblemente ligada (a diferencia de la simple) tiene doble vínculo (a su termino previo y a su posterior), ofreciendo la posibilidad de recorrer la lista de un lado o del otro.</a:t>
             </a:r>
           </a:p>
         </p:txBody>
@@ -18329,7 +17583,7 @@
         <p:spPr>
           <a:xfrm>
             <a:off x="505113" y="857336"/>
-            <a:ext cx="8429200" cy="252894"/>
+            <a:ext cx="8429200" cy="553998"/>
           </a:xfrm>
           <a:prstGeom prst="rect">
             <a:avLst/>
@@ -18346,195 +17600,21 @@
               <a:rPr lang="en-US" sz="1000" dirty="0">
                 <a:hlinkClick r:id="rId4"/>
               </a:rPr>
-              <a:t>https://www.geeksforgeeks.org/why-quick-sort-preferred-for-arrays-and-merge-sort-for-linked-lists/</a:t>
-            </a:r>
-            <a:endParaRPr lang="en-MX" sz="1000" dirty="0"/>
-          </a:p>
-        </p:txBody>
-      </p:sp>
-      <p:sp>
-        <p:nvSpPr>
-          <p:cNvPr id="12" name="TextBox 11">
-            <a:extLst>
-              <a:ext uri="{FF2B5EF4-FFF2-40B4-BE49-F238E27FC236}">
-                <a16:creationId xmlns:a16="http://schemas.microsoft.com/office/drawing/2014/main" id="{76965545-E78C-F340-901A-81987AC18928}"/>
-              </a:ext>
-            </a:extLst>
-          </p:cNvPr>
-          <p:cNvSpPr txBox="1"/>
-          <p:nvPr/>
-        </p:nvSpPr>
-        <p:spPr>
-          <a:xfrm>
-            <a:off x="505113" y="1340444"/>
-            <a:ext cx="8430540" cy="252894"/>
-          </a:xfrm>
-          <a:prstGeom prst="rect">
-            <a:avLst/>
-          </a:prstGeom>
-          <a:noFill/>
-        </p:spPr>
-        <p:txBody>
-          <a:bodyPr wrap="square" rtlCol="0">
-            <a:spAutoFit/>
-          </a:bodyPr>
-          <a:lstStyle/>
+              <a:t>https://www.geeksforgeeks.org/doubly-linked-list/</a:t>
+            </a:r>
+            <a:endParaRPr lang="en-US" sz="1000" dirty="0"/>
+          </a:p>
+          <a:p>
+            <a:endParaRPr lang="en-US" sz="1000" dirty="0"/>
+          </a:p>
           <a:p>
             <a:r>
               <a:rPr lang="en-US" sz="1000" dirty="0">
                 <a:hlinkClick r:id="rId5"/>
               </a:rPr>
-              <a:t>https://www.geeksforgeeks.org/iterative-quick-sort/</a:t>
-            </a:r>
-            <a:endParaRPr lang="en-MX" sz="1000" dirty="0"/>
-          </a:p>
-        </p:txBody>
-      </p:sp>
-      <p:sp>
-        <p:nvSpPr>
-          <p:cNvPr id="5" name="Rectangle 4">
-            <a:extLst>
-              <a:ext uri="{FF2B5EF4-FFF2-40B4-BE49-F238E27FC236}">
-                <a16:creationId xmlns:a16="http://schemas.microsoft.com/office/drawing/2014/main" id="{ABC56AFE-BB4F-D24A-863E-E8D20B320D8A}"/>
-              </a:ext>
-            </a:extLst>
-          </p:cNvPr>
-          <p:cNvSpPr/>
-          <p:nvPr/>
-        </p:nvSpPr>
-        <p:spPr>
-          <a:xfrm>
-            <a:off x="503773" y="1098890"/>
-            <a:ext cx="8430540" cy="252894"/>
-          </a:xfrm>
-          <a:prstGeom prst="rect">
-            <a:avLst/>
-          </a:prstGeom>
-        </p:spPr>
-        <p:txBody>
-          <a:bodyPr wrap="square">
-            <a:spAutoFit/>
-          </a:bodyPr>
-          <a:lstStyle/>
-          <a:p>
-            <a:r>
-              <a:rPr lang="en-US" sz="1000" dirty="0">
-                <a:hlinkClick r:id="rId6"/>
-              </a:rPr>
-              <a:t>https://www.geeksforgeeks.org/analysis-of-different-sorting-techniques/</a:t>
-            </a:r>
-            <a:endParaRPr lang="en-MX" sz="1000" dirty="0"/>
-          </a:p>
-        </p:txBody>
-      </p:sp>
-      <p:sp>
-        <p:nvSpPr>
-          <p:cNvPr id="8" name="Rectangle 7">
-            <a:extLst>
-              <a:ext uri="{FF2B5EF4-FFF2-40B4-BE49-F238E27FC236}">
-                <a16:creationId xmlns:a16="http://schemas.microsoft.com/office/drawing/2014/main" id="{42FB757B-94C2-AA41-B02D-CF72EA490CB8}"/>
-              </a:ext>
-            </a:extLst>
-          </p:cNvPr>
-          <p:cNvSpPr/>
-          <p:nvPr/>
-        </p:nvSpPr>
-        <p:spPr>
-          <a:xfrm>
-            <a:off x="503773" y="1581998"/>
-            <a:ext cx="8431882" cy="252894"/>
-          </a:xfrm>
-          <a:prstGeom prst="rect">
-            <a:avLst/>
-          </a:prstGeom>
-        </p:spPr>
-        <p:txBody>
-          <a:bodyPr wrap="square">
-            <a:spAutoFit/>
-          </a:bodyPr>
-          <a:lstStyle/>
-          <a:p>
-            <a:r>
-              <a:rPr lang="en-US" sz="1000" dirty="0">
-                <a:hlinkClick r:id="rId7"/>
-              </a:rPr>
-              <a:t>https://www.geeksforgeeks.org/difference-between-vector-and-list/</a:t>
-            </a:r>
-            <a:endParaRPr lang="en-MX" sz="1000" dirty="0"/>
-          </a:p>
-        </p:txBody>
-      </p:sp>
-      <p:sp>
-        <p:nvSpPr>
-          <p:cNvPr id="14" name="Rectangle 13">
-            <a:extLst>
-              <a:ext uri="{FF2B5EF4-FFF2-40B4-BE49-F238E27FC236}">
-                <a16:creationId xmlns:a16="http://schemas.microsoft.com/office/drawing/2014/main" id="{4E514BA5-6691-F64E-A24D-E4BE22456322}"/>
-              </a:ext>
-            </a:extLst>
-          </p:cNvPr>
-          <p:cNvSpPr/>
-          <p:nvPr/>
-        </p:nvSpPr>
-        <p:spPr>
-          <a:xfrm>
-            <a:off x="503772" y="2058433"/>
-            <a:ext cx="8431883" cy="246221"/>
-          </a:xfrm>
-          <a:prstGeom prst="rect">
-            <a:avLst/>
-          </a:prstGeom>
-        </p:spPr>
-        <p:txBody>
-          <a:bodyPr wrap="square">
-            <a:spAutoFit/>
-          </a:bodyPr>
-          <a:lstStyle/>
-          <a:p>
-            <a:r>
-              <a:rPr lang="en-US" sz="1000" dirty="0">
-                <a:hlinkClick r:id="rId8"/>
-              </a:rPr>
-              <a:t>https://codereview.stackexchange.com/questions/166313/sorting-large-1gb-file-with-100-millions-numbers-using-merge-sort</a:t>
-            </a:r>
-            <a:endParaRPr lang="en-MX" sz="1000" dirty="0"/>
-          </a:p>
-        </p:txBody>
-      </p:sp>
-      <p:sp>
-        <p:nvSpPr>
-          <p:cNvPr id="15" name="Rectangle 14">
-            <a:extLst>
-              <a:ext uri="{FF2B5EF4-FFF2-40B4-BE49-F238E27FC236}">
-                <a16:creationId xmlns:a16="http://schemas.microsoft.com/office/drawing/2014/main" id="{F31CB57C-8619-A147-8919-54AE5CCF9719}"/>
-              </a:ext>
-            </a:extLst>
-          </p:cNvPr>
-          <p:cNvSpPr/>
-          <p:nvPr/>
-        </p:nvSpPr>
-        <p:spPr>
-          <a:xfrm>
-            <a:off x="503772" y="1823552"/>
-            <a:ext cx="8431881" cy="246221"/>
-          </a:xfrm>
-          <a:prstGeom prst="rect">
-            <a:avLst/>
-          </a:prstGeom>
-        </p:spPr>
-        <p:txBody>
-          <a:bodyPr wrap="square">
-            <a:spAutoFit/>
-          </a:bodyPr>
-          <a:lstStyle/>
-          <a:p>
-            <a:r>
-              <a:rPr lang="en-US" sz="1000" dirty="0">
-                <a:hlinkClick r:id="rId9"/>
-              </a:rPr>
-              <a:t>https://www.geeksforgeeks.org/external-sorting/</a:t>
-            </a:r>
-            <a:endParaRPr lang="en-MX" sz="1000" dirty="0"/>
+              <a:t>https://www.geeksforgeeks.org/insertion-sort-doubly-linked-list/</a:t>
+            </a:r>
+            <a:endParaRPr lang="en-US" sz="1000" dirty="0"/>
           </a:p>
         </p:txBody>
       </p:sp>
